--- a/training/day1/3SpringBootDay1And2.pptx
+++ b/training/day1/3SpringBootDay1And2.pptx
@@ -10242,7 +10242,7 @@
                 </a:solidFill>
                 <a:latin typeface="+mn-lt"/>
               </a:rPr>
-              <a:t> Day 1 - Agenda</a:t>
+              <a:t>Spring Framework Architecture</a:t>
             </a:r>
             <a:endParaRPr lang="en-IN" dirty="0">
               <a:solidFill>

--- a/training/day1/3SpringBootDay1And2.pptx
+++ b/training/day1/3SpringBootDay1And2.pptx
@@ -247,7 +247,7 @@
           <a:p>
             <a:fld id="{F15A6252-5F50-4106-9C23-9E03A675631E}" type="datetimeFigureOut">
               <a:rPr lang="en-IN" smtClean="0"/>
-              <a:t>04-05-2020</a:t>
+              <a:t>05-05-2020</a:t>
             </a:fld>
             <a:endParaRPr lang="en-IN"/>
           </a:p>
@@ -1199,7 +1199,7 @@
           <a:p>
             <a:fld id="{4086692B-153F-4DFE-BFBD-A2AE2C7443B6}" type="datetimeFigureOut">
               <a:rPr lang="en-IN" smtClean="0"/>
-              <a:t>04-05-2020</a:t>
+              <a:t>05-05-2020</a:t>
             </a:fld>
             <a:endParaRPr lang="en-IN"/>
           </a:p>
@@ -1399,7 +1399,7 @@
           <a:p>
             <a:fld id="{4086692B-153F-4DFE-BFBD-A2AE2C7443B6}" type="datetimeFigureOut">
               <a:rPr lang="en-IN" smtClean="0"/>
-              <a:t>04-05-2020</a:t>
+              <a:t>05-05-2020</a:t>
             </a:fld>
             <a:endParaRPr lang="en-IN"/>
           </a:p>
@@ -1609,7 +1609,7 @@
           <a:p>
             <a:fld id="{4086692B-153F-4DFE-BFBD-A2AE2C7443B6}" type="datetimeFigureOut">
               <a:rPr lang="en-IN" smtClean="0"/>
-              <a:t>04-05-2020</a:t>
+              <a:t>05-05-2020</a:t>
             </a:fld>
             <a:endParaRPr lang="en-IN"/>
           </a:p>
@@ -1809,7 +1809,7 @@
           <a:p>
             <a:fld id="{4086692B-153F-4DFE-BFBD-A2AE2C7443B6}" type="datetimeFigureOut">
               <a:rPr lang="en-IN" smtClean="0"/>
-              <a:t>04-05-2020</a:t>
+              <a:t>05-05-2020</a:t>
             </a:fld>
             <a:endParaRPr lang="en-IN"/>
           </a:p>
@@ -2085,7 +2085,7 @@
           <a:p>
             <a:fld id="{4086692B-153F-4DFE-BFBD-A2AE2C7443B6}" type="datetimeFigureOut">
               <a:rPr lang="en-IN" smtClean="0"/>
-              <a:t>04-05-2020</a:t>
+              <a:t>05-05-2020</a:t>
             </a:fld>
             <a:endParaRPr lang="en-IN"/>
           </a:p>
@@ -2353,7 +2353,7 @@
           <a:p>
             <a:fld id="{4086692B-153F-4DFE-BFBD-A2AE2C7443B6}" type="datetimeFigureOut">
               <a:rPr lang="en-IN" smtClean="0"/>
-              <a:t>04-05-2020</a:t>
+              <a:t>05-05-2020</a:t>
             </a:fld>
             <a:endParaRPr lang="en-IN"/>
           </a:p>
@@ -2768,7 +2768,7 @@
           <a:p>
             <a:fld id="{4086692B-153F-4DFE-BFBD-A2AE2C7443B6}" type="datetimeFigureOut">
               <a:rPr lang="en-IN" smtClean="0"/>
-              <a:t>04-05-2020</a:t>
+              <a:t>05-05-2020</a:t>
             </a:fld>
             <a:endParaRPr lang="en-IN"/>
           </a:p>
@@ -2910,7 +2910,7 @@
           <a:p>
             <a:fld id="{4086692B-153F-4DFE-BFBD-A2AE2C7443B6}" type="datetimeFigureOut">
               <a:rPr lang="en-IN" smtClean="0"/>
-              <a:t>04-05-2020</a:t>
+              <a:t>05-05-2020</a:t>
             </a:fld>
             <a:endParaRPr lang="en-IN"/>
           </a:p>
@@ -3023,7 +3023,7 @@
           <a:p>
             <a:fld id="{4086692B-153F-4DFE-BFBD-A2AE2C7443B6}" type="datetimeFigureOut">
               <a:rPr lang="en-IN" smtClean="0"/>
-              <a:t>04-05-2020</a:t>
+              <a:t>05-05-2020</a:t>
             </a:fld>
             <a:endParaRPr lang="en-IN"/>
           </a:p>
@@ -3336,7 +3336,7 @@
           <a:p>
             <a:fld id="{4086692B-153F-4DFE-BFBD-A2AE2C7443B6}" type="datetimeFigureOut">
               <a:rPr lang="en-IN" smtClean="0"/>
-              <a:t>04-05-2020</a:t>
+              <a:t>05-05-2020</a:t>
             </a:fld>
             <a:endParaRPr lang="en-IN"/>
           </a:p>
@@ -3625,7 +3625,7 @@
           <a:p>
             <a:fld id="{4086692B-153F-4DFE-BFBD-A2AE2C7443B6}" type="datetimeFigureOut">
               <a:rPr lang="en-IN" smtClean="0"/>
-              <a:t>04-05-2020</a:t>
+              <a:t>05-05-2020</a:t>
             </a:fld>
             <a:endParaRPr lang="en-IN"/>
           </a:p>
@@ -3868,7 +3868,7 @@
           <a:p>
             <a:fld id="{4086692B-153F-4DFE-BFBD-A2AE2C7443B6}" type="datetimeFigureOut">
               <a:rPr lang="en-IN" smtClean="0"/>
-              <a:t>04-05-2020</a:t>
+              <a:t>05-05-2020</a:t>
             </a:fld>
             <a:endParaRPr lang="en-IN"/>
           </a:p>
@@ -5804,7 +5804,7 @@
                   <a:schemeClr val="bg1"/>
                 </a:solidFill>
               </a:rPr>
-              <a:t>		Creates starts Spring application context</a:t>
+              <a:t>		Creates and starts Spring application context</a:t>
             </a:r>
           </a:p>
           <a:p>
@@ -7262,30 +7262,17 @@
                   <a:schemeClr val="bg1"/>
                 </a:solidFill>
               </a:rPr>
-              <a:t>	Both classes should be beans, </a:t>
-            </a:r>
-            <a:r>
-              <a:rPr lang="en-US" b="1" dirty="0" err="1">
-                <a:solidFill>
-                  <a:schemeClr val="bg1"/>
-                </a:solidFill>
-              </a:rPr>
-              <a:t>i</a:t>
-            </a:r>
-            <a:endParaRPr lang="en-US" b="1" dirty="0">
-              <a:solidFill>
-                <a:schemeClr val="bg1"/>
-              </a:solidFill>
-            </a:endParaRPr>
-          </a:p>
-          <a:p>
-            <a:r>
-              <a:rPr lang="en-US" b="1" dirty="0">
-                <a:solidFill>
-                  <a:schemeClr val="bg1"/>
-                </a:solidFill>
-              </a:rPr>
-              <a:t>		both should be living in application context.</a:t>
+              <a:t>	Both classes should be beans,</a:t>
+            </a:r>
+          </a:p>
+          <a:p>
+            <a:r>
+              <a:rPr lang="en-US" b="1" dirty="0">
+                <a:solidFill>
+                  <a:schemeClr val="bg1"/>
+                </a:solidFill>
+              </a:rPr>
+              <a:t>		i.e. both should be living in application context.</a:t>
             </a:r>
           </a:p>
           <a:p>
@@ -8784,7 +8771,7 @@
           <p:nvPr>
             <p:extLst>
               <p:ext uri="{D42A27DB-BD31-4B8C-83A1-F6EECF244321}">
-                <p14:modId xmlns:p14="http://schemas.microsoft.com/office/powerpoint/2010/main" val="1778113953"/>
+                <p14:modId xmlns:p14="http://schemas.microsoft.com/office/powerpoint/2010/main" val="3825456725"/>
               </p:ext>
             </p:extLst>
           </p:nvPr>
@@ -9006,7 +8993,7 @@
                         <a:rPr lang="en-IN" sz="2000" u="none" strike="noStrike" dirty="0">
                           <a:effectLst/>
                         </a:rPr>
-                        <a:t>Get</a:t>
+                        <a:t>GET</a:t>
                       </a:r>
                       <a:endParaRPr lang="en-IN" sz="2000" b="0" i="0" u="none" strike="noStrike" dirty="0">
                         <a:solidFill>
@@ -9158,7 +9145,7 @@
                         <a:rPr lang="en-IN" sz="2000" u="none" strike="noStrike" dirty="0">
                           <a:effectLst/>
                         </a:rPr>
-                        <a:t>Put</a:t>
+                        <a:t>PUT</a:t>
                       </a:r>
                       <a:endParaRPr lang="en-IN" sz="2000" b="0" i="0" u="none" strike="noStrike" dirty="0">
                         <a:solidFill>
@@ -9234,9 +9221,9 @@
                         <a:rPr lang="en-IN" sz="2000" u="none" strike="noStrike">
                           <a:effectLst/>
                         </a:rPr>
-                        <a:t>Delete</a:t>
+                        <a:t>DELETE</a:t>
                       </a:r>
-                      <a:endParaRPr lang="en-IN" sz="2000" b="0" i="0" u="none" strike="noStrike">
+                      <a:endParaRPr lang="en-IN" sz="2000" b="0" i="0" u="none" strike="noStrike" dirty="0">
                         <a:solidFill>
                           <a:srgbClr val="000000"/>
                         </a:solidFill>

--- a/training/day1/3SpringBootDay1And2.pptx
+++ b/training/day1/3SpringBootDay1And2.pptx
@@ -5,7 +5,7 @@
     <p:sldMasterId id="2147483648" r:id="rId1"/>
   </p:sldMasterIdLst>
   <p:notesMasterIdLst>
-    <p:notesMasterId r:id="rId53"/>
+    <p:notesMasterId r:id="rId48"/>
   </p:notesMasterIdLst>
   <p:sldIdLst>
     <p:sldId id="413" r:id="rId2"/>
@@ -54,11 +54,6 @@
     <p:sldId id="458" r:id="rId45"/>
     <p:sldId id="459" r:id="rId46"/>
     <p:sldId id="460" r:id="rId47"/>
-    <p:sldId id="461" r:id="rId48"/>
-    <p:sldId id="462" r:id="rId49"/>
-    <p:sldId id="463" r:id="rId50"/>
-    <p:sldId id="464" r:id="rId51"/>
-    <p:sldId id="465" r:id="rId52"/>
   </p:sldIdLst>
   <p:sldSz cx="12192000" cy="6858000"/>
   <p:notesSz cx="6858000" cy="9144000"/>
@@ -11788,13 +11783,22 @@
           <a:lstStyle/>
           <a:p>
             <a:r>
-              <a:rPr lang="en-US" dirty="0">
+              <a:rPr lang="en-US" dirty="0" err="1">
                 <a:solidFill>
                   <a:schemeClr val="bg1"/>
                 </a:solidFill>
                 <a:latin typeface="+mn-lt"/>
               </a:rPr>
-              <a:t>WIP</a:t>
+              <a:t>RestTemplate</a:t>
+            </a:r>
+            <a:r>
+              <a:rPr lang="en-US" dirty="0">
+                <a:solidFill>
+                  <a:schemeClr val="bg1"/>
+                </a:solidFill>
+                <a:latin typeface="+mn-lt"/>
+              </a:rPr>
+              <a:t> class</a:t>
             </a:r>
             <a:endParaRPr lang="en-IN" dirty="0">
               <a:solidFill>
@@ -11820,7 +11824,7 @@
         <p:spPr>
           <a:xfrm>
             <a:off x="838200" y="1779687"/>
-            <a:ext cx="10515600" cy="369332"/>
+            <a:ext cx="10515600" cy="2585323"/>
           </a:xfrm>
           <a:prstGeom prst="rect">
             <a:avLst/>
@@ -11834,13 +11838,127 @@
           <a:lstStyle/>
           <a:p>
             <a:r>
-              <a:rPr lang="en-US" dirty="0">
-                <a:solidFill>
-                  <a:schemeClr val="bg1"/>
-                </a:solidFill>
-              </a:rPr>
-              <a:t>WIP</a:t>
-            </a:r>
+              <a:rPr lang="en-US" b="1" dirty="0">
+                <a:solidFill>
+                  <a:schemeClr val="bg1"/>
+                </a:solidFill>
+              </a:rPr>
+              <a:t>Used for accessing a third-party REST service inside a Spring application </a:t>
+            </a:r>
+          </a:p>
+          <a:p>
+            <a:r>
+              <a:rPr lang="en-US" b="1" dirty="0">
+                <a:solidFill>
+                  <a:schemeClr val="bg1"/>
+                </a:solidFill>
+              </a:rPr>
+              <a:t>All such templates provides a simplified approach with default behaviors for performing complex tasks.</a:t>
+            </a:r>
+          </a:p>
+          <a:p>
+            <a:r>
+              <a:rPr lang="en-US" b="1" dirty="0">
+                <a:solidFill>
+                  <a:schemeClr val="bg1"/>
+                </a:solidFill>
+              </a:rPr>
+              <a:t>Few Similar templates </a:t>
+            </a:r>
+          </a:p>
+          <a:p>
+            <a:r>
+              <a:rPr lang="en-US" b="1" dirty="0">
+                <a:solidFill>
+                  <a:schemeClr val="bg1"/>
+                </a:solidFill>
+              </a:rPr>
+              <a:t>	</a:t>
+            </a:r>
+            <a:r>
+              <a:rPr lang="en-US" b="1" dirty="0" err="1">
+                <a:solidFill>
+                  <a:schemeClr val="bg1"/>
+                </a:solidFill>
+              </a:rPr>
+              <a:t>JdbcTemplate</a:t>
+            </a:r>
+            <a:r>
+              <a:rPr lang="en-US" b="1" dirty="0">
+                <a:solidFill>
+                  <a:schemeClr val="bg1"/>
+                </a:solidFill>
+              </a:rPr>
+              <a:t>, </a:t>
+            </a:r>
+          </a:p>
+          <a:p>
+            <a:r>
+              <a:rPr lang="en-US" b="1" dirty="0">
+                <a:solidFill>
+                  <a:schemeClr val="bg1"/>
+                </a:solidFill>
+              </a:rPr>
+              <a:t>	</a:t>
+            </a:r>
+            <a:r>
+              <a:rPr lang="en-US" b="1" dirty="0" err="1">
+                <a:solidFill>
+                  <a:schemeClr val="bg1"/>
+                </a:solidFill>
+              </a:rPr>
+              <a:t>JmsTemplate</a:t>
+            </a:r>
+            <a:r>
+              <a:rPr lang="en-US" b="1" dirty="0">
+                <a:solidFill>
+                  <a:schemeClr val="bg1"/>
+                </a:solidFill>
+              </a:rPr>
+              <a:t>  </a:t>
+            </a:r>
+          </a:p>
+          <a:p>
+            <a:endParaRPr lang="en-US" b="1" dirty="0">
+              <a:solidFill>
+                <a:schemeClr val="bg1"/>
+              </a:solidFill>
+            </a:endParaRPr>
+          </a:p>
+          <a:p>
+            <a:r>
+              <a:rPr lang="en-US" b="1" dirty="0">
+                <a:solidFill>
+                  <a:schemeClr val="bg1"/>
+                </a:solidFill>
+              </a:rPr>
+              <a:t>Main methods are closely tied to REST’s methods, </a:t>
+            </a:r>
+          </a:p>
+          <a:p>
+            <a:r>
+              <a:rPr lang="en-US" b="1" dirty="0">
+                <a:solidFill>
+                  <a:schemeClr val="bg1"/>
+                </a:solidFill>
+              </a:rPr>
+              <a:t>	GET, POST, PUT, DELETE </a:t>
+            </a:r>
+            <a:r>
+              <a:rPr lang="en-US" b="1" dirty="0" err="1">
+                <a:solidFill>
+                  <a:schemeClr val="bg1"/>
+                </a:solidFill>
+              </a:rPr>
+              <a:t>ect</a:t>
+            </a:r>
+            <a:endParaRPr lang="en-US" b="1" dirty="0">
+              <a:solidFill>
+                <a:schemeClr val="bg1"/>
+              </a:solidFill>
+            </a:endParaRPr>
+          </a:p>
+          <a:p>
             <a:endParaRPr lang="en-US" b="1" dirty="0">
               <a:solidFill>
                 <a:schemeClr val="bg1"/>
@@ -11917,12 +12035,20 @@
           <a:lstStyle/>
           <a:p>
             <a:r>
-              <a:rPr lang="en-US" b="1" dirty="0">
-                <a:solidFill>
-                  <a:schemeClr val="bg1"/>
-                </a:solidFill>
-              </a:rPr>
-              <a:t>WIP</a:t>
+              <a:rPr lang="en-US" b="1" dirty="0" err="1">
+                <a:solidFill>
+                  <a:schemeClr val="bg1"/>
+                </a:solidFill>
+              </a:rPr>
+              <a:t>RestTemplate</a:t>
+            </a:r>
+            <a:r>
+              <a:rPr lang="en-US" b="1" dirty="0">
+                <a:solidFill>
+                  <a:schemeClr val="bg1"/>
+                </a:solidFill>
+              </a:rPr>
+              <a:t> – HTTP GET Method</a:t>
             </a:r>
             <a:endParaRPr lang="en-IN" b="1" dirty="0">
               <a:solidFill>
@@ -11948,7 +12074,7 @@
         <p:spPr>
           <a:xfrm>
             <a:off x="838200" y="1779687"/>
-            <a:ext cx="10515600" cy="369332"/>
+            <a:ext cx="10515600" cy="3693319"/>
           </a:xfrm>
           <a:prstGeom prst="rect">
             <a:avLst/>
@@ -11962,13 +12088,397 @@
           <a:lstStyle/>
           <a:p>
             <a:r>
-              <a:rPr lang="en-US" dirty="0">
-                <a:solidFill>
-                  <a:schemeClr val="bg1"/>
-                </a:solidFill>
-              </a:rPr>
-              <a:t>WIP</a:t>
-            </a:r>
+              <a:rPr lang="en-US" b="1" dirty="0">
+                <a:solidFill>
+                  <a:schemeClr val="bg1"/>
+                </a:solidFill>
+              </a:rPr>
+              <a:t>Supported methods are:</a:t>
+            </a:r>
+          </a:p>
+          <a:p>
+            <a:r>
+              <a:rPr lang="en-US" b="1" dirty="0">
+                <a:solidFill>
+                  <a:schemeClr val="bg1"/>
+                </a:solidFill>
+              </a:rPr>
+              <a:t>	</a:t>
+            </a:r>
+            <a:r>
+              <a:rPr lang="en-US" b="1" dirty="0" err="1">
+                <a:solidFill>
+                  <a:schemeClr val="bg1"/>
+                </a:solidFill>
+              </a:rPr>
+              <a:t>getForObject</a:t>
+            </a:r>
+            <a:r>
+              <a:rPr lang="en-US" b="1" dirty="0">
+                <a:solidFill>
+                  <a:schemeClr val="bg1"/>
+                </a:solidFill>
+              </a:rPr>
+              <a:t>(</a:t>
+            </a:r>
+            <a:r>
+              <a:rPr lang="en-US" b="1" dirty="0" err="1">
+                <a:solidFill>
+                  <a:schemeClr val="bg1"/>
+                </a:solidFill>
+              </a:rPr>
+              <a:t>url</a:t>
+            </a:r>
+            <a:r>
+              <a:rPr lang="en-US" b="1" dirty="0">
+                <a:solidFill>
+                  <a:schemeClr val="bg1"/>
+                </a:solidFill>
+              </a:rPr>
+              <a:t>, </a:t>
+            </a:r>
+            <a:r>
+              <a:rPr lang="en-US" b="1" dirty="0" err="1">
+                <a:solidFill>
+                  <a:schemeClr val="bg1"/>
+                </a:solidFill>
+              </a:rPr>
+              <a:t>classType</a:t>
+            </a:r>
+            <a:r>
+              <a:rPr lang="en-US" b="1" dirty="0">
+                <a:solidFill>
+                  <a:schemeClr val="bg1"/>
+                </a:solidFill>
+              </a:rPr>
+              <a:t>) – </a:t>
+            </a:r>
+          </a:p>
+          <a:p>
+            <a:r>
+              <a:rPr lang="en-US" b="1" dirty="0">
+                <a:solidFill>
+                  <a:schemeClr val="bg1"/>
+                </a:solidFill>
+              </a:rPr>
+              <a:t>		retrieve a representation by doing a GET on the URL. </a:t>
+            </a:r>
+          </a:p>
+          <a:p>
+            <a:r>
+              <a:rPr lang="en-US" b="1" dirty="0">
+                <a:solidFill>
+                  <a:schemeClr val="bg1"/>
+                </a:solidFill>
+              </a:rPr>
+              <a:t>		The response (if any) is unmarshalled to given class type and returned.</a:t>
+            </a:r>
+          </a:p>
+          <a:p>
+            <a:r>
+              <a:rPr lang="en-US" b="1" dirty="0">
+                <a:solidFill>
+                  <a:schemeClr val="bg1"/>
+                </a:solidFill>
+              </a:rPr>
+              <a:t>	</a:t>
+            </a:r>
+            <a:r>
+              <a:rPr lang="en-US" b="1" dirty="0" err="1">
+                <a:solidFill>
+                  <a:schemeClr val="bg1"/>
+                </a:solidFill>
+              </a:rPr>
+              <a:t>getForEntity</a:t>
+            </a:r>
+            <a:r>
+              <a:rPr lang="en-US" b="1" dirty="0">
+                <a:solidFill>
+                  <a:schemeClr val="bg1"/>
+                </a:solidFill>
+              </a:rPr>
+              <a:t>(</a:t>
+            </a:r>
+            <a:r>
+              <a:rPr lang="en-US" b="1" dirty="0" err="1">
+                <a:solidFill>
+                  <a:schemeClr val="bg1"/>
+                </a:solidFill>
+              </a:rPr>
+              <a:t>url</a:t>
+            </a:r>
+            <a:r>
+              <a:rPr lang="en-US" b="1" dirty="0">
+                <a:solidFill>
+                  <a:schemeClr val="bg1"/>
+                </a:solidFill>
+              </a:rPr>
+              <a:t>, </a:t>
+            </a:r>
+            <a:r>
+              <a:rPr lang="en-US" b="1" dirty="0" err="1">
+                <a:solidFill>
+                  <a:schemeClr val="bg1"/>
+                </a:solidFill>
+              </a:rPr>
+              <a:t>responseType</a:t>
+            </a:r>
+            <a:r>
+              <a:rPr lang="en-US" b="1" dirty="0">
+                <a:solidFill>
+                  <a:schemeClr val="bg1"/>
+                </a:solidFill>
+              </a:rPr>
+              <a:t>) </a:t>
+            </a:r>
+          </a:p>
+          <a:p>
+            <a:r>
+              <a:rPr lang="en-US" b="1" dirty="0">
+                <a:solidFill>
+                  <a:schemeClr val="bg1"/>
+                </a:solidFill>
+              </a:rPr>
+              <a:t>		retrieve a representation as </a:t>
+            </a:r>
+            <a:r>
+              <a:rPr lang="en-US" b="1" dirty="0" err="1">
+                <a:solidFill>
+                  <a:schemeClr val="bg1"/>
+                </a:solidFill>
+              </a:rPr>
+              <a:t>ResponseEntity</a:t>
+            </a:r>
+            <a:r>
+              <a:rPr lang="en-US" b="1" dirty="0">
+                <a:solidFill>
+                  <a:schemeClr val="bg1"/>
+                </a:solidFill>
+              </a:rPr>
+              <a:t> by doing a GET on the URL.</a:t>
+            </a:r>
+          </a:p>
+          <a:p>
+            <a:r>
+              <a:rPr lang="en-US" b="1" dirty="0">
+                <a:solidFill>
+                  <a:schemeClr val="bg1"/>
+                </a:solidFill>
+              </a:rPr>
+              <a:t>	exchange(</a:t>
+            </a:r>
+            <a:r>
+              <a:rPr lang="en-US" b="1" dirty="0" err="1">
+                <a:solidFill>
+                  <a:schemeClr val="bg1"/>
+                </a:solidFill>
+              </a:rPr>
+              <a:t>requestEntity</a:t>
+            </a:r>
+            <a:r>
+              <a:rPr lang="en-US" b="1" dirty="0">
+                <a:solidFill>
+                  <a:schemeClr val="bg1"/>
+                </a:solidFill>
+              </a:rPr>
+              <a:t>, </a:t>
+            </a:r>
+            <a:r>
+              <a:rPr lang="en-US" b="1" dirty="0" err="1">
+                <a:solidFill>
+                  <a:schemeClr val="bg1"/>
+                </a:solidFill>
+              </a:rPr>
+              <a:t>responseType</a:t>
+            </a:r>
+            <a:r>
+              <a:rPr lang="en-US" b="1" dirty="0">
+                <a:solidFill>
+                  <a:schemeClr val="bg1"/>
+                </a:solidFill>
+              </a:rPr>
+              <a:t>) </a:t>
+            </a:r>
+          </a:p>
+          <a:p>
+            <a:r>
+              <a:rPr lang="en-US" b="1" dirty="0">
+                <a:solidFill>
+                  <a:schemeClr val="bg1"/>
+                </a:solidFill>
+              </a:rPr>
+              <a:t>		execute the specified request and return the response as </a:t>
+            </a:r>
+            <a:r>
+              <a:rPr lang="en-US" b="1" dirty="0" err="1">
+                <a:solidFill>
+                  <a:schemeClr val="bg1"/>
+                </a:solidFill>
+              </a:rPr>
+              <a:t>ResponseEntity</a:t>
+            </a:r>
+            <a:r>
+              <a:rPr lang="en-US" b="1" dirty="0">
+                <a:solidFill>
+                  <a:schemeClr val="bg1"/>
+                </a:solidFill>
+              </a:rPr>
+              <a:t>.</a:t>
+            </a:r>
+          </a:p>
+          <a:p>
+            <a:r>
+              <a:rPr lang="en-US" b="1" dirty="0">
+                <a:solidFill>
+                  <a:schemeClr val="bg1"/>
+                </a:solidFill>
+              </a:rPr>
+              <a:t>	execute(</a:t>
+            </a:r>
+            <a:r>
+              <a:rPr lang="en-US" b="1" dirty="0" err="1">
+                <a:solidFill>
+                  <a:schemeClr val="bg1"/>
+                </a:solidFill>
+              </a:rPr>
+              <a:t>url</a:t>
+            </a:r>
+            <a:r>
+              <a:rPr lang="en-US" b="1" dirty="0">
+                <a:solidFill>
+                  <a:schemeClr val="bg1"/>
+                </a:solidFill>
+              </a:rPr>
+              <a:t>, </a:t>
+            </a:r>
+            <a:r>
+              <a:rPr lang="en-US" b="1" dirty="0" err="1">
+                <a:solidFill>
+                  <a:schemeClr val="bg1"/>
+                </a:solidFill>
+              </a:rPr>
+              <a:t>httpMethod</a:t>
+            </a:r>
+            <a:r>
+              <a:rPr lang="en-US" b="1" dirty="0">
+                <a:solidFill>
+                  <a:schemeClr val="bg1"/>
+                </a:solidFill>
+              </a:rPr>
+              <a:t>, </a:t>
+            </a:r>
+            <a:r>
+              <a:rPr lang="en-US" b="1" dirty="0" err="1">
+                <a:solidFill>
+                  <a:schemeClr val="bg1"/>
+                </a:solidFill>
+              </a:rPr>
+              <a:t>requestCallback</a:t>
+            </a:r>
+            <a:r>
+              <a:rPr lang="en-US" b="1" dirty="0">
+                <a:solidFill>
+                  <a:schemeClr val="bg1"/>
+                </a:solidFill>
+              </a:rPr>
+              <a:t>, </a:t>
+            </a:r>
+            <a:r>
+              <a:rPr lang="en-US" b="1" dirty="0" err="1">
+                <a:solidFill>
+                  <a:schemeClr val="bg1"/>
+                </a:solidFill>
+              </a:rPr>
+              <a:t>responseExtractor</a:t>
+            </a:r>
+            <a:r>
+              <a:rPr lang="en-US" b="1" dirty="0">
+                <a:solidFill>
+                  <a:schemeClr val="bg1"/>
+                </a:solidFill>
+              </a:rPr>
+              <a:t>) </a:t>
+            </a:r>
+          </a:p>
+          <a:p>
+            <a:r>
+              <a:rPr lang="en-US" b="1" dirty="0">
+                <a:solidFill>
+                  <a:schemeClr val="bg1"/>
+                </a:solidFill>
+              </a:rPr>
+              <a:t>		execute the </a:t>
+            </a:r>
+            <a:r>
+              <a:rPr lang="en-US" b="1" dirty="0" err="1">
+                <a:solidFill>
+                  <a:schemeClr val="bg1"/>
+                </a:solidFill>
+              </a:rPr>
+              <a:t>httpMethod</a:t>
+            </a:r>
+            <a:r>
+              <a:rPr lang="en-US" b="1" dirty="0">
+                <a:solidFill>
+                  <a:schemeClr val="bg1"/>
+                </a:solidFill>
+              </a:rPr>
+              <a:t> to the given URI template</a:t>
+            </a:r>
+          </a:p>
+          <a:p>
+            <a:r>
+              <a:rPr lang="en-US" b="1" dirty="0">
+                <a:solidFill>
+                  <a:schemeClr val="bg1"/>
+                </a:solidFill>
+              </a:rPr>
+              <a:t>		preparing the request with the </a:t>
+            </a:r>
+            <a:r>
+              <a:rPr lang="en-US" b="1" dirty="0" err="1">
+                <a:solidFill>
+                  <a:schemeClr val="bg1"/>
+                </a:solidFill>
+              </a:rPr>
+              <a:t>RequestCallback</a:t>
+            </a:r>
+            <a:r>
+              <a:rPr lang="en-US" b="1" dirty="0">
+                <a:solidFill>
+                  <a:schemeClr val="bg1"/>
+                </a:solidFill>
+              </a:rPr>
+              <a:t>, </a:t>
+            </a:r>
+          </a:p>
+          <a:p>
+            <a:r>
+              <a:rPr lang="en-US" b="1" dirty="0">
+                <a:solidFill>
+                  <a:schemeClr val="bg1"/>
+                </a:solidFill>
+              </a:rPr>
+              <a:t>		Reading the response with a </a:t>
+            </a:r>
+            <a:r>
+              <a:rPr lang="en-US" b="1" dirty="0" err="1">
+                <a:solidFill>
+                  <a:schemeClr val="bg1"/>
+                </a:solidFill>
+              </a:rPr>
+              <a:t>ResponseExtractor</a:t>
+            </a:r>
+            <a:r>
+              <a:rPr lang="en-US" b="1" dirty="0">
+                <a:solidFill>
+                  <a:schemeClr val="bg1"/>
+                </a:solidFill>
+              </a:rPr>
+              <a:t>.</a:t>
+            </a:r>
+          </a:p>
+          <a:p>
             <a:endParaRPr lang="en-US" b="1" dirty="0">
               <a:solidFill>
                 <a:schemeClr val="bg1"/>
@@ -12045,12 +12555,20 @@
           <a:lstStyle/>
           <a:p>
             <a:r>
-              <a:rPr lang="en-US" b="1" dirty="0">
-                <a:solidFill>
-                  <a:schemeClr val="bg1"/>
-                </a:solidFill>
-              </a:rPr>
-              <a:t>WIP</a:t>
+              <a:rPr lang="en-US" b="1" dirty="0" err="1">
+                <a:solidFill>
+                  <a:schemeClr val="bg1"/>
+                </a:solidFill>
+              </a:rPr>
+              <a:t>RestTemplate</a:t>
+            </a:r>
+            <a:r>
+              <a:rPr lang="en-US" b="1" dirty="0">
+                <a:solidFill>
+                  <a:schemeClr val="bg1"/>
+                </a:solidFill>
+              </a:rPr>
+              <a:t> - Get with XML Response</a:t>
             </a:r>
             <a:endParaRPr lang="en-IN" b="1" dirty="0">
               <a:solidFill>
@@ -12076,7 +12594,7 @@
         <p:spPr>
           <a:xfrm>
             <a:off x="838200" y="1779687"/>
-            <a:ext cx="10515600" cy="369332"/>
+            <a:ext cx="10515600" cy="4801314"/>
           </a:xfrm>
           <a:prstGeom prst="rect">
             <a:avLst/>
@@ -12090,13 +12608,485 @@
           <a:lstStyle/>
           <a:p>
             <a:r>
-              <a:rPr lang="en-US" dirty="0">
-                <a:solidFill>
-                  <a:schemeClr val="bg1"/>
-                </a:solidFill>
-              </a:rPr>
-              <a:t>WIP</a:t>
-            </a:r>
+              <a:rPr lang="en-US" b="1" dirty="0" err="1">
+                <a:solidFill>
+                  <a:schemeClr val="bg1"/>
+                </a:solidFill>
+              </a:rPr>
+              <a:t>RestController</a:t>
+            </a:r>
+            <a:endParaRPr lang="en-US" b="1" dirty="0">
+              <a:solidFill>
+                <a:schemeClr val="bg1"/>
+              </a:solidFill>
+            </a:endParaRPr>
+          </a:p>
+          <a:p>
+            <a:r>
+              <a:rPr lang="en-US" b="1" dirty="0">
+                <a:solidFill>
+                  <a:schemeClr val="bg1"/>
+                </a:solidFill>
+              </a:rPr>
+              <a:t>	@</a:t>
+            </a:r>
+            <a:r>
+              <a:rPr lang="en-US" b="1" dirty="0" err="1">
+                <a:solidFill>
+                  <a:schemeClr val="bg1"/>
+                </a:solidFill>
+              </a:rPr>
+              <a:t>RequestMapping</a:t>
+            </a:r>
+            <a:r>
+              <a:rPr lang="en-US" b="1" dirty="0">
+                <a:solidFill>
+                  <a:schemeClr val="bg1"/>
+                </a:solidFill>
+              </a:rPr>
+              <a:t>(value = "/employees", produces = </a:t>
+            </a:r>
+            <a:r>
+              <a:rPr lang="en-US" b="1" dirty="0" err="1">
+                <a:solidFill>
+                  <a:schemeClr val="bg1"/>
+                </a:solidFill>
+              </a:rPr>
+              <a:t>MediaType.APPLICATION_XML_VALUE</a:t>
+            </a:r>
+            <a:r>
+              <a:rPr lang="en-US" b="1" dirty="0">
+                <a:solidFill>
+                  <a:schemeClr val="bg1"/>
+                </a:solidFill>
+              </a:rPr>
+              <a:t>, 	method = </a:t>
+            </a:r>
+            <a:r>
+              <a:rPr lang="en-US" b="1" dirty="0" err="1">
+                <a:solidFill>
+                  <a:schemeClr val="bg1"/>
+                </a:solidFill>
+              </a:rPr>
+              <a:t>RequestMethod.GET</a:t>
+            </a:r>
+            <a:r>
+              <a:rPr lang="en-US" b="1" dirty="0">
+                <a:solidFill>
+                  <a:schemeClr val="bg1"/>
+                </a:solidFill>
+              </a:rPr>
+              <a:t>)</a:t>
+            </a:r>
+          </a:p>
+          <a:p>
+            <a:pPr lvl="2"/>
+            <a:r>
+              <a:rPr lang="en-US" b="1" dirty="0">
+                <a:solidFill>
+                  <a:schemeClr val="bg1"/>
+                </a:solidFill>
+              </a:rPr>
+              <a:t>public String </a:t>
+            </a:r>
+            <a:r>
+              <a:rPr lang="en-US" b="1" dirty="0" err="1">
+                <a:solidFill>
+                  <a:schemeClr val="bg1"/>
+                </a:solidFill>
+              </a:rPr>
+              <a:t>getAllEmployeesXML</a:t>
+            </a:r>
+            <a:r>
+              <a:rPr lang="en-US" b="1" dirty="0">
+                <a:solidFill>
+                  <a:schemeClr val="bg1"/>
+                </a:solidFill>
+              </a:rPr>
+              <a:t>(Model model) </a:t>
+            </a:r>
+          </a:p>
+          <a:p>
+            <a:pPr lvl="2"/>
+            <a:r>
+              <a:rPr lang="en-US" b="1" dirty="0">
+                <a:solidFill>
+                  <a:schemeClr val="bg1"/>
+                </a:solidFill>
+              </a:rPr>
+              <a:t>{</a:t>
+            </a:r>
+          </a:p>
+          <a:p>
+            <a:pPr lvl="2"/>
+            <a:r>
+              <a:rPr lang="en-US" b="1" dirty="0">
+                <a:solidFill>
+                  <a:schemeClr val="bg1"/>
+                </a:solidFill>
+              </a:rPr>
+              <a:t>    </a:t>
+            </a:r>
+            <a:r>
+              <a:rPr lang="en-US" b="1" dirty="0" err="1">
+                <a:solidFill>
+                  <a:schemeClr val="bg1"/>
+                </a:solidFill>
+              </a:rPr>
+              <a:t>model.addAttribute</a:t>
+            </a:r>
+            <a:r>
+              <a:rPr lang="en-US" b="1" dirty="0">
+                <a:solidFill>
+                  <a:schemeClr val="bg1"/>
+                </a:solidFill>
+              </a:rPr>
+              <a:t>("employees", </a:t>
+            </a:r>
+            <a:r>
+              <a:rPr lang="en-US" b="1" dirty="0" err="1">
+                <a:solidFill>
+                  <a:schemeClr val="bg1"/>
+                </a:solidFill>
+              </a:rPr>
+              <a:t>getEmployeesCollection</a:t>
+            </a:r>
+            <a:r>
+              <a:rPr lang="en-US" b="1" dirty="0">
+                <a:solidFill>
+                  <a:schemeClr val="bg1"/>
+                </a:solidFill>
+              </a:rPr>
+              <a:t>());</a:t>
+            </a:r>
+          </a:p>
+          <a:p>
+            <a:pPr lvl="2"/>
+            <a:r>
+              <a:rPr lang="en-US" b="1" dirty="0">
+                <a:solidFill>
+                  <a:schemeClr val="bg1"/>
+                </a:solidFill>
+              </a:rPr>
+              <a:t>    return "</a:t>
+            </a:r>
+            <a:r>
+              <a:rPr lang="en-US" b="1" dirty="0" err="1">
+                <a:solidFill>
+                  <a:schemeClr val="bg1"/>
+                </a:solidFill>
+              </a:rPr>
+              <a:t>xmlTemplate</a:t>
+            </a:r>
+            <a:r>
+              <a:rPr lang="en-US" b="1" dirty="0">
+                <a:solidFill>
+                  <a:schemeClr val="bg1"/>
+                </a:solidFill>
+              </a:rPr>
+              <a:t>";</a:t>
+            </a:r>
+          </a:p>
+          <a:p>
+            <a:pPr lvl="2"/>
+            <a:r>
+              <a:rPr lang="en-US" b="1" dirty="0">
+                <a:solidFill>
+                  <a:schemeClr val="bg1"/>
+                </a:solidFill>
+              </a:rPr>
+              <a:t>}</a:t>
+            </a:r>
+          </a:p>
+          <a:p>
+            <a:r>
+              <a:rPr lang="en-US" b="1" dirty="0">
+                <a:solidFill>
+                  <a:schemeClr val="bg1"/>
+                </a:solidFill>
+              </a:rPr>
+              <a:t>REST Client Code</a:t>
+            </a:r>
+          </a:p>
+          <a:p>
+            <a:pPr lvl="1"/>
+            <a:r>
+              <a:rPr lang="en-US" b="1" dirty="0">
+                <a:solidFill>
+                  <a:schemeClr val="bg1"/>
+                </a:solidFill>
+              </a:rPr>
+              <a:t>Spring REST client using </a:t>
+            </a:r>
+            <a:r>
+              <a:rPr lang="en-US" b="1" dirty="0" err="1">
+                <a:solidFill>
+                  <a:schemeClr val="bg1"/>
+                </a:solidFill>
+              </a:rPr>
+              <a:t>RestTemplate</a:t>
+            </a:r>
+            <a:r>
+              <a:rPr lang="en-US" b="1" dirty="0">
+                <a:solidFill>
+                  <a:schemeClr val="bg1"/>
+                </a:solidFill>
+              </a:rPr>
+              <a:t> to access HTTP GET </a:t>
+            </a:r>
+            <a:r>
+              <a:rPr lang="en-US" b="1" dirty="0" err="1">
+                <a:solidFill>
+                  <a:schemeClr val="bg1"/>
+                </a:solidFill>
+              </a:rPr>
+              <a:t>api</a:t>
+            </a:r>
+            <a:r>
+              <a:rPr lang="en-US" b="1" dirty="0">
+                <a:solidFill>
+                  <a:schemeClr val="bg1"/>
+                </a:solidFill>
+              </a:rPr>
+              <a:t> requests.</a:t>
+            </a:r>
+          </a:p>
+          <a:p>
+            <a:pPr lvl="1"/>
+            <a:r>
+              <a:rPr lang="en-US" b="1" dirty="0">
+                <a:solidFill>
+                  <a:schemeClr val="bg1"/>
+                </a:solidFill>
+              </a:rPr>
+              <a:t>private static void </a:t>
+            </a:r>
+            <a:r>
+              <a:rPr lang="en-US" b="1" dirty="0" err="1">
+                <a:solidFill>
+                  <a:schemeClr val="bg1"/>
+                </a:solidFill>
+              </a:rPr>
+              <a:t>getEmployees</a:t>
+            </a:r>
+            <a:r>
+              <a:rPr lang="en-US" b="1" dirty="0">
+                <a:solidFill>
+                  <a:schemeClr val="bg1"/>
+                </a:solidFill>
+              </a:rPr>
+              <a:t>(){</a:t>
+            </a:r>
+          </a:p>
+          <a:p>
+            <a:pPr lvl="1"/>
+            <a:r>
+              <a:rPr lang="en-US" b="1" dirty="0">
+                <a:solidFill>
+                  <a:schemeClr val="bg1"/>
+                </a:solidFill>
+              </a:rPr>
+              <a:t>    final String </a:t>
+            </a:r>
+            <a:r>
+              <a:rPr lang="en-US" b="1" dirty="0" err="1">
+                <a:solidFill>
+                  <a:schemeClr val="bg1"/>
+                </a:solidFill>
+              </a:rPr>
+              <a:t>uri</a:t>
+            </a:r>
+            <a:r>
+              <a:rPr lang="en-US" b="1" dirty="0">
+                <a:solidFill>
+                  <a:schemeClr val="bg1"/>
+                </a:solidFill>
+              </a:rPr>
+              <a:t> = "http://localhost:8080/</a:t>
+            </a:r>
+            <a:r>
+              <a:rPr lang="en-US" b="1" dirty="0" err="1">
+                <a:solidFill>
+                  <a:schemeClr val="bg1"/>
+                </a:solidFill>
+              </a:rPr>
+              <a:t>springrestexample</a:t>
+            </a:r>
+            <a:r>
+              <a:rPr lang="en-US" b="1" dirty="0">
+                <a:solidFill>
+                  <a:schemeClr val="bg1"/>
+                </a:solidFill>
+              </a:rPr>
+              <a:t>/employees.xml";</a:t>
+            </a:r>
+          </a:p>
+          <a:p>
+            <a:pPr lvl="1"/>
+            <a:r>
+              <a:rPr lang="en-US" b="1" dirty="0">
+                <a:solidFill>
+                  <a:schemeClr val="bg1"/>
+                </a:solidFill>
+              </a:rPr>
+              <a:t>    </a:t>
+            </a:r>
+            <a:r>
+              <a:rPr lang="en-US" b="1" dirty="0" err="1">
+                <a:solidFill>
+                  <a:schemeClr val="bg1"/>
+                </a:solidFill>
+              </a:rPr>
+              <a:t>RestTemplate</a:t>
+            </a:r>
+            <a:r>
+              <a:rPr lang="en-US" b="1" dirty="0">
+                <a:solidFill>
+                  <a:schemeClr val="bg1"/>
+                </a:solidFill>
+              </a:rPr>
+              <a:t> </a:t>
+            </a:r>
+            <a:r>
+              <a:rPr lang="en-US" b="1" dirty="0" err="1">
+                <a:solidFill>
+                  <a:schemeClr val="bg1"/>
+                </a:solidFill>
+              </a:rPr>
+              <a:t>restTemplate</a:t>
+            </a:r>
+            <a:r>
+              <a:rPr lang="en-US" b="1" dirty="0">
+                <a:solidFill>
+                  <a:schemeClr val="bg1"/>
+                </a:solidFill>
+              </a:rPr>
+              <a:t> = new </a:t>
+            </a:r>
+            <a:r>
+              <a:rPr lang="en-US" b="1" dirty="0" err="1">
+                <a:solidFill>
+                  <a:schemeClr val="bg1"/>
+                </a:solidFill>
+              </a:rPr>
+              <a:t>RestTemplate</a:t>
+            </a:r>
+            <a:r>
+              <a:rPr lang="en-US" b="1" dirty="0">
+                <a:solidFill>
+                  <a:schemeClr val="bg1"/>
+                </a:solidFill>
+              </a:rPr>
+              <a:t>();</a:t>
+            </a:r>
+          </a:p>
+          <a:p>
+            <a:pPr lvl="1"/>
+            <a:r>
+              <a:rPr lang="en-US" b="1" dirty="0">
+                <a:solidFill>
+                  <a:schemeClr val="bg1"/>
+                </a:solidFill>
+              </a:rPr>
+              <a:t>    String result = </a:t>
+            </a:r>
+            <a:r>
+              <a:rPr lang="en-US" b="1" dirty="0" err="1">
+                <a:solidFill>
+                  <a:schemeClr val="bg1"/>
+                </a:solidFill>
+              </a:rPr>
+              <a:t>restTemplate.</a:t>
+            </a:r>
+            <a:r>
+              <a:rPr lang="en-US" b="1" dirty="0" err="1">
+                <a:solidFill>
+                  <a:srgbClr val="FF0000"/>
+                </a:solidFill>
+              </a:rPr>
+              <a:t>getForObject</a:t>
+            </a:r>
+            <a:r>
+              <a:rPr lang="en-US" b="1" dirty="0">
+                <a:solidFill>
+                  <a:schemeClr val="bg1"/>
+                </a:solidFill>
+              </a:rPr>
+              <a:t>(</a:t>
+            </a:r>
+            <a:r>
+              <a:rPr lang="en-US" b="1" dirty="0" err="1">
+                <a:solidFill>
+                  <a:schemeClr val="bg1"/>
+                </a:solidFill>
+              </a:rPr>
+              <a:t>uri</a:t>
+            </a:r>
+            <a:r>
+              <a:rPr lang="en-US" b="1" dirty="0">
+                <a:solidFill>
+                  <a:schemeClr val="bg1"/>
+                </a:solidFill>
+              </a:rPr>
+              <a:t>, </a:t>
+            </a:r>
+            <a:r>
+              <a:rPr lang="en-US" b="1" dirty="0" err="1">
+                <a:solidFill>
+                  <a:schemeClr val="bg1"/>
+                </a:solidFill>
+              </a:rPr>
+              <a:t>String.class</a:t>
+            </a:r>
+            <a:r>
+              <a:rPr lang="en-US" b="1" dirty="0">
+                <a:solidFill>
+                  <a:schemeClr val="bg1"/>
+                </a:solidFill>
+              </a:rPr>
+              <a:t>);  </a:t>
+            </a:r>
+          </a:p>
+          <a:p>
+            <a:pPr lvl="1"/>
+            <a:r>
+              <a:rPr lang="en-US" b="1" dirty="0">
+                <a:solidFill>
+                  <a:schemeClr val="bg1"/>
+                </a:solidFill>
+              </a:rPr>
+              <a:t>    </a:t>
+            </a:r>
+            <a:r>
+              <a:rPr lang="en-US" b="1" dirty="0" err="1">
+                <a:solidFill>
+                  <a:schemeClr val="bg1"/>
+                </a:solidFill>
+              </a:rPr>
+              <a:t>System.out.println</a:t>
+            </a:r>
+            <a:r>
+              <a:rPr lang="en-US" b="1" dirty="0">
+                <a:solidFill>
+                  <a:schemeClr val="bg1"/>
+                </a:solidFill>
+              </a:rPr>
+              <a:t>(result);</a:t>
+            </a:r>
+          </a:p>
+          <a:p>
+            <a:pPr lvl="1"/>
+            <a:r>
+              <a:rPr lang="en-US" b="1" dirty="0">
+                <a:solidFill>
+                  <a:schemeClr val="bg1"/>
+                </a:solidFill>
+              </a:rPr>
+              <a:t>}</a:t>
+            </a:r>
+          </a:p>
+          <a:p>
+            <a:pPr lvl="1"/>
             <a:endParaRPr lang="en-US" b="1" dirty="0">
               <a:solidFill>
                 <a:schemeClr val="bg1"/>
@@ -12173,12 +13163,22 @@
           <a:lstStyle/>
           <a:p>
             <a:r>
-              <a:rPr lang="en-US" b="1" dirty="0">
-                <a:solidFill>
-                  <a:schemeClr val="bg1"/>
-                </a:solidFill>
-              </a:rPr>
-              <a:t>WIP</a:t>
+              <a:rPr lang="en-US" b="1" dirty="0" err="1">
+                <a:solidFill>
+                  <a:schemeClr val="bg1"/>
+                </a:solidFill>
+                <a:latin typeface="+mn-lt"/>
+              </a:rPr>
+              <a:t>RestTemplate</a:t>
+            </a:r>
+            <a:r>
+              <a:rPr lang="en-US" b="1" dirty="0">
+                <a:solidFill>
+                  <a:schemeClr val="bg1"/>
+                </a:solidFill>
+                <a:latin typeface="+mn-lt"/>
+              </a:rPr>
+              <a:t> - JSON Response</a:t>
             </a:r>
             <a:endParaRPr lang="en-IN" b="1" dirty="0">
               <a:solidFill>
@@ -12203,8 +13203,8 @@
         </p:nvSpPr>
         <p:spPr>
           <a:xfrm>
-            <a:off x="838200" y="1779687"/>
-            <a:ext cx="10515600" cy="369332"/>
+            <a:off x="838200" y="1443502"/>
+            <a:ext cx="10515600" cy="4801314"/>
           </a:xfrm>
           <a:prstGeom prst="rect">
             <a:avLst/>
@@ -12217,19 +13217,465 @@
           </a:bodyPr>
           <a:lstStyle/>
           <a:p>
-            <a:r>
-              <a:rPr lang="en-US" dirty="0">
-                <a:solidFill>
-                  <a:schemeClr val="bg1"/>
-                </a:solidFill>
-              </a:rPr>
-              <a:t>WIP</a:t>
-            </a:r>
+            <a:pPr lvl="1"/>
+            <a:r>
+              <a:rPr lang="en-US" b="1" dirty="0">
+                <a:solidFill>
+                  <a:schemeClr val="bg1"/>
+                </a:solidFill>
+              </a:rPr>
+              <a:t>@</a:t>
+            </a:r>
+            <a:r>
+              <a:rPr lang="en-US" b="1" dirty="0" err="1">
+                <a:solidFill>
+                  <a:schemeClr val="bg1"/>
+                </a:solidFill>
+              </a:rPr>
+              <a:t>RequestMapping</a:t>
+            </a:r>
+            <a:r>
+              <a:rPr lang="en-US" b="1" dirty="0">
+                <a:solidFill>
+                  <a:schemeClr val="bg1"/>
+                </a:solidFill>
+              </a:rPr>
+              <a:t>(value = "/employees", produces = </a:t>
+            </a:r>
+            <a:r>
+              <a:rPr lang="en-US" b="1" dirty="0" err="1">
+                <a:solidFill>
+                  <a:schemeClr val="bg1"/>
+                </a:solidFill>
+              </a:rPr>
+              <a:t>MediaType.APPLICATION_JSON_VALUE</a:t>
+            </a:r>
+            <a:r>
+              <a:rPr lang="en-US" b="1" dirty="0">
+                <a:solidFill>
+                  <a:schemeClr val="bg1"/>
+                </a:solidFill>
+              </a:rPr>
+              <a:t>,  method = </a:t>
+            </a:r>
+            <a:r>
+              <a:rPr lang="en-US" b="1" dirty="0" err="1">
+                <a:solidFill>
+                  <a:schemeClr val="bg1"/>
+                </a:solidFill>
+              </a:rPr>
+              <a:t>RequestMethod.GET</a:t>
+            </a:r>
+            <a:r>
+              <a:rPr lang="en-US" b="1" dirty="0">
+                <a:solidFill>
+                  <a:schemeClr val="bg1"/>
+                </a:solidFill>
+              </a:rPr>
+              <a:t>)</a:t>
+            </a:r>
+          </a:p>
+          <a:p>
+            <a:pPr lvl="1"/>
+            <a:r>
+              <a:rPr lang="en-US" b="1" dirty="0">
+                <a:solidFill>
+                  <a:schemeClr val="bg1"/>
+                </a:solidFill>
+              </a:rPr>
+              <a:t>public String </a:t>
+            </a:r>
+            <a:r>
+              <a:rPr lang="en-US" b="1" dirty="0" err="1">
+                <a:solidFill>
+                  <a:schemeClr val="bg1"/>
+                </a:solidFill>
+              </a:rPr>
+              <a:t>getAllEmployeesJSON</a:t>
+            </a:r>
+            <a:r>
+              <a:rPr lang="en-US" b="1" dirty="0">
+                <a:solidFill>
+                  <a:schemeClr val="bg1"/>
+                </a:solidFill>
+              </a:rPr>
+              <a:t>(Model model) </a:t>
+            </a:r>
+          </a:p>
+          <a:p>
+            <a:pPr lvl="1"/>
+            <a:r>
+              <a:rPr lang="en-US" b="1" dirty="0">
+                <a:solidFill>
+                  <a:schemeClr val="bg1"/>
+                </a:solidFill>
+              </a:rPr>
+              <a:t>{</a:t>
+            </a:r>
+          </a:p>
+          <a:p>
+            <a:pPr lvl="1"/>
+            <a:r>
+              <a:rPr lang="en-US" b="1" dirty="0">
+                <a:solidFill>
+                  <a:schemeClr val="bg1"/>
+                </a:solidFill>
+              </a:rPr>
+              <a:t>    </a:t>
+            </a:r>
+            <a:r>
+              <a:rPr lang="en-US" b="1" dirty="0" err="1">
+                <a:solidFill>
+                  <a:schemeClr val="bg1"/>
+                </a:solidFill>
+              </a:rPr>
+              <a:t>model.addAttribute</a:t>
+            </a:r>
+            <a:r>
+              <a:rPr lang="en-US" b="1" dirty="0">
+                <a:solidFill>
+                  <a:schemeClr val="bg1"/>
+                </a:solidFill>
+              </a:rPr>
+              <a:t>("employees", </a:t>
+            </a:r>
+            <a:r>
+              <a:rPr lang="en-US" b="1" dirty="0" err="1">
+                <a:solidFill>
+                  <a:schemeClr val="bg1"/>
+                </a:solidFill>
+              </a:rPr>
+              <a:t>getEmployeesCollection</a:t>
+            </a:r>
+            <a:r>
+              <a:rPr lang="en-US" b="1" dirty="0">
+                <a:solidFill>
+                  <a:schemeClr val="bg1"/>
+                </a:solidFill>
+              </a:rPr>
+              <a:t>());</a:t>
+            </a:r>
+          </a:p>
+          <a:p>
+            <a:pPr lvl="1"/>
+            <a:r>
+              <a:rPr lang="en-US" b="1" dirty="0">
+                <a:solidFill>
+                  <a:schemeClr val="bg1"/>
+                </a:solidFill>
+              </a:rPr>
+              <a:t>    return "</a:t>
+            </a:r>
+            <a:r>
+              <a:rPr lang="en-US" b="1" dirty="0" err="1">
+                <a:solidFill>
+                  <a:schemeClr val="bg1"/>
+                </a:solidFill>
+              </a:rPr>
+              <a:t>jsonTemplate</a:t>
+            </a:r>
+            <a:r>
+              <a:rPr lang="en-US" b="1" dirty="0">
+                <a:solidFill>
+                  <a:schemeClr val="bg1"/>
+                </a:solidFill>
+              </a:rPr>
+              <a:t>";</a:t>
+            </a:r>
+          </a:p>
+          <a:p>
+            <a:pPr lvl="1"/>
+            <a:r>
+              <a:rPr lang="en-US" b="1" dirty="0">
+                <a:solidFill>
+                  <a:schemeClr val="bg1"/>
+                </a:solidFill>
+              </a:rPr>
+              <a:t>}</a:t>
+            </a:r>
+          </a:p>
+          <a:p>
+            <a:pPr lvl="1"/>
             <a:endParaRPr lang="en-US" b="1" dirty="0">
               <a:solidFill>
                 <a:schemeClr val="bg1"/>
               </a:solidFill>
             </a:endParaRPr>
+          </a:p>
+          <a:p>
+            <a:pPr lvl="1"/>
+            <a:r>
+              <a:rPr lang="en-US" b="1" dirty="0">
+                <a:solidFill>
+                  <a:schemeClr val="bg1"/>
+                </a:solidFill>
+              </a:rPr>
+              <a:t>private static void </a:t>
+            </a:r>
+            <a:r>
+              <a:rPr lang="en-US" b="1" dirty="0" err="1">
+                <a:solidFill>
+                  <a:schemeClr val="bg1"/>
+                </a:solidFill>
+              </a:rPr>
+              <a:t>getEmployees</a:t>
+            </a:r>
+            <a:r>
+              <a:rPr lang="en-US" b="1" dirty="0">
+                <a:solidFill>
+                  <a:schemeClr val="bg1"/>
+                </a:solidFill>
+              </a:rPr>
+              <a:t>()</a:t>
+            </a:r>
+          </a:p>
+          <a:p>
+            <a:pPr lvl="1"/>
+            <a:r>
+              <a:rPr lang="en-US" b="1" dirty="0">
+                <a:solidFill>
+                  <a:schemeClr val="bg1"/>
+                </a:solidFill>
+              </a:rPr>
+              <a:t>{</a:t>
+            </a:r>
+          </a:p>
+          <a:p>
+            <a:pPr lvl="1"/>
+            <a:r>
+              <a:rPr lang="en-US" b="1" dirty="0">
+                <a:solidFill>
+                  <a:schemeClr val="bg1"/>
+                </a:solidFill>
+              </a:rPr>
+              <a:t>    final String </a:t>
+            </a:r>
+            <a:r>
+              <a:rPr lang="en-US" b="1" dirty="0" err="1">
+                <a:solidFill>
+                  <a:schemeClr val="bg1"/>
+                </a:solidFill>
+              </a:rPr>
+              <a:t>uri</a:t>
+            </a:r>
+            <a:r>
+              <a:rPr lang="en-US" b="1" dirty="0">
+                <a:solidFill>
+                  <a:schemeClr val="bg1"/>
+                </a:solidFill>
+              </a:rPr>
+              <a:t> = "http://localhost:8080/</a:t>
+            </a:r>
+            <a:r>
+              <a:rPr lang="en-US" b="1" dirty="0" err="1">
+                <a:solidFill>
+                  <a:schemeClr val="bg1"/>
+                </a:solidFill>
+              </a:rPr>
+              <a:t>springrestexample</a:t>
+            </a:r>
+            <a:r>
+              <a:rPr lang="en-US" b="1" dirty="0">
+                <a:solidFill>
+                  <a:schemeClr val="bg1"/>
+                </a:solidFill>
+              </a:rPr>
+              <a:t>/</a:t>
+            </a:r>
+            <a:r>
+              <a:rPr lang="en-US" b="1" dirty="0" err="1">
+                <a:solidFill>
+                  <a:schemeClr val="bg1"/>
+                </a:solidFill>
+              </a:rPr>
+              <a:t>employees.json</a:t>
+            </a:r>
+            <a:r>
+              <a:rPr lang="en-US" b="1" dirty="0">
+                <a:solidFill>
+                  <a:schemeClr val="bg1"/>
+                </a:solidFill>
+              </a:rPr>
+              <a:t>";</a:t>
+            </a:r>
+          </a:p>
+          <a:p>
+            <a:pPr lvl="1"/>
+            <a:r>
+              <a:rPr lang="en-US" b="1" dirty="0">
+                <a:solidFill>
+                  <a:schemeClr val="bg1"/>
+                </a:solidFill>
+              </a:rPr>
+              <a:t>     </a:t>
+            </a:r>
+          </a:p>
+          <a:p>
+            <a:pPr lvl="1"/>
+            <a:r>
+              <a:rPr lang="en-US" b="1" dirty="0">
+                <a:solidFill>
+                  <a:schemeClr val="bg1"/>
+                </a:solidFill>
+              </a:rPr>
+              <a:t>    </a:t>
+            </a:r>
+            <a:r>
+              <a:rPr lang="en-US" b="1" dirty="0" err="1">
+                <a:solidFill>
+                  <a:schemeClr val="bg1"/>
+                </a:solidFill>
+              </a:rPr>
+              <a:t>RestTemplate</a:t>
+            </a:r>
+            <a:r>
+              <a:rPr lang="en-US" b="1" dirty="0">
+                <a:solidFill>
+                  <a:schemeClr val="bg1"/>
+                </a:solidFill>
+              </a:rPr>
+              <a:t> </a:t>
+            </a:r>
+            <a:r>
+              <a:rPr lang="en-US" b="1" dirty="0" err="1">
+                <a:solidFill>
+                  <a:schemeClr val="bg1"/>
+                </a:solidFill>
+              </a:rPr>
+              <a:t>restTemplate</a:t>
+            </a:r>
+            <a:r>
+              <a:rPr lang="en-US" b="1" dirty="0">
+                <a:solidFill>
+                  <a:schemeClr val="bg1"/>
+                </a:solidFill>
+              </a:rPr>
+              <a:t> = new </a:t>
+            </a:r>
+            <a:r>
+              <a:rPr lang="en-US" b="1" dirty="0" err="1">
+                <a:solidFill>
+                  <a:schemeClr val="bg1"/>
+                </a:solidFill>
+              </a:rPr>
+              <a:t>RestTemplate</a:t>
+            </a:r>
+            <a:r>
+              <a:rPr lang="en-US" b="1" dirty="0">
+                <a:solidFill>
+                  <a:schemeClr val="bg1"/>
+                </a:solidFill>
+              </a:rPr>
+              <a:t>();</a:t>
+            </a:r>
+          </a:p>
+          <a:p>
+            <a:pPr lvl="1"/>
+            <a:r>
+              <a:rPr lang="en-US" b="1" dirty="0">
+                <a:solidFill>
+                  <a:schemeClr val="bg1"/>
+                </a:solidFill>
+              </a:rPr>
+              <a:t>    String result = </a:t>
+            </a:r>
+            <a:r>
+              <a:rPr lang="en-US" b="1" dirty="0" err="1">
+                <a:solidFill>
+                  <a:schemeClr val="bg1"/>
+                </a:solidFill>
+              </a:rPr>
+              <a:t>restTemplate.getForObject</a:t>
+            </a:r>
+            <a:r>
+              <a:rPr lang="en-US" b="1" dirty="0">
+                <a:solidFill>
+                  <a:schemeClr val="bg1"/>
+                </a:solidFill>
+              </a:rPr>
+              <a:t>(</a:t>
+            </a:r>
+            <a:r>
+              <a:rPr lang="en-US" b="1" dirty="0" err="1">
+                <a:solidFill>
+                  <a:schemeClr val="bg1"/>
+                </a:solidFill>
+              </a:rPr>
+              <a:t>uri</a:t>
+            </a:r>
+            <a:r>
+              <a:rPr lang="en-US" b="1" dirty="0">
+                <a:solidFill>
+                  <a:schemeClr val="bg1"/>
+                </a:solidFill>
+              </a:rPr>
+              <a:t>, </a:t>
+            </a:r>
+            <a:r>
+              <a:rPr lang="en-US" b="1" dirty="0" err="1">
+                <a:solidFill>
+                  <a:schemeClr val="bg1"/>
+                </a:solidFill>
+              </a:rPr>
+              <a:t>String.class</a:t>
+            </a:r>
+            <a:r>
+              <a:rPr lang="en-US" b="1" dirty="0">
+                <a:solidFill>
+                  <a:schemeClr val="bg1"/>
+                </a:solidFill>
+              </a:rPr>
+              <a:t>);</a:t>
+            </a:r>
+          </a:p>
+          <a:p>
+            <a:pPr lvl="1"/>
+            <a:r>
+              <a:rPr lang="en-US" b="1" dirty="0">
+                <a:solidFill>
+                  <a:schemeClr val="bg1"/>
+                </a:solidFill>
+              </a:rPr>
+              <a:t>     </a:t>
+            </a:r>
+          </a:p>
+          <a:p>
+            <a:pPr lvl="1"/>
+            <a:r>
+              <a:rPr lang="en-US" b="1" dirty="0">
+                <a:solidFill>
+                  <a:schemeClr val="bg1"/>
+                </a:solidFill>
+              </a:rPr>
+              <a:t>    </a:t>
+            </a:r>
+            <a:r>
+              <a:rPr lang="en-US" b="1" dirty="0" err="1">
+                <a:solidFill>
+                  <a:schemeClr val="bg1"/>
+                </a:solidFill>
+              </a:rPr>
+              <a:t>System.out.println</a:t>
+            </a:r>
+            <a:r>
+              <a:rPr lang="en-US" b="1" dirty="0">
+                <a:solidFill>
+                  <a:schemeClr val="bg1"/>
+                </a:solidFill>
+              </a:rPr>
+              <a:t>(result);</a:t>
+            </a:r>
+          </a:p>
+          <a:p>
+            <a:pPr lvl="1"/>
+            <a:r>
+              <a:rPr lang="en-US" b="1" dirty="0">
+                <a:solidFill>
+                  <a:schemeClr val="bg1"/>
+                </a:solidFill>
+              </a:rPr>
+              <a:t>}	</a:t>
+            </a:r>
           </a:p>
         </p:txBody>
       </p:sp>
@@ -12305,8 +13751,18 @@
                 <a:solidFill>
                   <a:schemeClr val="bg1"/>
                 </a:solidFill>
-              </a:rPr>
-              <a:t>WIP</a:t>
+                <a:latin typeface="+mn-lt"/>
+              </a:rPr>
+              <a:t>Http Headers with </a:t>
+            </a:r>
+            <a:r>
+              <a:rPr lang="en-US" b="1" dirty="0" err="1">
+                <a:solidFill>
+                  <a:schemeClr val="bg1"/>
+                </a:solidFill>
+                <a:latin typeface="+mn-lt"/>
+              </a:rPr>
+              <a:t>RestTmplate</a:t>
             </a:r>
             <a:endParaRPr lang="en-IN" b="1" dirty="0">
               <a:solidFill>
@@ -12332,7 +13788,7 @@
         <p:spPr>
           <a:xfrm>
             <a:off x="838200" y="1779687"/>
-            <a:ext cx="10515600" cy="369332"/>
+            <a:ext cx="10515600" cy="5078313"/>
           </a:xfrm>
           <a:prstGeom prst="rect">
             <a:avLst/>
@@ -12346,13 +13802,581 @@
           <a:lstStyle/>
           <a:p>
             <a:r>
-              <a:rPr lang="en-US" dirty="0">
-                <a:solidFill>
-                  <a:schemeClr val="bg1"/>
-                </a:solidFill>
-              </a:rPr>
-              <a:t>WIP</a:t>
-            </a:r>
+              <a:rPr lang="en-US" b="1" dirty="0">
+                <a:solidFill>
+                  <a:schemeClr val="bg1"/>
+                </a:solidFill>
+              </a:rPr>
+              <a:t>@</a:t>
+            </a:r>
+            <a:r>
+              <a:rPr lang="en-US" b="1" dirty="0" err="1">
+                <a:solidFill>
+                  <a:schemeClr val="bg1"/>
+                </a:solidFill>
+              </a:rPr>
+              <a:t>RequestMapping</a:t>
+            </a:r>
+            <a:r>
+              <a:rPr lang="en-US" b="1" dirty="0">
+                <a:solidFill>
+                  <a:schemeClr val="bg1"/>
+                </a:solidFill>
+              </a:rPr>
+              <a:t>(value = "/employees", produces = </a:t>
+            </a:r>
+            <a:r>
+              <a:rPr lang="en-US" b="1" dirty="0" err="1">
+                <a:solidFill>
+                  <a:schemeClr val="bg1"/>
+                </a:solidFill>
+              </a:rPr>
+              <a:t>MediaType.APPLICATION_JSON_VALUE</a:t>
+            </a:r>
+            <a:r>
+              <a:rPr lang="en-US" b="1" dirty="0">
+                <a:solidFill>
+                  <a:schemeClr val="bg1"/>
+                </a:solidFill>
+              </a:rPr>
+              <a:t>,  method = </a:t>
+            </a:r>
+            <a:r>
+              <a:rPr lang="en-US" b="1" dirty="0" err="1">
+                <a:solidFill>
+                  <a:schemeClr val="bg1"/>
+                </a:solidFill>
+              </a:rPr>
+              <a:t>RequestMethod.GET</a:t>
+            </a:r>
+            <a:r>
+              <a:rPr lang="en-US" b="1" dirty="0">
+                <a:solidFill>
+                  <a:schemeClr val="bg1"/>
+                </a:solidFill>
+              </a:rPr>
+              <a:t>)</a:t>
+            </a:r>
+          </a:p>
+          <a:p>
+            <a:r>
+              <a:rPr lang="en-US" b="1" dirty="0">
+                <a:solidFill>
+                  <a:schemeClr val="bg1"/>
+                </a:solidFill>
+              </a:rPr>
+              <a:t>public String </a:t>
+            </a:r>
+            <a:r>
+              <a:rPr lang="en-US" b="1" dirty="0" err="1">
+                <a:solidFill>
+                  <a:schemeClr val="bg1"/>
+                </a:solidFill>
+              </a:rPr>
+              <a:t>getAllEmployeesJSON</a:t>
+            </a:r>
+            <a:r>
+              <a:rPr lang="en-US" b="1" dirty="0">
+                <a:solidFill>
+                  <a:schemeClr val="bg1"/>
+                </a:solidFill>
+              </a:rPr>
+              <a:t>(Model model) {</a:t>
+            </a:r>
+          </a:p>
+          <a:p>
+            <a:r>
+              <a:rPr lang="en-US" b="1" dirty="0">
+                <a:solidFill>
+                  <a:schemeClr val="bg1"/>
+                </a:solidFill>
+              </a:rPr>
+              <a:t>    </a:t>
+            </a:r>
+            <a:r>
+              <a:rPr lang="en-US" b="1" dirty="0" err="1">
+                <a:solidFill>
+                  <a:schemeClr val="bg1"/>
+                </a:solidFill>
+              </a:rPr>
+              <a:t>model.addAttribute</a:t>
+            </a:r>
+            <a:r>
+              <a:rPr lang="en-US" b="1" dirty="0">
+                <a:solidFill>
+                  <a:schemeClr val="bg1"/>
+                </a:solidFill>
+              </a:rPr>
+              <a:t>("employees", </a:t>
+            </a:r>
+            <a:r>
+              <a:rPr lang="en-US" b="1" dirty="0" err="1">
+                <a:solidFill>
+                  <a:schemeClr val="bg1"/>
+                </a:solidFill>
+              </a:rPr>
+              <a:t>getEmployeesCollection</a:t>
+            </a:r>
+            <a:r>
+              <a:rPr lang="en-US" b="1" dirty="0">
+                <a:solidFill>
+                  <a:schemeClr val="bg1"/>
+                </a:solidFill>
+              </a:rPr>
+              <a:t>());</a:t>
+            </a:r>
+          </a:p>
+          <a:p>
+            <a:r>
+              <a:rPr lang="en-US" b="1" dirty="0">
+                <a:solidFill>
+                  <a:schemeClr val="bg1"/>
+                </a:solidFill>
+              </a:rPr>
+              <a:t>    return "</a:t>
+            </a:r>
+            <a:r>
+              <a:rPr lang="en-US" b="1" dirty="0" err="1">
+                <a:solidFill>
+                  <a:schemeClr val="bg1"/>
+                </a:solidFill>
+              </a:rPr>
+              <a:t>jsonTemplate</a:t>
+            </a:r>
+            <a:r>
+              <a:rPr lang="en-US" b="1" dirty="0">
+                <a:solidFill>
+                  <a:schemeClr val="bg1"/>
+                </a:solidFill>
+              </a:rPr>
+              <a:t>";</a:t>
+            </a:r>
+          </a:p>
+          <a:p>
+            <a:r>
+              <a:rPr lang="en-US" b="1" dirty="0">
+                <a:solidFill>
+                  <a:schemeClr val="bg1"/>
+                </a:solidFill>
+              </a:rPr>
+              <a:t>}</a:t>
+            </a:r>
+          </a:p>
+          <a:p>
+            <a:r>
+              <a:rPr lang="en-US" b="1" dirty="0">
+                <a:solidFill>
+                  <a:schemeClr val="bg1"/>
+                </a:solidFill>
+              </a:rPr>
+              <a:t>REST Client Code</a:t>
+            </a:r>
+          </a:p>
+          <a:p>
+            <a:r>
+              <a:rPr lang="en-US" b="1" dirty="0">
+                <a:solidFill>
+                  <a:schemeClr val="bg1"/>
+                </a:solidFill>
+              </a:rPr>
+              <a:t>private static void </a:t>
+            </a:r>
+            <a:r>
+              <a:rPr lang="en-US" b="1" dirty="0" err="1">
+                <a:solidFill>
+                  <a:schemeClr val="bg1"/>
+                </a:solidFill>
+              </a:rPr>
+              <a:t>getEmployees</a:t>
+            </a:r>
+            <a:r>
+              <a:rPr lang="en-US" b="1" dirty="0">
+                <a:solidFill>
+                  <a:schemeClr val="bg1"/>
+                </a:solidFill>
+              </a:rPr>
+              <a:t>()</a:t>
+            </a:r>
+          </a:p>
+          <a:p>
+            <a:r>
+              <a:rPr lang="en-US" b="1" dirty="0">
+                <a:solidFill>
+                  <a:schemeClr val="bg1"/>
+                </a:solidFill>
+              </a:rPr>
+              <a:t>{</a:t>
+            </a:r>
+          </a:p>
+          <a:p>
+            <a:r>
+              <a:rPr lang="en-US" b="1" dirty="0">
+                <a:solidFill>
+                  <a:schemeClr val="bg1"/>
+                </a:solidFill>
+              </a:rPr>
+              <a:t>    final String </a:t>
+            </a:r>
+            <a:r>
+              <a:rPr lang="en-US" b="1" dirty="0" err="1">
+                <a:solidFill>
+                  <a:schemeClr val="bg1"/>
+                </a:solidFill>
+              </a:rPr>
+              <a:t>uri</a:t>
+            </a:r>
+            <a:r>
+              <a:rPr lang="en-US" b="1" dirty="0">
+                <a:solidFill>
+                  <a:schemeClr val="bg1"/>
+                </a:solidFill>
+              </a:rPr>
+              <a:t> = "http://localhost:8080/</a:t>
+            </a:r>
+            <a:r>
+              <a:rPr lang="en-US" b="1" dirty="0" err="1">
+                <a:solidFill>
+                  <a:schemeClr val="bg1"/>
+                </a:solidFill>
+              </a:rPr>
+              <a:t>springrestexample</a:t>
+            </a:r>
+            <a:r>
+              <a:rPr lang="en-US" b="1" dirty="0">
+                <a:solidFill>
+                  <a:schemeClr val="bg1"/>
+                </a:solidFill>
+              </a:rPr>
+              <a:t>/employees";</a:t>
+            </a:r>
+          </a:p>
+          <a:p>
+            <a:r>
+              <a:rPr lang="en-US" b="1" dirty="0">
+                <a:solidFill>
+                  <a:schemeClr val="bg1"/>
+                </a:solidFill>
+              </a:rPr>
+              <a:t>    </a:t>
+            </a:r>
+            <a:r>
+              <a:rPr lang="en-US" b="1" dirty="0" err="1">
+                <a:solidFill>
+                  <a:schemeClr val="bg1"/>
+                </a:solidFill>
+              </a:rPr>
+              <a:t>RestTemplate</a:t>
+            </a:r>
+            <a:r>
+              <a:rPr lang="en-US" b="1" dirty="0">
+                <a:solidFill>
+                  <a:schemeClr val="bg1"/>
+                </a:solidFill>
+              </a:rPr>
+              <a:t> </a:t>
+            </a:r>
+            <a:r>
+              <a:rPr lang="en-US" b="1" dirty="0" err="1">
+                <a:solidFill>
+                  <a:schemeClr val="bg1"/>
+                </a:solidFill>
+              </a:rPr>
+              <a:t>restTemplate</a:t>
+            </a:r>
+            <a:r>
+              <a:rPr lang="en-US" b="1" dirty="0">
+                <a:solidFill>
+                  <a:schemeClr val="bg1"/>
+                </a:solidFill>
+              </a:rPr>
+              <a:t> = new </a:t>
+            </a:r>
+            <a:r>
+              <a:rPr lang="en-US" b="1" dirty="0" err="1">
+                <a:solidFill>
+                  <a:schemeClr val="bg1"/>
+                </a:solidFill>
+              </a:rPr>
+              <a:t>RestTemplate</a:t>
+            </a:r>
+            <a:r>
+              <a:rPr lang="en-US" b="1" dirty="0">
+                <a:solidFill>
+                  <a:schemeClr val="bg1"/>
+                </a:solidFill>
+              </a:rPr>
+              <a:t>();</a:t>
+            </a:r>
+          </a:p>
+          <a:p>
+            <a:r>
+              <a:rPr lang="en-US" b="1" dirty="0">
+                <a:solidFill>
+                  <a:schemeClr val="bg1"/>
+                </a:solidFill>
+              </a:rPr>
+              <a:t>    </a:t>
+            </a:r>
+            <a:r>
+              <a:rPr lang="en-US" b="1" dirty="0" err="1">
+                <a:solidFill>
+                  <a:schemeClr val="bg1"/>
+                </a:solidFill>
+              </a:rPr>
+              <a:t>HttpHeaders</a:t>
+            </a:r>
+            <a:r>
+              <a:rPr lang="en-US" b="1" dirty="0">
+                <a:solidFill>
+                  <a:schemeClr val="bg1"/>
+                </a:solidFill>
+              </a:rPr>
+              <a:t> headers = new </a:t>
+            </a:r>
+            <a:r>
+              <a:rPr lang="en-US" b="1" dirty="0" err="1">
+                <a:solidFill>
+                  <a:schemeClr val="bg1"/>
+                </a:solidFill>
+              </a:rPr>
+              <a:t>HttpHeaders</a:t>
+            </a:r>
+            <a:r>
+              <a:rPr lang="en-US" b="1" dirty="0">
+                <a:solidFill>
+                  <a:schemeClr val="bg1"/>
+                </a:solidFill>
+              </a:rPr>
+              <a:t>();</a:t>
+            </a:r>
+          </a:p>
+          <a:p>
+            <a:r>
+              <a:rPr lang="en-US" b="1" dirty="0">
+                <a:solidFill>
+                  <a:schemeClr val="bg1"/>
+                </a:solidFill>
+              </a:rPr>
+              <a:t>    </a:t>
+            </a:r>
+            <a:r>
+              <a:rPr lang="en-US" b="1" dirty="0" err="1">
+                <a:solidFill>
+                  <a:schemeClr val="bg1"/>
+                </a:solidFill>
+              </a:rPr>
+              <a:t>headers.setAccept</a:t>
+            </a:r>
+            <a:r>
+              <a:rPr lang="en-US" b="1" dirty="0">
+                <a:solidFill>
+                  <a:schemeClr val="bg1"/>
+                </a:solidFill>
+              </a:rPr>
+              <a:t>(</a:t>
+            </a:r>
+            <a:r>
+              <a:rPr lang="en-US" b="1" dirty="0" err="1">
+                <a:solidFill>
+                  <a:schemeClr val="bg1"/>
+                </a:solidFill>
+              </a:rPr>
+              <a:t>Arrays.asList</a:t>
+            </a:r>
+            <a:r>
+              <a:rPr lang="en-US" b="1" dirty="0">
+                <a:solidFill>
+                  <a:schemeClr val="bg1"/>
+                </a:solidFill>
+              </a:rPr>
+              <a:t>(</a:t>
+            </a:r>
+            <a:r>
+              <a:rPr lang="en-US" b="1" dirty="0" err="1">
+                <a:solidFill>
+                  <a:schemeClr val="bg1"/>
+                </a:solidFill>
+              </a:rPr>
+              <a:t>MediaType.APPLICATION_JSON</a:t>
+            </a:r>
+            <a:r>
+              <a:rPr lang="en-US" b="1" dirty="0">
+                <a:solidFill>
+                  <a:schemeClr val="bg1"/>
+                </a:solidFill>
+              </a:rPr>
+              <a:t>));</a:t>
+            </a:r>
+          </a:p>
+          <a:p>
+            <a:r>
+              <a:rPr lang="en-US" b="1" dirty="0">
+                <a:solidFill>
+                  <a:schemeClr val="bg1"/>
+                </a:solidFill>
+              </a:rPr>
+              <a:t>    </a:t>
+            </a:r>
+            <a:r>
+              <a:rPr lang="en-US" b="1" dirty="0" err="1">
+                <a:solidFill>
+                  <a:schemeClr val="bg1"/>
+                </a:solidFill>
+              </a:rPr>
+              <a:t>HttpEntity</a:t>
+            </a:r>
+            <a:r>
+              <a:rPr lang="en-US" b="1" dirty="0">
+                <a:solidFill>
+                  <a:schemeClr val="bg1"/>
+                </a:solidFill>
+              </a:rPr>
+              <a:t>&lt;String&gt; entity = new </a:t>
+            </a:r>
+            <a:r>
+              <a:rPr lang="en-US" b="1" dirty="0" err="1">
+                <a:solidFill>
+                  <a:schemeClr val="bg1"/>
+                </a:solidFill>
+              </a:rPr>
+              <a:t>HttpEntity</a:t>
+            </a:r>
+            <a:r>
+              <a:rPr lang="en-US" b="1" dirty="0">
+                <a:solidFill>
+                  <a:schemeClr val="bg1"/>
+                </a:solidFill>
+              </a:rPr>
+              <a:t>&lt;String&gt;("parameters", headers);     </a:t>
+            </a:r>
+          </a:p>
+          <a:p>
+            <a:r>
+              <a:rPr lang="en-US" b="1" dirty="0">
+                <a:solidFill>
+                  <a:schemeClr val="bg1"/>
+                </a:solidFill>
+              </a:rPr>
+              <a:t>    </a:t>
+            </a:r>
+            <a:r>
+              <a:rPr lang="en-US" b="1" dirty="0" err="1">
+                <a:solidFill>
+                  <a:schemeClr val="bg1"/>
+                </a:solidFill>
+              </a:rPr>
+              <a:t>ResponseEntity</a:t>
+            </a:r>
+            <a:r>
+              <a:rPr lang="en-US" b="1" dirty="0">
+                <a:solidFill>
+                  <a:schemeClr val="bg1"/>
+                </a:solidFill>
+              </a:rPr>
+              <a:t>&lt;String&gt; result = </a:t>
+            </a:r>
+            <a:r>
+              <a:rPr lang="en-US" b="1" dirty="0" err="1">
+                <a:solidFill>
+                  <a:schemeClr val="bg1"/>
+                </a:solidFill>
+              </a:rPr>
+              <a:t>restTemplate.exchange</a:t>
+            </a:r>
+            <a:r>
+              <a:rPr lang="en-US" b="1" dirty="0">
+                <a:solidFill>
+                  <a:schemeClr val="bg1"/>
+                </a:solidFill>
+              </a:rPr>
+              <a:t>(</a:t>
+            </a:r>
+            <a:r>
+              <a:rPr lang="en-US" b="1" dirty="0" err="1">
+                <a:solidFill>
+                  <a:schemeClr val="bg1"/>
+                </a:solidFill>
+              </a:rPr>
+              <a:t>uri</a:t>
+            </a:r>
+            <a:r>
+              <a:rPr lang="en-US" b="1" dirty="0">
+                <a:solidFill>
+                  <a:schemeClr val="bg1"/>
+                </a:solidFill>
+              </a:rPr>
+              <a:t>, </a:t>
+            </a:r>
+            <a:r>
+              <a:rPr lang="en-US" b="1" dirty="0" err="1">
+                <a:solidFill>
+                  <a:schemeClr val="bg1"/>
+                </a:solidFill>
+              </a:rPr>
+              <a:t>HttpMethod.GET</a:t>
+            </a:r>
+            <a:r>
+              <a:rPr lang="en-US" b="1" dirty="0">
+                <a:solidFill>
+                  <a:schemeClr val="bg1"/>
+                </a:solidFill>
+              </a:rPr>
+              <a:t>, entity, </a:t>
+            </a:r>
+            <a:r>
+              <a:rPr lang="en-US" b="1" dirty="0" err="1">
+                <a:solidFill>
+                  <a:schemeClr val="bg1"/>
+                </a:solidFill>
+              </a:rPr>
+              <a:t>String.class</a:t>
+            </a:r>
+            <a:r>
+              <a:rPr lang="en-US" b="1" dirty="0">
+                <a:solidFill>
+                  <a:schemeClr val="bg1"/>
+                </a:solidFill>
+              </a:rPr>
+              <a:t>);</a:t>
+            </a:r>
+          </a:p>
+          <a:p>
+            <a:r>
+              <a:rPr lang="en-US" b="1" dirty="0">
+                <a:solidFill>
+                  <a:schemeClr val="bg1"/>
+                </a:solidFill>
+              </a:rPr>
+              <a:t>    </a:t>
+            </a:r>
+            <a:r>
+              <a:rPr lang="en-US" b="1" dirty="0" err="1">
+                <a:solidFill>
+                  <a:schemeClr val="bg1"/>
+                </a:solidFill>
+              </a:rPr>
+              <a:t>System.out.println</a:t>
+            </a:r>
+            <a:r>
+              <a:rPr lang="en-US" b="1" dirty="0">
+                <a:solidFill>
+                  <a:schemeClr val="bg1"/>
+                </a:solidFill>
+              </a:rPr>
+              <a:t>(result);</a:t>
+            </a:r>
+          </a:p>
+          <a:p>
+            <a:r>
+              <a:rPr lang="en-US" b="1" dirty="0">
+                <a:solidFill>
+                  <a:schemeClr val="bg1"/>
+                </a:solidFill>
+              </a:rPr>
+              <a:t>}</a:t>
+            </a:r>
+          </a:p>
+          <a:p>
             <a:endParaRPr lang="en-US" b="1" dirty="0">
               <a:solidFill>
                 <a:schemeClr val="bg1"/>
@@ -12648,7 +14672,7 @@
                   <a:schemeClr val="bg1"/>
                 </a:solidFill>
               </a:rPr>
-              <a:t>WIP</a:t>
+              <a:t>Get response as object</a:t>
             </a:r>
             <a:endParaRPr lang="en-IN" b="1" dirty="0">
               <a:solidFill>
@@ -12674,7 +14698,7 @@
         <p:spPr>
           <a:xfrm>
             <a:off x="838200" y="1779687"/>
-            <a:ext cx="10515600" cy="369332"/>
+            <a:ext cx="10515600" cy="4524315"/>
           </a:xfrm>
           <a:prstGeom prst="rect">
             <a:avLst/>
@@ -12693,8 +14717,428 @@
                   <a:schemeClr val="bg1"/>
                 </a:solidFill>
               </a:rPr>
-              <a:t>WIP</a:t>
-            </a:r>
+              <a:t>@</a:t>
+            </a:r>
+            <a:r>
+              <a:rPr lang="en-US" dirty="0" err="1">
+                <a:solidFill>
+                  <a:schemeClr val="bg1"/>
+                </a:solidFill>
+              </a:rPr>
+              <a:t>RequestMapping</a:t>
+            </a:r>
+            <a:r>
+              <a:rPr lang="en-US" dirty="0">
+                <a:solidFill>
+                  <a:schemeClr val="bg1"/>
+                </a:solidFill>
+              </a:rPr>
+              <a:t>(value = "/employees", produces = </a:t>
+            </a:r>
+            <a:r>
+              <a:rPr lang="en-US" dirty="0" err="1">
+                <a:solidFill>
+                  <a:schemeClr val="bg1"/>
+                </a:solidFill>
+              </a:rPr>
+              <a:t>MediaType.APPLICATION_XML_VALUE</a:t>
+            </a:r>
+            <a:r>
+              <a:rPr lang="en-US" dirty="0">
+                <a:solidFill>
+                  <a:schemeClr val="bg1"/>
+                </a:solidFill>
+              </a:rPr>
+              <a:t>, method = </a:t>
+            </a:r>
+            <a:r>
+              <a:rPr lang="en-US" dirty="0" err="1">
+                <a:solidFill>
+                  <a:schemeClr val="bg1"/>
+                </a:solidFill>
+              </a:rPr>
+              <a:t>RequestMethod.GET</a:t>
+            </a:r>
+            <a:r>
+              <a:rPr lang="en-US" dirty="0">
+                <a:solidFill>
+                  <a:schemeClr val="bg1"/>
+                </a:solidFill>
+              </a:rPr>
+              <a:t>)</a:t>
+            </a:r>
+          </a:p>
+          <a:p>
+            <a:r>
+              <a:rPr lang="en-US" dirty="0">
+                <a:solidFill>
+                  <a:schemeClr val="bg1"/>
+                </a:solidFill>
+              </a:rPr>
+              <a:t>public String </a:t>
+            </a:r>
+            <a:r>
+              <a:rPr lang="en-US" dirty="0" err="1">
+                <a:solidFill>
+                  <a:schemeClr val="bg1"/>
+                </a:solidFill>
+              </a:rPr>
+              <a:t>getAllEmployeesXML</a:t>
+            </a:r>
+            <a:r>
+              <a:rPr lang="en-US" dirty="0">
+                <a:solidFill>
+                  <a:schemeClr val="bg1"/>
+                </a:solidFill>
+              </a:rPr>
+              <a:t>(Model model) </a:t>
+            </a:r>
+          </a:p>
+          <a:p>
+            <a:r>
+              <a:rPr lang="en-US" dirty="0">
+                <a:solidFill>
+                  <a:schemeClr val="bg1"/>
+                </a:solidFill>
+              </a:rPr>
+              <a:t>{</a:t>
+            </a:r>
+          </a:p>
+          <a:p>
+            <a:r>
+              <a:rPr lang="en-US" dirty="0">
+                <a:solidFill>
+                  <a:schemeClr val="bg1"/>
+                </a:solidFill>
+              </a:rPr>
+              <a:t>    </a:t>
+            </a:r>
+            <a:r>
+              <a:rPr lang="en-US" dirty="0" err="1">
+                <a:solidFill>
+                  <a:schemeClr val="bg1"/>
+                </a:solidFill>
+              </a:rPr>
+              <a:t>model.addAttribute</a:t>
+            </a:r>
+            <a:r>
+              <a:rPr lang="en-US" dirty="0">
+                <a:solidFill>
+                  <a:schemeClr val="bg1"/>
+                </a:solidFill>
+              </a:rPr>
+              <a:t>("employees", </a:t>
+            </a:r>
+            <a:r>
+              <a:rPr lang="en-US" dirty="0" err="1">
+                <a:solidFill>
+                  <a:schemeClr val="bg1"/>
+                </a:solidFill>
+              </a:rPr>
+              <a:t>getEmployeesCollection</a:t>
+            </a:r>
+            <a:r>
+              <a:rPr lang="en-US" dirty="0">
+                <a:solidFill>
+                  <a:schemeClr val="bg1"/>
+                </a:solidFill>
+              </a:rPr>
+              <a:t>());</a:t>
+            </a:r>
+          </a:p>
+          <a:p>
+            <a:r>
+              <a:rPr lang="en-US" dirty="0">
+                <a:solidFill>
+                  <a:schemeClr val="bg1"/>
+                </a:solidFill>
+              </a:rPr>
+              <a:t>    return "</a:t>
+            </a:r>
+            <a:r>
+              <a:rPr lang="en-US" dirty="0" err="1">
+                <a:solidFill>
+                  <a:schemeClr val="bg1"/>
+                </a:solidFill>
+              </a:rPr>
+              <a:t>xmlTemplate</a:t>
+            </a:r>
+            <a:r>
+              <a:rPr lang="en-US" dirty="0">
+                <a:solidFill>
+                  <a:schemeClr val="bg1"/>
+                </a:solidFill>
+              </a:rPr>
+              <a:t>";</a:t>
+            </a:r>
+          </a:p>
+          <a:p>
+            <a:r>
+              <a:rPr lang="en-US" dirty="0">
+                <a:solidFill>
+                  <a:schemeClr val="bg1"/>
+                </a:solidFill>
+              </a:rPr>
+              <a:t>}</a:t>
+            </a:r>
+          </a:p>
+          <a:p>
+            <a:r>
+              <a:rPr lang="en-US" dirty="0">
+                <a:solidFill>
+                  <a:schemeClr val="bg1"/>
+                </a:solidFill>
+              </a:rPr>
+              <a:t>REST Client Code</a:t>
+            </a:r>
+          </a:p>
+          <a:p>
+            <a:r>
+              <a:rPr lang="en-US" dirty="0">
+                <a:solidFill>
+                  <a:schemeClr val="bg1"/>
+                </a:solidFill>
+              </a:rPr>
+              <a:t>private static void </a:t>
+            </a:r>
+            <a:r>
+              <a:rPr lang="en-US" dirty="0" err="1">
+                <a:solidFill>
+                  <a:schemeClr val="bg1"/>
+                </a:solidFill>
+              </a:rPr>
+              <a:t>getEmployees</a:t>
+            </a:r>
+            <a:r>
+              <a:rPr lang="en-US" dirty="0">
+                <a:solidFill>
+                  <a:schemeClr val="bg1"/>
+                </a:solidFill>
+              </a:rPr>
+              <a:t>()</a:t>
+            </a:r>
+          </a:p>
+          <a:p>
+            <a:r>
+              <a:rPr lang="en-US" dirty="0">
+                <a:solidFill>
+                  <a:schemeClr val="bg1"/>
+                </a:solidFill>
+              </a:rPr>
+              <a:t>{</a:t>
+            </a:r>
+          </a:p>
+          <a:p>
+            <a:r>
+              <a:rPr lang="en-US" dirty="0">
+                <a:solidFill>
+                  <a:schemeClr val="bg1"/>
+                </a:solidFill>
+              </a:rPr>
+              <a:t>    final String </a:t>
+            </a:r>
+            <a:r>
+              <a:rPr lang="en-US" dirty="0" err="1">
+                <a:solidFill>
+                  <a:schemeClr val="bg1"/>
+                </a:solidFill>
+              </a:rPr>
+              <a:t>uri</a:t>
+            </a:r>
+            <a:r>
+              <a:rPr lang="en-US" dirty="0">
+                <a:solidFill>
+                  <a:schemeClr val="bg1"/>
+                </a:solidFill>
+              </a:rPr>
+              <a:t> = "http://localhost:8080/</a:t>
+            </a:r>
+            <a:r>
+              <a:rPr lang="en-US" dirty="0" err="1">
+                <a:solidFill>
+                  <a:schemeClr val="bg1"/>
+                </a:solidFill>
+              </a:rPr>
+              <a:t>springrestexample</a:t>
+            </a:r>
+            <a:r>
+              <a:rPr lang="en-US" dirty="0">
+                <a:solidFill>
+                  <a:schemeClr val="bg1"/>
+                </a:solidFill>
+              </a:rPr>
+              <a:t>/employees";</a:t>
+            </a:r>
+          </a:p>
+          <a:p>
+            <a:r>
+              <a:rPr lang="en-US" dirty="0">
+                <a:solidFill>
+                  <a:schemeClr val="bg1"/>
+                </a:solidFill>
+              </a:rPr>
+              <a:t>    </a:t>
+            </a:r>
+            <a:r>
+              <a:rPr lang="en-US" dirty="0" err="1">
+                <a:solidFill>
+                  <a:schemeClr val="bg1"/>
+                </a:solidFill>
+              </a:rPr>
+              <a:t>RestTemplate</a:t>
+            </a:r>
+            <a:r>
+              <a:rPr lang="en-US" dirty="0">
+                <a:solidFill>
+                  <a:schemeClr val="bg1"/>
+                </a:solidFill>
+              </a:rPr>
+              <a:t> </a:t>
+            </a:r>
+            <a:r>
+              <a:rPr lang="en-US" dirty="0" err="1">
+                <a:solidFill>
+                  <a:schemeClr val="bg1"/>
+                </a:solidFill>
+              </a:rPr>
+              <a:t>restTemplate</a:t>
+            </a:r>
+            <a:r>
+              <a:rPr lang="en-US" dirty="0">
+                <a:solidFill>
+                  <a:schemeClr val="bg1"/>
+                </a:solidFill>
+              </a:rPr>
+              <a:t> = new </a:t>
+            </a:r>
+            <a:r>
+              <a:rPr lang="en-US" dirty="0" err="1">
+                <a:solidFill>
+                  <a:schemeClr val="bg1"/>
+                </a:solidFill>
+              </a:rPr>
+              <a:t>RestTemplate</a:t>
+            </a:r>
+            <a:r>
+              <a:rPr lang="en-US" dirty="0">
+                <a:solidFill>
+                  <a:schemeClr val="bg1"/>
+                </a:solidFill>
+              </a:rPr>
+              <a:t>();</a:t>
+            </a:r>
+          </a:p>
+          <a:p>
+            <a:r>
+              <a:rPr lang="en-US" dirty="0">
+                <a:solidFill>
+                  <a:schemeClr val="bg1"/>
+                </a:solidFill>
+              </a:rPr>
+              <a:t>    </a:t>
+            </a:r>
+            <a:r>
+              <a:rPr lang="en-US" dirty="0" err="1">
+                <a:solidFill>
+                  <a:schemeClr val="bg1"/>
+                </a:solidFill>
+              </a:rPr>
+              <a:t>EmployeeListVO</a:t>
+            </a:r>
+            <a:r>
+              <a:rPr lang="en-US" dirty="0">
+                <a:solidFill>
+                  <a:schemeClr val="bg1"/>
+                </a:solidFill>
+              </a:rPr>
+              <a:t> result = </a:t>
+            </a:r>
+            <a:r>
+              <a:rPr lang="en-US" dirty="0" err="1">
+                <a:solidFill>
+                  <a:schemeClr val="bg1"/>
+                </a:solidFill>
+              </a:rPr>
+              <a:t>restTemplate.getForObject</a:t>
+            </a:r>
+            <a:r>
+              <a:rPr lang="en-US" dirty="0">
+                <a:solidFill>
+                  <a:schemeClr val="bg1"/>
+                </a:solidFill>
+              </a:rPr>
+              <a:t>(</a:t>
+            </a:r>
+            <a:r>
+              <a:rPr lang="en-US" dirty="0" err="1">
+                <a:solidFill>
+                  <a:schemeClr val="bg1"/>
+                </a:solidFill>
+              </a:rPr>
+              <a:t>uri</a:t>
+            </a:r>
+            <a:r>
+              <a:rPr lang="en-US" dirty="0">
+                <a:solidFill>
+                  <a:schemeClr val="bg1"/>
+                </a:solidFill>
+              </a:rPr>
+              <a:t>, </a:t>
+            </a:r>
+            <a:r>
+              <a:rPr lang="en-US" dirty="0" err="1">
+                <a:solidFill>
+                  <a:schemeClr val="bg1"/>
+                </a:solidFill>
+              </a:rPr>
+              <a:t>EmployeeListVO.class</a:t>
+            </a:r>
+            <a:r>
+              <a:rPr lang="en-US" dirty="0">
+                <a:solidFill>
+                  <a:schemeClr val="bg1"/>
+                </a:solidFill>
+              </a:rPr>
+              <a:t>);</a:t>
+            </a:r>
+          </a:p>
+          <a:p>
+            <a:r>
+              <a:rPr lang="en-US" dirty="0">
+                <a:solidFill>
+                  <a:schemeClr val="bg1"/>
+                </a:solidFill>
+              </a:rPr>
+              <a:t>    </a:t>
+            </a:r>
+            <a:r>
+              <a:rPr lang="en-US" dirty="0" err="1">
+                <a:solidFill>
+                  <a:schemeClr val="bg1"/>
+                </a:solidFill>
+              </a:rPr>
+              <a:t>System.out.println</a:t>
+            </a:r>
+            <a:r>
+              <a:rPr lang="en-US" dirty="0">
+                <a:solidFill>
+                  <a:schemeClr val="bg1"/>
+                </a:solidFill>
+              </a:rPr>
+              <a:t>(result);</a:t>
+            </a:r>
+          </a:p>
+          <a:p>
+            <a:r>
+              <a:rPr lang="en-US" dirty="0">
+                <a:solidFill>
+                  <a:schemeClr val="bg1"/>
+                </a:solidFill>
+              </a:rPr>
+              <a:t>}</a:t>
+            </a:r>
+          </a:p>
+          <a:p>
             <a:endParaRPr lang="en-US" b="1" dirty="0">
               <a:solidFill>
                 <a:schemeClr val="bg1"/>
@@ -12776,7 +15220,7 @@
                   <a:schemeClr val="bg1"/>
                 </a:solidFill>
               </a:rPr>
-              <a:t>WIP</a:t>
+              <a:t>URL Parameter</a:t>
             </a:r>
             <a:endParaRPr lang="en-IN" b="1" dirty="0">
               <a:solidFill>
@@ -12802,7 +15246,7 @@
         <p:spPr>
           <a:xfrm>
             <a:off x="838200" y="1779687"/>
-            <a:ext cx="10515600" cy="369332"/>
+            <a:ext cx="10515600" cy="5632311"/>
           </a:xfrm>
           <a:prstGeom prst="rect">
             <a:avLst/>
@@ -12821,8 +15265,574 @@
                   <a:schemeClr val="bg1"/>
                 </a:solidFill>
               </a:rPr>
-              <a:t>WIP</a:t>
-            </a:r>
+              <a:t>@</a:t>
+            </a:r>
+            <a:r>
+              <a:rPr lang="en-US" dirty="0" err="1">
+                <a:solidFill>
+                  <a:schemeClr val="bg1"/>
+                </a:solidFill>
+              </a:rPr>
+              <a:t>RequestMapping</a:t>
+            </a:r>
+            <a:r>
+              <a:rPr lang="en-US" dirty="0">
+                <a:solidFill>
+                  <a:schemeClr val="bg1"/>
+                </a:solidFill>
+              </a:rPr>
+              <a:t>(value = "/employees/{id}")</a:t>
+            </a:r>
+          </a:p>
+          <a:p>
+            <a:r>
+              <a:rPr lang="en-US" dirty="0">
+                <a:solidFill>
+                  <a:schemeClr val="bg1"/>
+                </a:solidFill>
+              </a:rPr>
+              <a:t>public </a:t>
+            </a:r>
+            <a:r>
+              <a:rPr lang="en-US" dirty="0" err="1">
+                <a:solidFill>
+                  <a:schemeClr val="bg1"/>
+                </a:solidFill>
+              </a:rPr>
+              <a:t>ResponseEntity</a:t>
+            </a:r>
+            <a:r>
+              <a:rPr lang="en-US" dirty="0">
+                <a:solidFill>
+                  <a:schemeClr val="bg1"/>
+                </a:solidFill>
+              </a:rPr>
+              <a:t>&lt;</a:t>
+            </a:r>
+            <a:r>
+              <a:rPr lang="en-US" dirty="0" err="1">
+                <a:solidFill>
+                  <a:schemeClr val="bg1"/>
+                </a:solidFill>
+              </a:rPr>
+              <a:t>EmployeeVO</a:t>
+            </a:r>
+            <a:r>
+              <a:rPr lang="en-US" dirty="0">
+                <a:solidFill>
+                  <a:schemeClr val="bg1"/>
+                </a:solidFill>
+              </a:rPr>
+              <a:t>&gt; </a:t>
+            </a:r>
+            <a:r>
+              <a:rPr lang="en-US" dirty="0" err="1">
+                <a:solidFill>
+                  <a:schemeClr val="bg1"/>
+                </a:solidFill>
+              </a:rPr>
+              <a:t>getEmployeeById</a:t>
+            </a:r>
+            <a:r>
+              <a:rPr lang="en-US" dirty="0">
+                <a:solidFill>
+                  <a:schemeClr val="bg1"/>
+                </a:solidFill>
+              </a:rPr>
+              <a:t> (@</a:t>
+            </a:r>
+            <a:r>
+              <a:rPr lang="en-US" dirty="0" err="1">
+                <a:solidFill>
+                  <a:schemeClr val="bg1"/>
+                </a:solidFill>
+              </a:rPr>
+              <a:t>PathVariable</a:t>
+            </a:r>
+            <a:r>
+              <a:rPr lang="en-US" dirty="0">
+                <a:solidFill>
+                  <a:schemeClr val="bg1"/>
+                </a:solidFill>
+              </a:rPr>
+              <a:t>("id") int id) </a:t>
+            </a:r>
+          </a:p>
+          <a:p>
+            <a:r>
+              <a:rPr lang="en-US" dirty="0">
+                <a:solidFill>
+                  <a:schemeClr val="bg1"/>
+                </a:solidFill>
+              </a:rPr>
+              <a:t>{</a:t>
+            </a:r>
+          </a:p>
+          <a:p>
+            <a:r>
+              <a:rPr lang="en-US" dirty="0">
+                <a:solidFill>
+                  <a:schemeClr val="bg1"/>
+                </a:solidFill>
+              </a:rPr>
+              <a:t>    if (id &lt;= 3) {</a:t>
+            </a:r>
+          </a:p>
+          <a:p>
+            <a:r>
+              <a:rPr lang="en-US" dirty="0">
+                <a:solidFill>
+                  <a:schemeClr val="bg1"/>
+                </a:solidFill>
+              </a:rPr>
+              <a:t>        </a:t>
+            </a:r>
+            <a:r>
+              <a:rPr lang="en-US" dirty="0" err="1">
+                <a:solidFill>
+                  <a:schemeClr val="bg1"/>
+                </a:solidFill>
+              </a:rPr>
+              <a:t>EmployeeVO</a:t>
+            </a:r>
+            <a:r>
+              <a:rPr lang="en-US" dirty="0">
+                <a:solidFill>
+                  <a:schemeClr val="bg1"/>
+                </a:solidFill>
+              </a:rPr>
+              <a:t> employee = new </a:t>
+            </a:r>
+            <a:r>
+              <a:rPr lang="en-US" dirty="0" err="1">
+                <a:solidFill>
+                  <a:schemeClr val="bg1"/>
+                </a:solidFill>
+              </a:rPr>
+              <a:t>EmployeeVO</a:t>
+            </a:r>
+            <a:r>
+              <a:rPr lang="en-US" dirty="0">
+                <a:solidFill>
+                  <a:schemeClr val="bg1"/>
+                </a:solidFill>
+              </a:rPr>
+              <a:t>(1,"Lokesh","Gupta","howtodoinjava@gmail.com");</a:t>
+            </a:r>
+          </a:p>
+          <a:p>
+            <a:r>
+              <a:rPr lang="en-US" dirty="0">
+                <a:solidFill>
+                  <a:schemeClr val="bg1"/>
+                </a:solidFill>
+              </a:rPr>
+              <a:t>        return new </a:t>
+            </a:r>
+            <a:r>
+              <a:rPr lang="en-US" dirty="0" err="1">
+                <a:solidFill>
+                  <a:schemeClr val="bg1"/>
+                </a:solidFill>
+              </a:rPr>
+              <a:t>ResponseEntity</a:t>
+            </a:r>
+            <a:r>
+              <a:rPr lang="en-US" dirty="0">
+                <a:solidFill>
+                  <a:schemeClr val="bg1"/>
+                </a:solidFill>
+              </a:rPr>
+              <a:t>&lt;</a:t>
+            </a:r>
+            <a:r>
+              <a:rPr lang="en-US" dirty="0" err="1">
+                <a:solidFill>
+                  <a:schemeClr val="bg1"/>
+                </a:solidFill>
+              </a:rPr>
+              <a:t>EmployeeVO</a:t>
+            </a:r>
+            <a:r>
+              <a:rPr lang="en-US" dirty="0">
+                <a:solidFill>
+                  <a:schemeClr val="bg1"/>
+                </a:solidFill>
+              </a:rPr>
+              <a:t>&gt;(employee, </a:t>
+            </a:r>
+            <a:r>
+              <a:rPr lang="en-US" dirty="0" err="1">
+                <a:solidFill>
+                  <a:schemeClr val="bg1"/>
+                </a:solidFill>
+              </a:rPr>
+              <a:t>HttpStatus.OK</a:t>
+            </a:r>
+            <a:r>
+              <a:rPr lang="en-US" dirty="0">
+                <a:solidFill>
+                  <a:schemeClr val="bg1"/>
+                </a:solidFill>
+              </a:rPr>
+              <a:t>);</a:t>
+            </a:r>
+          </a:p>
+          <a:p>
+            <a:r>
+              <a:rPr lang="en-US" dirty="0">
+                <a:solidFill>
+                  <a:schemeClr val="bg1"/>
+                </a:solidFill>
+              </a:rPr>
+              <a:t>    }</a:t>
+            </a:r>
+          </a:p>
+          <a:p>
+            <a:r>
+              <a:rPr lang="en-US" dirty="0">
+                <a:solidFill>
+                  <a:schemeClr val="bg1"/>
+                </a:solidFill>
+              </a:rPr>
+              <a:t>    return new </a:t>
+            </a:r>
+            <a:r>
+              <a:rPr lang="en-US" dirty="0" err="1">
+                <a:solidFill>
+                  <a:schemeClr val="bg1"/>
+                </a:solidFill>
+              </a:rPr>
+              <a:t>ResponseEntity</a:t>
+            </a:r>
+            <a:r>
+              <a:rPr lang="en-US" dirty="0">
+                <a:solidFill>
+                  <a:schemeClr val="bg1"/>
+                </a:solidFill>
+              </a:rPr>
+              <a:t>(</a:t>
+            </a:r>
+            <a:r>
+              <a:rPr lang="en-US" dirty="0" err="1">
+                <a:solidFill>
+                  <a:schemeClr val="bg1"/>
+                </a:solidFill>
+              </a:rPr>
+              <a:t>HttpStatus.NOT_FOUND</a:t>
+            </a:r>
+            <a:r>
+              <a:rPr lang="en-US" dirty="0">
+                <a:solidFill>
+                  <a:schemeClr val="bg1"/>
+                </a:solidFill>
+              </a:rPr>
+              <a:t>);</a:t>
+            </a:r>
+          </a:p>
+          <a:p>
+            <a:r>
+              <a:rPr lang="en-US" dirty="0">
+                <a:solidFill>
+                  <a:schemeClr val="bg1"/>
+                </a:solidFill>
+              </a:rPr>
+              <a:t>}</a:t>
+            </a:r>
+          </a:p>
+          <a:p>
+            <a:r>
+              <a:rPr lang="en-US" dirty="0">
+                <a:solidFill>
+                  <a:schemeClr val="bg1"/>
+                </a:solidFill>
+              </a:rPr>
+              <a:t>REST Client Code</a:t>
+            </a:r>
+          </a:p>
+          <a:p>
+            <a:r>
+              <a:rPr lang="en-US" dirty="0">
+                <a:solidFill>
+                  <a:schemeClr val="bg1"/>
+                </a:solidFill>
+              </a:rPr>
+              <a:t>private static void </a:t>
+            </a:r>
+            <a:r>
+              <a:rPr lang="en-US" dirty="0" err="1">
+                <a:solidFill>
+                  <a:schemeClr val="bg1"/>
+                </a:solidFill>
+              </a:rPr>
+              <a:t>getEmployeeById</a:t>
+            </a:r>
+            <a:r>
+              <a:rPr lang="en-US" dirty="0">
+                <a:solidFill>
+                  <a:schemeClr val="bg1"/>
+                </a:solidFill>
+              </a:rPr>
+              <a:t>()</a:t>
+            </a:r>
+          </a:p>
+          <a:p>
+            <a:r>
+              <a:rPr lang="en-US" dirty="0">
+                <a:solidFill>
+                  <a:schemeClr val="bg1"/>
+                </a:solidFill>
+              </a:rPr>
+              <a:t>{</a:t>
+            </a:r>
+          </a:p>
+          <a:p>
+            <a:r>
+              <a:rPr lang="en-US" dirty="0">
+                <a:solidFill>
+                  <a:schemeClr val="bg1"/>
+                </a:solidFill>
+              </a:rPr>
+              <a:t>    final String </a:t>
+            </a:r>
+            <a:r>
+              <a:rPr lang="en-US" dirty="0" err="1">
+                <a:solidFill>
+                  <a:schemeClr val="bg1"/>
+                </a:solidFill>
+              </a:rPr>
+              <a:t>uri</a:t>
+            </a:r>
+            <a:r>
+              <a:rPr lang="en-US" dirty="0">
+                <a:solidFill>
+                  <a:schemeClr val="bg1"/>
+                </a:solidFill>
+              </a:rPr>
+              <a:t> = "http://localhost:8080/</a:t>
+            </a:r>
+            <a:r>
+              <a:rPr lang="en-US" dirty="0" err="1">
+                <a:solidFill>
+                  <a:schemeClr val="bg1"/>
+                </a:solidFill>
+              </a:rPr>
+              <a:t>springrestexample</a:t>
+            </a:r>
+            <a:r>
+              <a:rPr lang="en-US" dirty="0">
+                <a:solidFill>
+                  <a:schemeClr val="bg1"/>
+                </a:solidFill>
+              </a:rPr>
+              <a:t>/employees/{id}";</a:t>
+            </a:r>
+          </a:p>
+          <a:p>
+            <a:r>
+              <a:rPr lang="en-US" dirty="0">
+                <a:solidFill>
+                  <a:schemeClr val="bg1"/>
+                </a:solidFill>
+              </a:rPr>
+              <a:t>    Map&lt;String, String&gt; params = new HashMap&lt;String, String&gt;();</a:t>
+            </a:r>
+          </a:p>
+          <a:p>
+            <a:r>
+              <a:rPr lang="en-US" dirty="0">
+                <a:solidFill>
+                  <a:schemeClr val="bg1"/>
+                </a:solidFill>
+              </a:rPr>
+              <a:t>    </a:t>
+            </a:r>
+            <a:r>
+              <a:rPr lang="en-US" dirty="0" err="1">
+                <a:solidFill>
+                  <a:schemeClr val="bg1"/>
+                </a:solidFill>
+              </a:rPr>
+              <a:t>params.put</a:t>
+            </a:r>
+            <a:r>
+              <a:rPr lang="en-US" dirty="0">
+                <a:solidFill>
+                  <a:schemeClr val="bg1"/>
+                </a:solidFill>
+              </a:rPr>
+              <a:t>("id", "1");</a:t>
+            </a:r>
+          </a:p>
+          <a:p>
+            <a:r>
+              <a:rPr lang="en-US" dirty="0">
+                <a:solidFill>
+                  <a:schemeClr val="bg1"/>
+                </a:solidFill>
+              </a:rPr>
+              <a:t>    </a:t>
+            </a:r>
+            <a:r>
+              <a:rPr lang="en-US" dirty="0" err="1">
+                <a:solidFill>
+                  <a:schemeClr val="bg1"/>
+                </a:solidFill>
+              </a:rPr>
+              <a:t>RestTemplate</a:t>
+            </a:r>
+            <a:r>
+              <a:rPr lang="en-US" dirty="0">
+                <a:solidFill>
+                  <a:schemeClr val="bg1"/>
+                </a:solidFill>
+              </a:rPr>
+              <a:t> </a:t>
+            </a:r>
+            <a:r>
+              <a:rPr lang="en-US" dirty="0" err="1">
+                <a:solidFill>
+                  <a:schemeClr val="bg1"/>
+                </a:solidFill>
+              </a:rPr>
+              <a:t>restTemplate</a:t>
+            </a:r>
+            <a:r>
+              <a:rPr lang="en-US" dirty="0">
+                <a:solidFill>
+                  <a:schemeClr val="bg1"/>
+                </a:solidFill>
+              </a:rPr>
+              <a:t> = new </a:t>
+            </a:r>
+            <a:r>
+              <a:rPr lang="en-US" dirty="0" err="1">
+                <a:solidFill>
+                  <a:schemeClr val="bg1"/>
+                </a:solidFill>
+              </a:rPr>
+              <a:t>RestTemplate</a:t>
+            </a:r>
+            <a:r>
+              <a:rPr lang="en-US" dirty="0">
+                <a:solidFill>
+                  <a:schemeClr val="bg1"/>
+                </a:solidFill>
+              </a:rPr>
+              <a:t>();</a:t>
+            </a:r>
+          </a:p>
+          <a:p>
+            <a:r>
+              <a:rPr lang="en-US" dirty="0">
+                <a:solidFill>
+                  <a:schemeClr val="bg1"/>
+                </a:solidFill>
+              </a:rPr>
+              <a:t>    </a:t>
+            </a:r>
+            <a:r>
+              <a:rPr lang="en-US" dirty="0" err="1">
+                <a:solidFill>
+                  <a:schemeClr val="bg1"/>
+                </a:solidFill>
+              </a:rPr>
+              <a:t>EmployeeVO</a:t>
+            </a:r>
+            <a:r>
+              <a:rPr lang="en-US" dirty="0">
+                <a:solidFill>
+                  <a:schemeClr val="bg1"/>
+                </a:solidFill>
+              </a:rPr>
+              <a:t> result = </a:t>
+            </a:r>
+            <a:r>
+              <a:rPr lang="en-US" dirty="0" err="1">
+                <a:solidFill>
+                  <a:schemeClr val="bg1"/>
+                </a:solidFill>
+              </a:rPr>
+              <a:t>restTemplate.getForObject</a:t>
+            </a:r>
+            <a:r>
+              <a:rPr lang="en-US" dirty="0">
+                <a:solidFill>
+                  <a:schemeClr val="bg1"/>
+                </a:solidFill>
+              </a:rPr>
+              <a:t>(</a:t>
+            </a:r>
+            <a:r>
+              <a:rPr lang="en-US" dirty="0" err="1">
+                <a:solidFill>
+                  <a:schemeClr val="bg1"/>
+                </a:solidFill>
+              </a:rPr>
+              <a:t>uri</a:t>
+            </a:r>
+            <a:r>
+              <a:rPr lang="en-US" dirty="0">
+                <a:solidFill>
+                  <a:schemeClr val="bg1"/>
+                </a:solidFill>
+              </a:rPr>
+              <a:t>, </a:t>
+            </a:r>
+            <a:r>
+              <a:rPr lang="en-US" dirty="0" err="1">
+                <a:solidFill>
+                  <a:schemeClr val="bg1"/>
+                </a:solidFill>
+              </a:rPr>
+              <a:t>EmployeeVO.class</a:t>
+            </a:r>
+            <a:r>
+              <a:rPr lang="en-US" dirty="0">
+                <a:solidFill>
+                  <a:schemeClr val="bg1"/>
+                </a:solidFill>
+              </a:rPr>
+              <a:t>, params);</a:t>
+            </a:r>
+          </a:p>
+          <a:p>
+            <a:r>
+              <a:rPr lang="en-US" dirty="0">
+                <a:solidFill>
+                  <a:schemeClr val="bg1"/>
+                </a:solidFill>
+              </a:rPr>
+              <a:t>    </a:t>
+            </a:r>
+            <a:r>
+              <a:rPr lang="en-US" dirty="0" err="1">
+                <a:solidFill>
+                  <a:schemeClr val="bg1"/>
+                </a:solidFill>
+              </a:rPr>
+              <a:t>System.out.println</a:t>
+            </a:r>
+            <a:r>
+              <a:rPr lang="en-US" dirty="0">
+                <a:solidFill>
+                  <a:schemeClr val="bg1"/>
+                </a:solidFill>
+              </a:rPr>
+              <a:t>(result);</a:t>
+            </a:r>
+          </a:p>
+          <a:p>
+            <a:r>
+              <a:rPr lang="en-US" dirty="0">
+                <a:solidFill>
+                  <a:schemeClr val="bg1"/>
+                </a:solidFill>
+              </a:rPr>
+              <a:t>}</a:t>
+            </a:r>
+          </a:p>
+          <a:p>
             <a:endParaRPr lang="en-US" b="1" dirty="0">
               <a:solidFill>
                 <a:schemeClr val="bg1"/>
@@ -12899,19 +15909,23 @@
           <a:lstStyle/>
           <a:p>
             <a:r>
-              <a:rPr lang="en-US" b="1" dirty="0">
-                <a:solidFill>
-                  <a:schemeClr val="bg1"/>
-                </a:solidFill>
-              </a:rPr>
-              <a:t>WIP</a:t>
-            </a:r>
-            <a:endParaRPr lang="en-IN" b="1" dirty="0">
-              <a:solidFill>
-                <a:schemeClr val="bg1"/>
-              </a:solidFill>
-              <a:latin typeface="+mn-lt"/>
-            </a:endParaRPr>
+              <a:rPr lang="en-IN" b="1" dirty="0" err="1">
+                <a:solidFill>
+                  <a:schemeClr val="bg1"/>
+                </a:solidFill>
+                <a:latin typeface="+mn-lt"/>
+              </a:rPr>
+              <a:t>RestTemplate</a:t>
+            </a:r>
+            <a:r>
+              <a:rPr lang="en-IN" b="1" dirty="0">
+                <a:solidFill>
+                  <a:schemeClr val="bg1"/>
+                </a:solidFill>
+                <a:latin typeface="+mn-lt"/>
+              </a:rPr>
+              <a:t> – HTTP POST Method</a:t>
+            </a:r>
           </a:p>
         </p:txBody>
       </p:sp>
@@ -12930,7 +15944,7 @@
         <p:spPr>
           <a:xfrm>
             <a:off x="838200" y="1779687"/>
-            <a:ext cx="10515600" cy="369332"/>
+            <a:ext cx="10515600" cy="3139321"/>
           </a:xfrm>
           <a:prstGeom prst="rect">
             <a:avLst/>
@@ -12944,18 +15958,377 @@
           <a:lstStyle/>
           <a:p>
             <a:r>
-              <a:rPr lang="en-US" dirty="0">
-                <a:solidFill>
-                  <a:schemeClr val="bg1"/>
-                </a:solidFill>
-              </a:rPr>
-              <a:t>WIP</a:t>
-            </a:r>
-            <a:endParaRPr lang="en-US" b="1" dirty="0">
-              <a:solidFill>
-                <a:schemeClr val="bg1"/>
-              </a:solidFill>
-            </a:endParaRPr>
+              <a:rPr lang="en-US" b="1" dirty="0" err="1">
+                <a:solidFill>
+                  <a:schemeClr val="bg1"/>
+                </a:solidFill>
+              </a:rPr>
+              <a:t>postForObject</a:t>
+            </a:r>
+            <a:r>
+              <a:rPr lang="en-US" b="1" dirty="0">
+                <a:solidFill>
+                  <a:schemeClr val="bg1"/>
+                </a:solidFill>
+              </a:rPr>
+              <a:t>(</a:t>
+            </a:r>
+            <a:r>
+              <a:rPr lang="en-US" b="1" dirty="0" err="1">
+                <a:solidFill>
+                  <a:schemeClr val="bg1"/>
+                </a:solidFill>
+              </a:rPr>
+              <a:t>url</a:t>
+            </a:r>
+            <a:r>
+              <a:rPr lang="en-US" b="1" dirty="0">
+                <a:solidFill>
+                  <a:schemeClr val="bg1"/>
+                </a:solidFill>
+              </a:rPr>
+              <a:t>, request, </a:t>
+            </a:r>
+            <a:r>
+              <a:rPr lang="en-US" b="1" dirty="0" err="1">
+                <a:solidFill>
+                  <a:schemeClr val="bg1"/>
+                </a:solidFill>
+              </a:rPr>
+              <a:t>classType</a:t>
+            </a:r>
+            <a:r>
+              <a:rPr lang="en-US" b="1" dirty="0">
+                <a:solidFill>
+                  <a:schemeClr val="bg1"/>
+                </a:solidFill>
+              </a:rPr>
+              <a:t>) – </a:t>
+            </a:r>
+          </a:p>
+          <a:p>
+            <a:r>
+              <a:rPr lang="en-US" b="1" dirty="0">
+                <a:solidFill>
+                  <a:schemeClr val="bg1"/>
+                </a:solidFill>
+              </a:rPr>
+              <a:t>	POSTs the given object to the URL, </a:t>
+            </a:r>
+          </a:p>
+          <a:p>
+            <a:r>
+              <a:rPr lang="en-US" b="1" dirty="0">
+                <a:solidFill>
+                  <a:schemeClr val="bg1"/>
+                </a:solidFill>
+              </a:rPr>
+              <a:t>	returns the representation found in the response as given class type.</a:t>
+            </a:r>
+          </a:p>
+          <a:p>
+            <a:r>
+              <a:rPr lang="en-US" b="1" dirty="0" err="1">
+                <a:solidFill>
+                  <a:schemeClr val="bg1"/>
+                </a:solidFill>
+              </a:rPr>
+              <a:t>postForEntity</a:t>
+            </a:r>
+            <a:r>
+              <a:rPr lang="en-US" b="1" dirty="0">
+                <a:solidFill>
+                  <a:schemeClr val="bg1"/>
+                </a:solidFill>
+              </a:rPr>
+              <a:t>(</a:t>
+            </a:r>
+            <a:r>
+              <a:rPr lang="en-US" b="1" dirty="0" err="1">
+                <a:solidFill>
+                  <a:schemeClr val="bg1"/>
+                </a:solidFill>
+              </a:rPr>
+              <a:t>url</a:t>
+            </a:r>
+            <a:r>
+              <a:rPr lang="en-US" b="1" dirty="0">
+                <a:solidFill>
+                  <a:schemeClr val="bg1"/>
+                </a:solidFill>
+              </a:rPr>
+              <a:t>, request, </a:t>
+            </a:r>
+            <a:r>
+              <a:rPr lang="en-US" b="1" dirty="0" err="1">
+                <a:solidFill>
+                  <a:schemeClr val="bg1"/>
+                </a:solidFill>
+              </a:rPr>
+              <a:t>responseType</a:t>
+            </a:r>
+            <a:r>
+              <a:rPr lang="en-US" b="1" dirty="0">
+                <a:solidFill>
+                  <a:schemeClr val="bg1"/>
+                </a:solidFill>
+              </a:rPr>
+              <a:t>) – </a:t>
+            </a:r>
+          </a:p>
+          <a:p>
+            <a:r>
+              <a:rPr lang="en-US" b="1" dirty="0">
+                <a:solidFill>
+                  <a:schemeClr val="bg1"/>
+                </a:solidFill>
+              </a:rPr>
+              <a:t>	POSTs the given object to the URL, </a:t>
+            </a:r>
+          </a:p>
+          <a:p>
+            <a:r>
+              <a:rPr lang="en-US" b="1" dirty="0">
+                <a:solidFill>
+                  <a:schemeClr val="bg1"/>
+                </a:solidFill>
+              </a:rPr>
+              <a:t>	returns the response as </a:t>
+            </a:r>
+            <a:r>
+              <a:rPr lang="en-US" b="1" dirty="0" err="1">
+                <a:solidFill>
+                  <a:schemeClr val="bg1"/>
+                </a:solidFill>
+              </a:rPr>
+              <a:t>ResponseEntity</a:t>
+            </a:r>
+            <a:r>
+              <a:rPr lang="en-US" b="1" dirty="0">
+                <a:solidFill>
+                  <a:schemeClr val="bg1"/>
+                </a:solidFill>
+              </a:rPr>
+              <a:t>.</a:t>
+            </a:r>
+          </a:p>
+          <a:p>
+            <a:r>
+              <a:rPr lang="en-US" b="1" dirty="0" err="1">
+                <a:solidFill>
+                  <a:schemeClr val="bg1"/>
+                </a:solidFill>
+              </a:rPr>
+              <a:t>postForLocation</a:t>
+            </a:r>
+            <a:r>
+              <a:rPr lang="en-US" b="1" dirty="0">
+                <a:solidFill>
+                  <a:schemeClr val="bg1"/>
+                </a:solidFill>
+              </a:rPr>
+              <a:t>(</a:t>
+            </a:r>
+            <a:r>
+              <a:rPr lang="en-US" b="1" dirty="0" err="1">
+                <a:solidFill>
+                  <a:schemeClr val="bg1"/>
+                </a:solidFill>
+              </a:rPr>
+              <a:t>url</a:t>
+            </a:r>
+            <a:r>
+              <a:rPr lang="en-US" b="1" dirty="0">
+                <a:solidFill>
+                  <a:schemeClr val="bg1"/>
+                </a:solidFill>
+              </a:rPr>
+              <a:t>, request, </a:t>
+            </a:r>
+            <a:r>
+              <a:rPr lang="en-US" b="1" dirty="0" err="1">
+                <a:solidFill>
+                  <a:schemeClr val="bg1"/>
+                </a:solidFill>
+              </a:rPr>
+              <a:t>responseType</a:t>
+            </a:r>
+            <a:r>
+              <a:rPr lang="en-US" b="1" dirty="0">
+                <a:solidFill>
+                  <a:schemeClr val="bg1"/>
+                </a:solidFill>
+              </a:rPr>
+              <a:t>) – </a:t>
+            </a:r>
+          </a:p>
+          <a:p>
+            <a:r>
+              <a:rPr lang="en-US" b="1" dirty="0">
+                <a:solidFill>
+                  <a:schemeClr val="bg1"/>
+                </a:solidFill>
+              </a:rPr>
+              <a:t>	POSTs the given object to the URL, </a:t>
+            </a:r>
+          </a:p>
+          <a:p>
+            <a:r>
+              <a:rPr lang="en-US" b="1" dirty="0">
+                <a:solidFill>
+                  <a:schemeClr val="bg1"/>
+                </a:solidFill>
+              </a:rPr>
+              <a:t>	returns </a:t>
+            </a:r>
+            <a:r>
+              <a:rPr lang="en-US" b="1" dirty="0" err="1">
+                <a:solidFill>
+                  <a:schemeClr val="bg1"/>
+                </a:solidFill>
+              </a:rPr>
+              <a:t>returns</a:t>
+            </a:r>
+            <a:r>
+              <a:rPr lang="en-US" b="1" dirty="0">
+                <a:solidFill>
+                  <a:schemeClr val="bg1"/>
+                </a:solidFill>
+              </a:rPr>
+              <a:t> the value of the Location header.</a:t>
+            </a:r>
+          </a:p>
+          <a:p>
+            <a:r>
+              <a:rPr lang="en-US" b="1" dirty="0">
+                <a:solidFill>
+                  <a:schemeClr val="bg1"/>
+                </a:solidFill>
+              </a:rPr>
+              <a:t>exchange(</a:t>
+            </a:r>
+            <a:r>
+              <a:rPr lang="en-US" b="1" dirty="0" err="1">
+                <a:solidFill>
+                  <a:schemeClr val="bg1"/>
+                </a:solidFill>
+              </a:rPr>
+              <a:t>url</a:t>
+            </a:r>
+            <a:r>
+              <a:rPr lang="en-US" b="1" dirty="0">
+                <a:solidFill>
+                  <a:schemeClr val="bg1"/>
+                </a:solidFill>
+              </a:rPr>
+              <a:t>, </a:t>
+            </a:r>
+            <a:r>
+              <a:rPr lang="en-US" b="1" dirty="0" err="1">
+                <a:solidFill>
+                  <a:schemeClr val="bg1"/>
+                </a:solidFill>
+              </a:rPr>
+              <a:t>requestEntity</a:t>
+            </a:r>
+            <a:r>
+              <a:rPr lang="en-US" b="1" dirty="0">
+                <a:solidFill>
+                  <a:schemeClr val="bg1"/>
+                </a:solidFill>
+              </a:rPr>
+              <a:t>, </a:t>
+            </a:r>
+            <a:r>
+              <a:rPr lang="en-US" b="1" dirty="0" err="1">
+                <a:solidFill>
+                  <a:schemeClr val="bg1"/>
+                </a:solidFill>
+              </a:rPr>
+              <a:t>responseType</a:t>
+            </a:r>
+            <a:r>
+              <a:rPr lang="en-US" b="1" dirty="0">
+                <a:solidFill>
+                  <a:schemeClr val="bg1"/>
+                </a:solidFill>
+              </a:rPr>
+              <a:t>)</a:t>
+            </a:r>
+          </a:p>
+          <a:p>
+            <a:r>
+              <a:rPr lang="en-US" b="1" dirty="0">
+                <a:solidFill>
+                  <a:schemeClr val="bg1"/>
+                </a:solidFill>
+              </a:rPr>
+              <a:t>execute(</a:t>
+            </a:r>
+            <a:r>
+              <a:rPr lang="en-US" b="1" dirty="0" err="1">
+                <a:solidFill>
+                  <a:schemeClr val="bg1"/>
+                </a:solidFill>
+              </a:rPr>
+              <a:t>url</a:t>
+            </a:r>
+            <a:r>
+              <a:rPr lang="en-US" b="1" dirty="0">
+                <a:solidFill>
+                  <a:schemeClr val="bg1"/>
+                </a:solidFill>
+              </a:rPr>
+              <a:t>, </a:t>
+            </a:r>
+            <a:r>
+              <a:rPr lang="en-US" b="1" dirty="0" err="1">
+                <a:solidFill>
+                  <a:schemeClr val="bg1"/>
+                </a:solidFill>
+              </a:rPr>
+              <a:t>httpMethod</a:t>
+            </a:r>
+            <a:r>
+              <a:rPr lang="en-US" b="1" dirty="0">
+                <a:solidFill>
+                  <a:schemeClr val="bg1"/>
+                </a:solidFill>
+              </a:rPr>
+              <a:t>, </a:t>
+            </a:r>
+            <a:r>
+              <a:rPr lang="en-US" b="1" dirty="0" err="1">
+                <a:solidFill>
+                  <a:schemeClr val="bg1"/>
+                </a:solidFill>
+              </a:rPr>
+              <a:t>requestCallback</a:t>
+            </a:r>
+            <a:r>
+              <a:rPr lang="en-US" b="1" dirty="0">
+                <a:solidFill>
+                  <a:schemeClr val="bg1"/>
+                </a:solidFill>
+              </a:rPr>
+              <a:t>, </a:t>
+            </a:r>
+            <a:r>
+              <a:rPr lang="en-US" b="1" dirty="0" err="1">
+                <a:solidFill>
+                  <a:schemeClr val="bg1"/>
+                </a:solidFill>
+              </a:rPr>
+              <a:t>responseExtractor</a:t>
+            </a:r>
+            <a:r>
+              <a:rPr lang="en-US" b="1" dirty="0">
+                <a:solidFill>
+                  <a:schemeClr val="bg1"/>
+                </a:solidFill>
+              </a:rPr>
+              <a:t>)</a:t>
+            </a:r>
           </a:p>
         </p:txBody>
       </p:sp>
@@ -13027,12 +16400,20 @@
           <a:lstStyle/>
           <a:p>
             <a:r>
-              <a:rPr lang="en-US" b="1" dirty="0">
-                <a:solidFill>
-                  <a:schemeClr val="bg1"/>
-                </a:solidFill>
-              </a:rPr>
-              <a:t>WIP</a:t>
+              <a:rPr lang="en-US" b="1" dirty="0" err="1">
+                <a:solidFill>
+                  <a:schemeClr val="bg1"/>
+                </a:solidFill>
+              </a:rPr>
+              <a:t>RestTemplate</a:t>
+            </a:r>
+            <a:r>
+              <a:rPr lang="en-US" b="1" dirty="0">
+                <a:solidFill>
+                  <a:schemeClr val="bg1"/>
+                </a:solidFill>
+              </a:rPr>
+              <a:t> – HTTP Post method</a:t>
             </a:r>
             <a:endParaRPr lang="en-IN" b="1" dirty="0">
               <a:solidFill>
@@ -13058,7 +16439,7 @@
         <p:spPr>
           <a:xfrm>
             <a:off x="838200" y="1779687"/>
-            <a:ext cx="10515600" cy="369332"/>
+            <a:ext cx="10515600" cy="4801314"/>
           </a:xfrm>
           <a:prstGeom prst="rect">
             <a:avLst/>
@@ -13077,9 +16458,558 @@
                   <a:schemeClr val="bg1"/>
                 </a:solidFill>
               </a:rPr>
-              <a:t>WIP</a:t>
-            </a:r>
-            <a:endParaRPr lang="en-US" b="1" dirty="0">
+              <a:t>@</a:t>
+            </a:r>
+            <a:r>
+              <a:rPr lang="en-US" dirty="0" err="1">
+                <a:solidFill>
+                  <a:schemeClr val="bg1"/>
+                </a:solidFill>
+              </a:rPr>
+              <a:t>RequestMapping</a:t>
+            </a:r>
+            <a:r>
+              <a:rPr lang="en-US" dirty="0">
+                <a:solidFill>
+                  <a:schemeClr val="bg1"/>
+                </a:solidFill>
+              </a:rPr>
+              <a:t>(value = "/employees", method = </a:t>
+            </a:r>
+            <a:r>
+              <a:rPr lang="en-US" dirty="0" err="1">
+                <a:solidFill>
+                  <a:schemeClr val="bg1"/>
+                </a:solidFill>
+              </a:rPr>
+              <a:t>RequestMethod.POST</a:t>
+            </a:r>
+            <a:r>
+              <a:rPr lang="en-US" dirty="0">
+                <a:solidFill>
+                  <a:schemeClr val="bg1"/>
+                </a:solidFill>
+              </a:rPr>
+              <a:t>)</a:t>
+            </a:r>
+          </a:p>
+          <a:p>
+            <a:r>
+              <a:rPr lang="en-US" dirty="0">
+                <a:solidFill>
+                  <a:schemeClr val="bg1"/>
+                </a:solidFill>
+              </a:rPr>
+              <a:t>public </a:t>
+            </a:r>
+            <a:r>
+              <a:rPr lang="en-US" dirty="0" err="1">
+                <a:solidFill>
+                  <a:schemeClr val="bg1"/>
+                </a:solidFill>
+              </a:rPr>
+              <a:t>ResponseEntity</a:t>
+            </a:r>
+            <a:r>
+              <a:rPr lang="en-US" dirty="0">
+                <a:solidFill>
+                  <a:schemeClr val="bg1"/>
+                </a:solidFill>
+              </a:rPr>
+              <a:t>&lt;String&gt; </a:t>
+            </a:r>
+            <a:r>
+              <a:rPr lang="en-US" dirty="0" err="1">
+                <a:solidFill>
+                  <a:schemeClr val="bg1"/>
+                </a:solidFill>
+              </a:rPr>
+              <a:t>createEmployee</a:t>
+            </a:r>
+            <a:r>
+              <a:rPr lang="en-US" dirty="0">
+                <a:solidFill>
+                  <a:schemeClr val="bg1"/>
+                </a:solidFill>
+              </a:rPr>
+              <a:t>(@</a:t>
+            </a:r>
+            <a:r>
+              <a:rPr lang="en-US" dirty="0" err="1">
+                <a:solidFill>
+                  <a:schemeClr val="bg1"/>
+                </a:solidFill>
+              </a:rPr>
+              <a:t>RequestBody</a:t>
+            </a:r>
+            <a:r>
+              <a:rPr lang="en-US" dirty="0">
+                <a:solidFill>
+                  <a:schemeClr val="bg1"/>
+                </a:solidFill>
+              </a:rPr>
+              <a:t> </a:t>
+            </a:r>
+            <a:r>
+              <a:rPr lang="en-US" dirty="0" err="1">
+                <a:solidFill>
+                  <a:schemeClr val="bg1"/>
+                </a:solidFill>
+              </a:rPr>
+              <a:t>EmployeeVO</a:t>
+            </a:r>
+            <a:r>
+              <a:rPr lang="en-US" dirty="0">
+                <a:solidFill>
+                  <a:schemeClr val="bg1"/>
+                </a:solidFill>
+              </a:rPr>
+              <a:t> employee) </a:t>
+            </a:r>
+          </a:p>
+          <a:p>
+            <a:r>
+              <a:rPr lang="en-US" dirty="0">
+                <a:solidFill>
+                  <a:schemeClr val="bg1"/>
+                </a:solidFill>
+              </a:rPr>
+              <a:t>{</a:t>
+            </a:r>
+          </a:p>
+          <a:p>
+            <a:r>
+              <a:rPr lang="en-US" dirty="0">
+                <a:solidFill>
+                  <a:schemeClr val="bg1"/>
+                </a:solidFill>
+              </a:rPr>
+              <a:t>	return new </a:t>
+            </a:r>
+            <a:r>
+              <a:rPr lang="en-US" dirty="0" err="1">
+                <a:solidFill>
+                  <a:schemeClr val="bg1"/>
+                </a:solidFill>
+              </a:rPr>
+              <a:t>ResponseEntity</a:t>
+            </a:r>
+            <a:r>
+              <a:rPr lang="en-US" dirty="0">
+                <a:solidFill>
+                  <a:schemeClr val="bg1"/>
+                </a:solidFill>
+              </a:rPr>
+              <a:t>(</a:t>
+            </a:r>
+            <a:r>
+              <a:rPr lang="en-US" dirty="0" err="1">
+                <a:solidFill>
+                  <a:schemeClr val="bg1"/>
+                </a:solidFill>
+              </a:rPr>
+              <a:t>HttpStatus.CREATED</a:t>
+            </a:r>
+            <a:r>
+              <a:rPr lang="en-US" dirty="0">
+                <a:solidFill>
+                  <a:schemeClr val="bg1"/>
+                </a:solidFill>
+              </a:rPr>
+              <a:t>);</a:t>
+            </a:r>
+          </a:p>
+          <a:p>
+            <a:r>
+              <a:rPr lang="en-US" dirty="0">
+                <a:solidFill>
+                  <a:schemeClr val="bg1"/>
+                </a:solidFill>
+              </a:rPr>
+              <a:t>}</a:t>
+            </a:r>
+          </a:p>
+          <a:p>
+            <a:r>
+              <a:rPr lang="en-US" dirty="0">
+                <a:solidFill>
+                  <a:schemeClr val="bg1"/>
+                </a:solidFill>
+              </a:rPr>
+              <a:t>REST Client Code</a:t>
+            </a:r>
+          </a:p>
+          <a:p>
+            <a:r>
+              <a:rPr lang="en-US" dirty="0">
+                <a:solidFill>
+                  <a:schemeClr val="bg1"/>
+                </a:solidFill>
+              </a:rPr>
+              <a:t>Spring REST client using </a:t>
+            </a:r>
+            <a:r>
+              <a:rPr lang="en-US" dirty="0" err="1">
+                <a:solidFill>
+                  <a:schemeClr val="bg1"/>
+                </a:solidFill>
+              </a:rPr>
+              <a:t>RestTemplate</a:t>
+            </a:r>
+            <a:r>
+              <a:rPr lang="en-US" dirty="0">
+                <a:solidFill>
+                  <a:schemeClr val="bg1"/>
+                </a:solidFill>
+              </a:rPr>
+              <a:t> to access HTTP POST </a:t>
+            </a:r>
+            <a:r>
+              <a:rPr lang="en-US" dirty="0" err="1">
+                <a:solidFill>
+                  <a:schemeClr val="bg1"/>
+                </a:solidFill>
+              </a:rPr>
+              <a:t>api</a:t>
+            </a:r>
+            <a:r>
+              <a:rPr lang="en-US" dirty="0">
+                <a:solidFill>
+                  <a:schemeClr val="bg1"/>
+                </a:solidFill>
+              </a:rPr>
+              <a:t> requests.</a:t>
+            </a:r>
+          </a:p>
+          <a:p>
+            <a:endParaRPr lang="en-US" dirty="0">
+              <a:solidFill>
+                <a:schemeClr val="bg1"/>
+              </a:solidFill>
+            </a:endParaRPr>
+          </a:p>
+          <a:p>
+            <a:r>
+              <a:rPr lang="en-US" dirty="0">
+                <a:solidFill>
+                  <a:schemeClr val="bg1"/>
+                </a:solidFill>
+              </a:rPr>
+              <a:t>private static void </a:t>
+            </a:r>
+            <a:r>
+              <a:rPr lang="en-US" dirty="0" err="1">
+                <a:solidFill>
+                  <a:schemeClr val="bg1"/>
+                </a:solidFill>
+              </a:rPr>
+              <a:t>createEmployee</a:t>
+            </a:r>
+            <a:r>
+              <a:rPr lang="en-US" dirty="0">
+                <a:solidFill>
+                  <a:schemeClr val="bg1"/>
+                </a:solidFill>
+              </a:rPr>
+              <a:t>()</a:t>
+            </a:r>
+          </a:p>
+          <a:p>
+            <a:r>
+              <a:rPr lang="en-US" dirty="0">
+                <a:solidFill>
+                  <a:schemeClr val="bg1"/>
+                </a:solidFill>
+              </a:rPr>
+              <a:t>{</a:t>
+            </a:r>
+          </a:p>
+          <a:p>
+            <a:r>
+              <a:rPr lang="en-US" dirty="0">
+                <a:solidFill>
+                  <a:schemeClr val="bg1"/>
+                </a:solidFill>
+              </a:rPr>
+              <a:t>    final String </a:t>
+            </a:r>
+            <a:r>
+              <a:rPr lang="en-US" dirty="0" err="1">
+                <a:solidFill>
+                  <a:schemeClr val="bg1"/>
+                </a:solidFill>
+              </a:rPr>
+              <a:t>uri</a:t>
+            </a:r>
+            <a:r>
+              <a:rPr lang="en-US" dirty="0">
+                <a:solidFill>
+                  <a:schemeClr val="bg1"/>
+                </a:solidFill>
+              </a:rPr>
+              <a:t> = "http://localhost:8080/</a:t>
+            </a:r>
+            <a:r>
+              <a:rPr lang="en-US" dirty="0" err="1">
+                <a:solidFill>
+                  <a:schemeClr val="bg1"/>
+                </a:solidFill>
+              </a:rPr>
+              <a:t>springrestexample</a:t>
+            </a:r>
+            <a:r>
+              <a:rPr lang="en-US" dirty="0">
+                <a:solidFill>
+                  <a:schemeClr val="bg1"/>
+                </a:solidFill>
+              </a:rPr>
+              <a:t>/employees";</a:t>
+            </a:r>
+          </a:p>
+          <a:p>
+            <a:r>
+              <a:rPr lang="en-US" dirty="0">
+                <a:solidFill>
+                  <a:schemeClr val="bg1"/>
+                </a:solidFill>
+              </a:rPr>
+              <a:t>    </a:t>
+            </a:r>
+            <a:r>
+              <a:rPr lang="en-US" dirty="0" err="1">
+                <a:solidFill>
+                  <a:schemeClr val="bg1"/>
+                </a:solidFill>
+              </a:rPr>
+              <a:t>EmployeeVO</a:t>
+            </a:r>
+            <a:r>
+              <a:rPr lang="en-US" dirty="0">
+                <a:solidFill>
+                  <a:schemeClr val="bg1"/>
+                </a:solidFill>
+              </a:rPr>
+              <a:t> </a:t>
+            </a:r>
+            <a:r>
+              <a:rPr lang="en-US" dirty="0" err="1">
+                <a:solidFill>
+                  <a:schemeClr val="bg1"/>
+                </a:solidFill>
+              </a:rPr>
+              <a:t>newEmployee</a:t>
+            </a:r>
+            <a:r>
+              <a:rPr lang="en-US" dirty="0">
+                <a:solidFill>
+                  <a:schemeClr val="bg1"/>
+                </a:solidFill>
+              </a:rPr>
+              <a:t> = new </a:t>
+            </a:r>
+            <a:r>
+              <a:rPr lang="en-US" dirty="0" err="1">
+                <a:solidFill>
+                  <a:schemeClr val="bg1"/>
+                </a:solidFill>
+              </a:rPr>
+              <a:t>EmployeeVO</a:t>
+            </a:r>
+            <a:r>
+              <a:rPr lang="en-US" dirty="0">
+                <a:solidFill>
+                  <a:schemeClr val="bg1"/>
+                </a:solidFill>
+              </a:rPr>
+              <a:t>(-1, "Adam", "Gilly", "test@email.com");</a:t>
+            </a:r>
+          </a:p>
+          <a:p>
+            <a:r>
+              <a:rPr lang="en-US" dirty="0">
+                <a:solidFill>
+                  <a:schemeClr val="bg1"/>
+                </a:solidFill>
+              </a:rPr>
+              <a:t>    </a:t>
+            </a:r>
+            <a:r>
+              <a:rPr lang="en-US" dirty="0" err="1">
+                <a:solidFill>
+                  <a:schemeClr val="bg1"/>
+                </a:solidFill>
+              </a:rPr>
+              <a:t>RestTemplate</a:t>
+            </a:r>
+            <a:r>
+              <a:rPr lang="en-US" dirty="0">
+                <a:solidFill>
+                  <a:schemeClr val="bg1"/>
+                </a:solidFill>
+              </a:rPr>
+              <a:t> </a:t>
+            </a:r>
+            <a:r>
+              <a:rPr lang="en-US" dirty="0" err="1">
+                <a:solidFill>
+                  <a:schemeClr val="bg1"/>
+                </a:solidFill>
+              </a:rPr>
+              <a:t>restTemplate</a:t>
+            </a:r>
+            <a:r>
+              <a:rPr lang="en-US" dirty="0">
+                <a:solidFill>
+                  <a:schemeClr val="bg1"/>
+                </a:solidFill>
+              </a:rPr>
+              <a:t> = new </a:t>
+            </a:r>
+            <a:r>
+              <a:rPr lang="en-US" dirty="0" err="1">
+                <a:solidFill>
+                  <a:schemeClr val="bg1"/>
+                </a:solidFill>
+              </a:rPr>
+              <a:t>RestTemplate</a:t>
+            </a:r>
+            <a:r>
+              <a:rPr lang="en-US" dirty="0">
+                <a:solidFill>
+                  <a:schemeClr val="bg1"/>
+                </a:solidFill>
+              </a:rPr>
+              <a:t>();</a:t>
+            </a:r>
+          </a:p>
+          <a:p>
+            <a:r>
+              <a:rPr lang="en-US" dirty="0">
+                <a:solidFill>
+                  <a:schemeClr val="bg1"/>
+                </a:solidFill>
+              </a:rPr>
+              <a:t>    </a:t>
+            </a:r>
+            <a:r>
+              <a:rPr lang="en-US" dirty="0" err="1">
+                <a:solidFill>
+                  <a:schemeClr val="bg1"/>
+                </a:solidFill>
+              </a:rPr>
+              <a:t>EmployeeVO</a:t>
+            </a:r>
+            <a:r>
+              <a:rPr lang="en-US" dirty="0">
+                <a:solidFill>
+                  <a:schemeClr val="bg1"/>
+                </a:solidFill>
+              </a:rPr>
+              <a:t> result = </a:t>
+            </a:r>
+            <a:r>
+              <a:rPr lang="en-US" dirty="0" err="1">
+                <a:solidFill>
+                  <a:schemeClr val="bg1"/>
+                </a:solidFill>
+              </a:rPr>
+              <a:t>restTemplate.postForObject</a:t>
+            </a:r>
+            <a:r>
+              <a:rPr lang="en-US" dirty="0">
+                <a:solidFill>
+                  <a:schemeClr val="bg1"/>
+                </a:solidFill>
+              </a:rPr>
+              <a:t>( </a:t>
+            </a:r>
+            <a:r>
+              <a:rPr lang="en-US" dirty="0" err="1">
+                <a:solidFill>
+                  <a:schemeClr val="bg1"/>
+                </a:solidFill>
+              </a:rPr>
+              <a:t>uri</a:t>
+            </a:r>
+            <a:r>
+              <a:rPr lang="en-US" dirty="0">
+                <a:solidFill>
+                  <a:schemeClr val="bg1"/>
+                </a:solidFill>
+              </a:rPr>
+              <a:t>, </a:t>
+            </a:r>
+            <a:r>
+              <a:rPr lang="en-US" dirty="0" err="1">
+                <a:solidFill>
+                  <a:schemeClr val="bg1"/>
+                </a:solidFill>
+              </a:rPr>
+              <a:t>newEmployee</a:t>
+            </a:r>
+            <a:r>
+              <a:rPr lang="en-US" dirty="0">
+                <a:solidFill>
+                  <a:schemeClr val="bg1"/>
+                </a:solidFill>
+              </a:rPr>
+              <a:t>, </a:t>
+            </a:r>
+            <a:r>
+              <a:rPr lang="en-US" dirty="0" err="1">
+                <a:solidFill>
+                  <a:schemeClr val="bg1"/>
+                </a:solidFill>
+              </a:rPr>
+              <a:t>EmployeeVO.class</a:t>
+            </a:r>
+            <a:r>
+              <a:rPr lang="en-US" dirty="0">
+                <a:solidFill>
+                  <a:schemeClr val="bg1"/>
+                </a:solidFill>
+              </a:rPr>
+              <a:t>); </a:t>
+            </a:r>
+          </a:p>
+          <a:p>
+            <a:r>
+              <a:rPr lang="en-US" dirty="0">
+                <a:solidFill>
+                  <a:schemeClr val="bg1"/>
+                </a:solidFill>
+              </a:rPr>
+              <a:t>    </a:t>
+            </a:r>
+            <a:r>
+              <a:rPr lang="en-US" dirty="0" err="1">
+                <a:solidFill>
+                  <a:schemeClr val="bg1"/>
+                </a:solidFill>
+              </a:rPr>
+              <a:t>System.out.println</a:t>
+            </a:r>
+            <a:r>
+              <a:rPr lang="en-US" dirty="0">
+                <a:solidFill>
+                  <a:schemeClr val="bg1"/>
+                </a:solidFill>
+              </a:rPr>
+              <a:t>(result);</a:t>
+            </a:r>
+          </a:p>
+          <a:p>
+            <a:r>
+              <a:rPr lang="en-US" dirty="0">
+                <a:solidFill>
+                  <a:schemeClr val="bg1"/>
+                </a:solidFill>
+              </a:rPr>
+              <a:t>}</a:t>
+            </a:r>
+          </a:p>
+          <a:p>
+            <a:endParaRPr lang="en-US" dirty="0">
               <a:solidFill>
                 <a:schemeClr val="bg1"/>
               </a:solidFill>
@@ -13160,7 +17090,15 @@
                   <a:schemeClr val="bg1"/>
                 </a:solidFill>
               </a:rPr>
-              <a:t>WIP</a:t>
+              <a:t>Sample </a:t>
+            </a:r>
+            <a:r>
+              <a:rPr lang="en-US" b="1" dirty="0" err="1">
+                <a:solidFill>
+                  <a:schemeClr val="bg1"/>
+                </a:solidFill>
+              </a:rPr>
+              <a:t>RequestBody</a:t>
             </a:r>
             <a:endParaRPr lang="en-IN" b="1" dirty="0">
               <a:solidFill>
@@ -13186,7 +17124,7 @@
         <p:spPr>
           <a:xfrm>
             <a:off x="838200" y="1779687"/>
-            <a:ext cx="10515600" cy="369332"/>
+            <a:ext cx="10515600" cy="3693319"/>
           </a:xfrm>
           <a:prstGeom prst="rect">
             <a:avLst/>
@@ -13200,18 +17138,133 @@
           <a:lstStyle/>
           <a:p>
             <a:r>
-              <a:rPr lang="en-US" dirty="0">
-                <a:solidFill>
-                  <a:schemeClr val="bg1"/>
-                </a:solidFill>
-              </a:rPr>
-              <a:t>WIP</a:t>
-            </a:r>
-            <a:endParaRPr lang="en-US" b="1" dirty="0">
-              <a:solidFill>
-                <a:schemeClr val="bg1"/>
-              </a:solidFill>
-            </a:endParaRPr>
+              <a:rPr lang="en-US" b="1" dirty="0">
+                <a:solidFill>
+                  <a:schemeClr val="bg1"/>
+                </a:solidFill>
+              </a:rPr>
+              <a:t>{</a:t>
+            </a:r>
+          </a:p>
+          <a:p>
+            <a:r>
+              <a:rPr lang="en-US" b="1" dirty="0">
+                <a:solidFill>
+                  <a:schemeClr val="bg1"/>
+                </a:solidFill>
+              </a:rPr>
+              <a:t>    "employee": </a:t>
+            </a:r>
+          </a:p>
+          <a:p>
+            <a:r>
+              <a:rPr lang="en-US" b="1" dirty="0">
+                <a:solidFill>
+                  <a:schemeClr val="bg1"/>
+                </a:solidFill>
+              </a:rPr>
+              <a:t>      {</a:t>
+            </a:r>
+          </a:p>
+          <a:p>
+            <a:r>
+              <a:rPr lang="en-US" b="1" dirty="0">
+                <a:solidFill>
+                  <a:schemeClr val="bg1"/>
+                </a:solidFill>
+              </a:rPr>
+              <a:t>        "id": "1",</a:t>
+            </a:r>
+          </a:p>
+          <a:p>
+            <a:r>
+              <a:rPr lang="en-US" b="1" dirty="0">
+                <a:solidFill>
+                  <a:schemeClr val="bg1"/>
+                </a:solidFill>
+              </a:rPr>
+              <a:t>        "name": "Vilas",</a:t>
+            </a:r>
+          </a:p>
+          <a:p>
+            <a:r>
+              <a:rPr lang="en-US" b="1" dirty="0">
+                <a:solidFill>
+                  <a:schemeClr val="bg1"/>
+                </a:solidFill>
+              </a:rPr>
+              <a:t>        "salary": "10000"</a:t>
+            </a:r>
+          </a:p>
+          <a:p>
+            <a:r>
+              <a:rPr lang="en-US" b="1" dirty="0">
+                <a:solidFill>
+                  <a:schemeClr val="bg1"/>
+                </a:solidFill>
+              </a:rPr>
+              <a:t>      },</a:t>
+            </a:r>
+          </a:p>
+          <a:p>
+            <a:r>
+              <a:rPr lang="en-US" b="1" dirty="0">
+                <a:solidFill>
+                  <a:schemeClr val="bg1"/>
+                </a:solidFill>
+              </a:rPr>
+              <a:t>	"rating": </a:t>
+            </a:r>
+          </a:p>
+          <a:p>
+            <a:r>
+              <a:rPr lang="en-US" b="1" dirty="0">
+                <a:solidFill>
+                  <a:schemeClr val="bg1"/>
+                </a:solidFill>
+              </a:rPr>
+              <a:t>      {</a:t>
+            </a:r>
+          </a:p>
+          <a:p>
+            <a:r>
+              <a:rPr lang="en-US" b="1" dirty="0">
+                <a:solidFill>
+                  <a:schemeClr val="bg1"/>
+                </a:solidFill>
+              </a:rPr>
+              <a:t>        "id": "1",</a:t>
+            </a:r>
+          </a:p>
+          <a:p>
+            <a:r>
+              <a:rPr lang="en-US" b="1" dirty="0">
+                <a:solidFill>
+                  <a:schemeClr val="bg1"/>
+                </a:solidFill>
+              </a:rPr>
+              <a:t>        "rating": "4"</a:t>
+            </a:r>
+          </a:p>
+          <a:p>
+            <a:r>
+              <a:rPr lang="en-US" b="1" dirty="0">
+                <a:solidFill>
+                  <a:schemeClr val="bg1"/>
+                </a:solidFill>
+              </a:rPr>
+              <a:t>      }  </a:t>
+            </a:r>
+          </a:p>
+          <a:p>
+            <a:r>
+              <a:rPr lang="en-US" b="1" dirty="0">
+                <a:solidFill>
+                  <a:schemeClr val="bg1"/>
+                </a:solidFill>
+              </a:rPr>
+              <a:t>}</a:t>
+            </a:r>
           </a:p>
         </p:txBody>
       </p:sp>
@@ -13283,12 +17336,20 @@
           <a:lstStyle/>
           <a:p>
             <a:r>
-              <a:rPr lang="en-US" b="1" dirty="0">
-                <a:solidFill>
-                  <a:schemeClr val="bg1"/>
-                </a:solidFill>
-              </a:rPr>
-              <a:t>WIP</a:t>
+              <a:rPr lang="en-US" b="1" dirty="0" err="1">
+                <a:solidFill>
+                  <a:schemeClr val="bg1"/>
+                </a:solidFill>
+              </a:rPr>
+              <a:t>RestTemplate</a:t>
+            </a:r>
+            <a:r>
+              <a:rPr lang="en-US" b="1" dirty="0">
+                <a:solidFill>
+                  <a:schemeClr val="bg1"/>
+                </a:solidFill>
+              </a:rPr>
+              <a:t> – HTTP PUT Method</a:t>
             </a:r>
             <a:endParaRPr lang="en-IN" b="1" dirty="0">
               <a:solidFill>
@@ -13314,7 +17375,7 @@
         <p:spPr>
           <a:xfrm>
             <a:off x="838200" y="1779687"/>
-            <a:ext cx="10515600" cy="369332"/>
+            <a:ext cx="10515600" cy="5078313"/>
           </a:xfrm>
           <a:prstGeom prst="rect">
             <a:avLst/>
@@ -13333,8 +17394,576 @@
                   <a:schemeClr val="bg1"/>
                 </a:solidFill>
               </a:rPr>
-              <a:t>WIP</a:t>
-            </a:r>
+              <a:t>@</a:t>
+            </a:r>
+            <a:r>
+              <a:rPr lang="en-US" dirty="0" err="1">
+                <a:solidFill>
+                  <a:schemeClr val="bg1"/>
+                </a:solidFill>
+              </a:rPr>
+              <a:t>RequestMapping</a:t>
+            </a:r>
+            <a:r>
+              <a:rPr lang="en-US" dirty="0">
+                <a:solidFill>
+                  <a:schemeClr val="bg1"/>
+                </a:solidFill>
+              </a:rPr>
+              <a:t>(value = "/employees/{id}", method = </a:t>
+            </a:r>
+            <a:r>
+              <a:rPr lang="en-US" dirty="0" err="1">
+                <a:solidFill>
+                  <a:schemeClr val="bg1"/>
+                </a:solidFill>
+              </a:rPr>
+              <a:t>RequestMethod.PUT</a:t>
+            </a:r>
+            <a:r>
+              <a:rPr lang="en-US" dirty="0">
+                <a:solidFill>
+                  <a:schemeClr val="bg1"/>
+                </a:solidFill>
+              </a:rPr>
+              <a:t>)</a:t>
+            </a:r>
+          </a:p>
+          <a:p>
+            <a:r>
+              <a:rPr lang="en-US" dirty="0">
+                <a:solidFill>
+                  <a:schemeClr val="bg1"/>
+                </a:solidFill>
+              </a:rPr>
+              <a:t>public </a:t>
+            </a:r>
+            <a:r>
+              <a:rPr lang="en-US" dirty="0" err="1">
+                <a:solidFill>
+                  <a:schemeClr val="bg1"/>
+                </a:solidFill>
+              </a:rPr>
+              <a:t>ResponseEntity</a:t>
+            </a:r>
+            <a:r>
+              <a:rPr lang="en-US" dirty="0">
+                <a:solidFill>
+                  <a:schemeClr val="bg1"/>
+                </a:solidFill>
+              </a:rPr>
+              <a:t>&lt;</a:t>
+            </a:r>
+            <a:r>
+              <a:rPr lang="en-US" dirty="0" err="1">
+                <a:solidFill>
+                  <a:schemeClr val="bg1"/>
+                </a:solidFill>
+              </a:rPr>
+              <a:t>EmployeeVO</a:t>
+            </a:r>
+            <a:r>
+              <a:rPr lang="en-US" dirty="0">
+                <a:solidFill>
+                  <a:schemeClr val="bg1"/>
+                </a:solidFill>
+              </a:rPr>
+              <a:t>&gt; </a:t>
+            </a:r>
+            <a:r>
+              <a:rPr lang="en-US" dirty="0" err="1">
+                <a:solidFill>
+                  <a:schemeClr val="bg1"/>
+                </a:solidFill>
+              </a:rPr>
+              <a:t>updateEmployee</a:t>
+            </a:r>
+            <a:r>
+              <a:rPr lang="en-US" dirty="0">
+                <a:solidFill>
+                  <a:schemeClr val="bg1"/>
+                </a:solidFill>
+              </a:rPr>
+              <a:t>(@</a:t>
+            </a:r>
+            <a:r>
+              <a:rPr lang="en-US" dirty="0" err="1">
+                <a:solidFill>
+                  <a:schemeClr val="bg1"/>
+                </a:solidFill>
+              </a:rPr>
+              <a:t>PathVariable</a:t>
+            </a:r>
+            <a:r>
+              <a:rPr lang="en-US" dirty="0">
+                <a:solidFill>
+                  <a:schemeClr val="bg1"/>
+                </a:solidFill>
+              </a:rPr>
+              <a:t>("id") int id, @</a:t>
+            </a:r>
+            <a:r>
+              <a:rPr lang="en-US" dirty="0" err="1">
+                <a:solidFill>
+                  <a:schemeClr val="bg1"/>
+                </a:solidFill>
+              </a:rPr>
+              <a:t>RequestBody</a:t>
+            </a:r>
+            <a:r>
+              <a:rPr lang="en-US" dirty="0">
+                <a:solidFill>
+                  <a:schemeClr val="bg1"/>
+                </a:solidFill>
+              </a:rPr>
+              <a:t> </a:t>
+            </a:r>
+            <a:r>
+              <a:rPr lang="en-US" dirty="0" err="1">
+                <a:solidFill>
+                  <a:schemeClr val="bg1"/>
+                </a:solidFill>
+              </a:rPr>
+              <a:t>EmployeeVO</a:t>
+            </a:r>
+            <a:r>
+              <a:rPr lang="en-US" dirty="0">
+                <a:solidFill>
+                  <a:schemeClr val="bg1"/>
+                </a:solidFill>
+              </a:rPr>
+              <a:t> employee) </a:t>
+            </a:r>
+          </a:p>
+          <a:p>
+            <a:r>
+              <a:rPr lang="en-US" dirty="0">
+                <a:solidFill>
+                  <a:schemeClr val="bg1"/>
+                </a:solidFill>
+              </a:rPr>
+              <a:t>{</a:t>
+            </a:r>
+          </a:p>
+          <a:p>
+            <a:r>
+              <a:rPr lang="en-US" dirty="0">
+                <a:solidFill>
+                  <a:schemeClr val="bg1"/>
+                </a:solidFill>
+              </a:rPr>
+              <a:t>return new </a:t>
+            </a:r>
+            <a:r>
+              <a:rPr lang="en-US" dirty="0" err="1">
+                <a:solidFill>
+                  <a:schemeClr val="bg1"/>
+                </a:solidFill>
+              </a:rPr>
+              <a:t>ResponseEntity</a:t>
+            </a:r>
+            <a:r>
+              <a:rPr lang="en-US" dirty="0">
+                <a:solidFill>
+                  <a:schemeClr val="bg1"/>
+                </a:solidFill>
+              </a:rPr>
+              <a:t>&lt;</a:t>
+            </a:r>
+            <a:r>
+              <a:rPr lang="en-US" dirty="0" err="1">
+                <a:solidFill>
+                  <a:schemeClr val="bg1"/>
+                </a:solidFill>
+              </a:rPr>
+              <a:t>EmployeeVO</a:t>
+            </a:r>
+            <a:r>
+              <a:rPr lang="en-US" dirty="0">
+                <a:solidFill>
+                  <a:schemeClr val="bg1"/>
+                </a:solidFill>
+              </a:rPr>
+              <a:t>&gt;(employee, </a:t>
+            </a:r>
+            <a:r>
+              <a:rPr lang="en-US" dirty="0" err="1">
+                <a:solidFill>
+                  <a:schemeClr val="bg1"/>
+                </a:solidFill>
+              </a:rPr>
+              <a:t>HttpStatus.OK</a:t>
+            </a:r>
+            <a:r>
+              <a:rPr lang="en-US" dirty="0">
+                <a:solidFill>
+                  <a:schemeClr val="bg1"/>
+                </a:solidFill>
+              </a:rPr>
+              <a:t>);</a:t>
+            </a:r>
+          </a:p>
+          <a:p>
+            <a:r>
+              <a:rPr lang="en-US" dirty="0">
+                <a:solidFill>
+                  <a:schemeClr val="bg1"/>
+                </a:solidFill>
+              </a:rPr>
+              <a:t>}</a:t>
+            </a:r>
+          </a:p>
+          <a:p>
+            <a:r>
+              <a:rPr lang="en-US" dirty="0">
+                <a:solidFill>
+                  <a:schemeClr val="bg1"/>
+                </a:solidFill>
+              </a:rPr>
+              <a:t>REST Client Code</a:t>
+            </a:r>
+          </a:p>
+          <a:p>
+            <a:r>
+              <a:rPr lang="en-US" dirty="0">
+                <a:solidFill>
+                  <a:schemeClr val="bg1"/>
+                </a:solidFill>
+              </a:rPr>
+              <a:t>Spring REST client using </a:t>
+            </a:r>
+            <a:r>
+              <a:rPr lang="en-US" dirty="0" err="1">
+                <a:solidFill>
+                  <a:schemeClr val="bg1"/>
+                </a:solidFill>
+              </a:rPr>
+              <a:t>RestTemplate</a:t>
+            </a:r>
+            <a:r>
+              <a:rPr lang="en-US" dirty="0">
+                <a:solidFill>
+                  <a:schemeClr val="bg1"/>
+                </a:solidFill>
+              </a:rPr>
+              <a:t> to access HTTP PUT </a:t>
+            </a:r>
+            <a:r>
+              <a:rPr lang="en-US" dirty="0" err="1">
+                <a:solidFill>
+                  <a:schemeClr val="bg1"/>
+                </a:solidFill>
+              </a:rPr>
+              <a:t>api</a:t>
+            </a:r>
+            <a:r>
+              <a:rPr lang="en-US" dirty="0">
+                <a:solidFill>
+                  <a:schemeClr val="bg1"/>
+                </a:solidFill>
+              </a:rPr>
+              <a:t> requests.</a:t>
+            </a:r>
+          </a:p>
+          <a:p>
+            <a:r>
+              <a:rPr lang="en-US" dirty="0">
+                <a:solidFill>
+                  <a:schemeClr val="bg1"/>
+                </a:solidFill>
+              </a:rPr>
+              <a:t>private static void </a:t>
+            </a:r>
+            <a:r>
+              <a:rPr lang="en-US" dirty="0" err="1">
+                <a:solidFill>
+                  <a:schemeClr val="bg1"/>
+                </a:solidFill>
+              </a:rPr>
+              <a:t>updateEmployee</a:t>
+            </a:r>
+            <a:r>
+              <a:rPr lang="en-US" dirty="0">
+                <a:solidFill>
+                  <a:schemeClr val="bg1"/>
+                </a:solidFill>
+              </a:rPr>
+              <a:t>()</a:t>
+            </a:r>
+          </a:p>
+          <a:p>
+            <a:r>
+              <a:rPr lang="en-US" dirty="0">
+                <a:solidFill>
+                  <a:schemeClr val="bg1"/>
+                </a:solidFill>
+              </a:rPr>
+              <a:t>{</a:t>
+            </a:r>
+          </a:p>
+          <a:p>
+            <a:r>
+              <a:rPr lang="en-US" dirty="0">
+                <a:solidFill>
+                  <a:schemeClr val="bg1"/>
+                </a:solidFill>
+              </a:rPr>
+              <a:t>    final String </a:t>
+            </a:r>
+            <a:r>
+              <a:rPr lang="en-US" dirty="0" err="1">
+                <a:solidFill>
+                  <a:schemeClr val="bg1"/>
+                </a:solidFill>
+              </a:rPr>
+              <a:t>uri</a:t>
+            </a:r>
+            <a:r>
+              <a:rPr lang="en-US" dirty="0">
+                <a:solidFill>
+                  <a:schemeClr val="bg1"/>
+                </a:solidFill>
+              </a:rPr>
+              <a:t> = "http://localhost:8080/</a:t>
+            </a:r>
+            <a:r>
+              <a:rPr lang="en-US" dirty="0" err="1">
+                <a:solidFill>
+                  <a:schemeClr val="bg1"/>
+                </a:solidFill>
+              </a:rPr>
+              <a:t>springrestexample</a:t>
+            </a:r>
+            <a:r>
+              <a:rPr lang="en-US" dirty="0">
+                <a:solidFill>
+                  <a:schemeClr val="bg1"/>
+                </a:solidFill>
+              </a:rPr>
+              <a:t>/employees/{id}";</a:t>
+            </a:r>
+          </a:p>
+          <a:p>
+            <a:r>
+              <a:rPr lang="en-US" dirty="0">
+                <a:solidFill>
+                  <a:schemeClr val="bg1"/>
+                </a:solidFill>
+              </a:rPr>
+              <a:t>    Map&lt;String, String&gt; params = new HashMap&lt;String, String&gt;();</a:t>
+            </a:r>
+          </a:p>
+          <a:p>
+            <a:r>
+              <a:rPr lang="en-US" dirty="0">
+                <a:solidFill>
+                  <a:schemeClr val="bg1"/>
+                </a:solidFill>
+              </a:rPr>
+              <a:t>    </a:t>
+            </a:r>
+            <a:r>
+              <a:rPr lang="en-US" dirty="0" err="1">
+                <a:solidFill>
+                  <a:schemeClr val="bg1"/>
+                </a:solidFill>
+              </a:rPr>
+              <a:t>params.put</a:t>
+            </a:r>
+            <a:r>
+              <a:rPr lang="en-US" dirty="0">
+                <a:solidFill>
+                  <a:schemeClr val="bg1"/>
+                </a:solidFill>
+              </a:rPr>
+              <a:t>("id", "2");</a:t>
+            </a:r>
+          </a:p>
+          <a:p>
+            <a:r>
+              <a:rPr lang="en-US" dirty="0">
+                <a:solidFill>
+                  <a:schemeClr val="bg1"/>
+                </a:solidFill>
+              </a:rPr>
+              <a:t>    </a:t>
+            </a:r>
+            <a:r>
+              <a:rPr lang="en-US" dirty="0" err="1">
+                <a:solidFill>
+                  <a:schemeClr val="bg1"/>
+                </a:solidFill>
+              </a:rPr>
+              <a:t>EmployeeVO</a:t>
+            </a:r>
+            <a:r>
+              <a:rPr lang="en-US" dirty="0">
+                <a:solidFill>
+                  <a:schemeClr val="bg1"/>
+                </a:solidFill>
+              </a:rPr>
+              <a:t> </a:t>
+            </a:r>
+            <a:r>
+              <a:rPr lang="en-US" dirty="0" err="1">
+                <a:solidFill>
+                  <a:schemeClr val="bg1"/>
+                </a:solidFill>
+              </a:rPr>
+              <a:t>updatedEmployee</a:t>
+            </a:r>
+            <a:r>
+              <a:rPr lang="en-US" dirty="0">
+                <a:solidFill>
+                  <a:schemeClr val="bg1"/>
+                </a:solidFill>
+              </a:rPr>
+              <a:t> = new </a:t>
+            </a:r>
+            <a:r>
+              <a:rPr lang="en-US" dirty="0" err="1">
+                <a:solidFill>
+                  <a:schemeClr val="bg1"/>
+                </a:solidFill>
+              </a:rPr>
+              <a:t>EmployeeVO</a:t>
+            </a:r>
+            <a:r>
+              <a:rPr lang="en-US" dirty="0">
+                <a:solidFill>
+                  <a:schemeClr val="bg1"/>
+                </a:solidFill>
+              </a:rPr>
+              <a:t>(2, "New Name", "Gilly", "test@email.com");</a:t>
+            </a:r>
+          </a:p>
+          <a:p>
+            <a:r>
+              <a:rPr lang="en-US" dirty="0">
+                <a:solidFill>
+                  <a:schemeClr val="bg1"/>
+                </a:solidFill>
+              </a:rPr>
+              <a:t>    </a:t>
+            </a:r>
+            <a:r>
+              <a:rPr lang="en-US" dirty="0" err="1">
+                <a:solidFill>
+                  <a:schemeClr val="bg1"/>
+                </a:solidFill>
+              </a:rPr>
+              <a:t>RestTemplate</a:t>
+            </a:r>
+            <a:r>
+              <a:rPr lang="en-US" dirty="0">
+                <a:solidFill>
+                  <a:schemeClr val="bg1"/>
+                </a:solidFill>
+              </a:rPr>
+              <a:t> </a:t>
+            </a:r>
+            <a:r>
+              <a:rPr lang="en-US" dirty="0" err="1">
+                <a:solidFill>
+                  <a:schemeClr val="bg1"/>
+                </a:solidFill>
+              </a:rPr>
+              <a:t>restTemplate</a:t>
+            </a:r>
+            <a:r>
+              <a:rPr lang="en-US" dirty="0">
+                <a:solidFill>
+                  <a:schemeClr val="bg1"/>
+                </a:solidFill>
+              </a:rPr>
+              <a:t> = new </a:t>
+            </a:r>
+            <a:r>
+              <a:rPr lang="en-US" dirty="0" err="1">
+                <a:solidFill>
+                  <a:schemeClr val="bg1"/>
+                </a:solidFill>
+              </a:rPr>
+              <a:t>RestTemplate</a:t>
+            </a:r>
+            <a:r>
+              <a:rPr lang="en-US" dirty="0">
+                <a:solidFill>
+                  <a:schemeClr val="bg1"/>
+                </a:solidFill>
+              </a:rPr>
+              <a:t>();</a:t>
+            </a:r>
+          </a:p>
+          <a:p>
+            <a:r>
+              <a:rPr lang="en-US" dirty="0">
+                <a:solidFill>
+                  <a:schemeClr val="bg1"/>
+                </a:solidFill>
+              </a:rPr>
+              <a:t>    </a:t>
+            </a:r>
+            <a:r>
+              <a:rPr lang="en-US" dirty="0" err="1">
+                <a:solidFill>
+                  <a:schemeClr val="bg1"/>
+                </a:solidFill>
+              </a:rPr>
+              <a:t>restTemplate.put</a:t>
+            </a:r>
+            <a:r>
+              <a:rPr lang="en-US" dirty="0">
+                <a:solidFill>
+                  <a:schemeClr val="bg1"/>
+                </a:solidFill>
+              </a:rPr>
+              <a:t> ( </a:t>
+            </a:r>
+            <a:r>
+              <a:rPr lang="en-US" dirty="0" err="1">
+                <a:solidFill>
+                  <a:schemeClr val="bg1"/>
+                </a:solidFill>
+              </a:rPr>
+              <a:t>uri</a:t>
+            </a:r>
+            <a:r>
+              <a:rPr lang="en-US" dirty="0">
+                <a:solidFill>
+                  <a:schemeClr val="bg1"/>
+                </a:solidFill>
+              </a:rPr>
+              <a:t>, </a:t>
+            </a:r>
+            <a:r>
+              <a:rPr lang="en-US" dirty="0" err="1">
+                <a:solidFill>
+                  <a:schemeClr val="bg1"/>
+                </a:solidFill>
+              </a:rPr>
+              <a:t>updatedEmployee</a:t>
+            </a:r>
+            <a:r>
+              <a:rPr lang="en-US" dirty="0">
+                <a:solidFill>
+                  <a:schemeClr val="bg1"/>
+                </a:solidFill>
+              </a:rPr>
+              <a:t>, params);</a:t>
+            </a:r>
+          </a:p>
+          <a:p>
+            <a:r>
+              <a:rPr lang="en-US" dirty="0">
+                <a:solidFill>
+                  <a:schemeClr val="bg1"/>
+                </a:solidFill>
+              </a:rPr>
+              <a:t>}</a:t>
+            </a:r>
+          </a:p>
+          <a:p>
             <a:endParaRPr lang="en-US" b="1" dirty="0">
               <a:solidFill>
                 <a:schemeClr val="bg1"/>
@@ -13411,19 +18040,23 @@
           <a:lstStyle/>
           <a:p>
             <a:r>
-              <a:rPr lang="en-US" b="1" dirty="0">
-                <a:solidFill>
-                  <a:schemeClr val="bg1"/>
-                </a:solidFill>
-              </a:rPr>
-              <a:t>WIP</a:t>
-            </a:r>
-            <a:endParaRPr lang="en-IN" b="1" dirty="0">
-              <a:solidFill>
-                <a:schemeClr val="bg1"/>
-              </a:solidFill>
-              <a:latin typeface="+mn-lt"/>
-            </a:endParaRPr>
+              <a:rPr lang="en-IN" b="1" dirty="0" err="1">
+                <a:solidFill>
+                  <a:schemeClr val="bg1"/>
+                </a:solidFill>
+                <a:latin typeface="+mn-lt"/>
+              </a:rPr>
+              <a:t>RestTemplate</a:t>
+            </a:r>
+            <a:r>
+              <a:rPr lang="en-IN" b="1" dirty="0">
+                <a:solidFill>
+                  <a:schemeClr val="bg1"/>
+                </a:solidFill>
+                <a:latin typeface="+mn-lt"/>
+              </a:rPr>
+              <a:t> – HTTP DELETE Method</a:t>
+            </a:r>
           </a:p>
         </p:txBody>
       </p:sp>
@@ -13441,8 +18074,8 @@
         </p:nvSpPr>
         <p:spPr>
           <a:xfrm>
-            <a:off x="838200" y="1779687"/>
-            <a:ext cx="10515600" cy="369332"/>
+            <a:off x="838200" y="1834115"/>
+            <a:ext cx="10515600" cy="4524315"/>
           </a:xfrm>
           <a:prstGeom prst="rect">
             <a:avLst/>
@@ -13461,13 +18094,462 @@
                   <a:schemeClr val="bg1"/>
                 </a:solidFill>
               </a:rPr>
-              <a:t>WIP</a:t>
-            </a:r>
-            <a:endParaRPr lang="en-US" b="1" dirty="0">
-              <a:solidFill>
-                <a:schemeClr val="bg1"/>
-              </a:solidFill>
-            </a:endParaRPr>
+              <a:t>@</a:t>
+            </a:r>
+            <a:r>
+              <a:rPr lang="en-US" dirty="0" err="1">
+                <a:solidFill>
+                  <a:schemeClr val="bg1"/>
+                </a:solidFill>
+              </a:rPr>
+              <a:t>RequestMapping</a:t>
+            </a:r>
+            <a:r>
+              <a:rPr lang="en-US" dirty="0">
+                <a:solidFill>
+                  <a:schemeClr val="bg1"/>
+                </a:solidFill>
+              </a:rPr>
+              <a:t>(value = "/employees/{id}", method = </a:t>
+            </a:r>
+            <a:r>
+              <a:rPr lang="en-US" dirty="0" err="1">
+                <a:solidFill>
+                  <a:schemeClr val="bg1"/>
+                </a:solidFill>
+              </a:rPr>
+              <a:t>RequestMethod.DELETE</a:t>
+            </a:r>
+            <a:r>
+              <a:rPr lang="en-US" dirty="0">
+                <a:solidFill>
+                  <a:schemeClr val="bg1"/>
+                </a:solidFill>
+              </a:rPr>
+              <a:t>)</a:t>
+            </a:r>
+          </a:p>
+          <a:p>
+            <a:r>
+              <a:rPr lang="en-US" dirty="0">
+                <a:solidFill>
+                  <a:schemeClr val="bg1"/>
+                </a:solidFill>
+              </a:rPr>
+              <a:t>public </a:t>
+            </a:r>
+            <a:r>
+              <a:rPr lang="en-US" dirty="0" err="1">
+                <a:solidFill>
+                  <a:schemeClr val="bg1"/>
+                </a:solidFill>
+              </a:rPr>
+              <a:t>ResponseEntity</a:t>
+            </a:r>
+            <a:r>
+              <a:rPr lang="en-US" dirty="0">
+                <a:solidFill>
+                  <a:schemeClr val="bg1"/>
+                </a:solidFill>
+              </a:rPr>
+              <a:t>&lt;String&gt; </a:t>
+            </a:r>
+            <a:r>
+              <a:rPr lang="en-US" dirty="0" err="1">
+                <a:solidFill>
+                  <a:schemeClr val="bg1"/>
+                </a:solidFill>
+              </a:rPr>
+              <a:t>updateEmployee</a:t>
+            </a:r>
+            <a:r>
+              <a:rPr lang="en-US" dirty="0">
+                <a:solidFill>
+                  <a:schemeClr val="bg1"/>
+                </a:solidFill>
+              </a:rPr>
+              <a:t>(@</a:t>
+            </a:r>
+            <a:r>
+              <a:rPr lang="en-US" dirty="0" err="1">
+                <a:solidFill>
+                  <a:schemeClr val="bg1"/>
+                </a:solidFill>
+              </a:rPr>
+              <a:t>PathVariable</a:t>
+            </a:r>
+            <a:r>
+              <a:rPr lang="en-US" dirty="0">
+                <a:solidFill>
+                  <a:schemeClr val="bg1"/>
+                </a:solidFill>
+              </a:rPr>
+              <a:t>("id") int id) </a:t>
+            </a:r>
+          </a:p>
+          <a:p>
+            <a:r>
+              <a:rPr lang="en-US" dirty="0">
+                <a:solidFill>
+                  <a:schemeClr val="bg1"/>
+                </a:solidFill>
+              </a:rPr>
+              <a:t>{</a:t>
+            </a:r>
+          </a:p>
+          <a:p>
+            <a:r>
+              <a:rPr lang="en-US" dirty="0">
+                <a:solidFill>
+                  <a:schemeClr val="bg1"/>
+                </a:solidFill>
+              </a:rPr>
+              <a:t>    </a:t>
+            </a:r>
+            <a:r>
+              <a:rPr lang="en-US" dirty="0" err="1">
+                <a:solidFill>
+                  <a:schemeClr val="bg1"/>
+                </a:solidFill>
+              </a:rPr>
+              <a:t>System.out.println</a:t>
+            </a:r>
+            <a:r>
+              <a:rPr lang="en-US" dirty="0">
+                <a:solidFill>
+                  <a:schemeClr val="bg1"/>
+                </a:solidFill>
+              </a:rPr>
+              <a:t>(id);</a:t>
+            </a:r>
+          </a:p>
+          <a:p>
+            <a:r>
+              <a:rPr lang="en-US" dirty="0">
+                <a:solidFill>
+                  <a:schemeClr val="bg1"/>
+                </a:solidFill>
+              </a:rPr>
+              <a:t>    return new </a:t>
+            </a:r>
+            <a:r>
+              <a:rPr lang="en-US" dirty="0" err="1">
+                <a:solidFill>
+                  <a:schemeClr val="bg1"/>
+                </a:solidFill>
+              </a:rPr>
+              <a:t>ResponseEntity</a:t>
+            </a:r>
+            <a:r>
+              <a:rPr lang="en-US" dirty="0">
+                <a:solidFill>
+                  <a:schemeClr val="bg1"/>
+                </a:solidFill>
+              </a:rPr>
+              <a:t>(</a:t>
+            </a:r>
+            <a:r>
+              <a:rPr lang="en-US" dirty="0" err="1">
+                <a:solidFill>
+                  <a:schemeClr val="bg1"/>
+                </a:solidFill>
+              </a:rPr>
+              <a:t>HttpStatus.OK</a:t>
+            </a:r>
+            <a:r>
+              <a:rPr lang="en-US" dirty="0">
+                <a:solidFill>
+                  <a:schemeClr val="bg1"/>
+                </a:solidFill>
+              </a:rPr>
+              <a:t>);</a:t>
+            </a:r>
+          </a:p>
+          <a:p>
+            <a:r>
+              <a:rPr lang="en-US" dirty="0">
+                <a:solidFill>
+                  <a:schemeClr val="bg1"/>
+                </a:solidFill>
+              </a:rPr>
+              <a:t>}</a:t>
+            </a:r>
+          </a:p>
+          <a:p>
+            <a:r>
+              <a:rPr lang="en-US" dirty="0">
+                <a:solidFill>
+                  <a:schemeClr val="bg1"/>
+                </a:solidFill>
+              </a:rPr>
+              <a:t>REST Client Code</a:t>
+            </a:r>
+          </a:p>
+          <a:p>
+            <a:r>
+              <a:rPr lang="en-US" dirty="0">
+                <a:solidFill>
+                  <a:schemeClr val="bg1"/>
+                </a:solidFill>
+              </a:rPr>
+              <a:t>Spring REST client using </a:t>
+            </a:r>
+            <a:r>
+              <a:rPr lang="en-US" dirty="0" err="1">
+                <a:solidFill>
+                  <a:schemeClr val="bg1"/>
+                </a:solidFill>
+              </a:rPr>
+              <a:t>RestTemplate</a:t>
+            </a:r>
+            <a:r>
+              <a:rPr lang="en-US" dirty="0">
+                <a:solidFill>
+                  <a:schemeClr val="bg1"/>
+                </a:solidFill>
+              </a:rPr>
+              <a:t> to access HTTP DELETE </a:t>
+            </a:r>
+            <a:r>
+              <a:rPr lang="en-US" dirty="0" err="1">
+                <a:solidFill>
+                  <a:schemeClr val="bg1"/>
+                </a:solidFill>
+              </a:rPr>
+              <a:t>api</a:t>
+            </a:r>
+            <a:r>
+              <a:rPr lang="en-US" dirty="0">
+                <a:solidFill>
+                  <a:schemeClr val="bg1"/>
+                </a:solidFill>
+              </a:rPr>
+              <a:t> requests.</a:t>
+            </a:r>
+          </a:p>
+          <a:p>
+            <a:r>
+              <a:rPr lang="en-US" dirty="0">
+                <a:solidFill>
+                  <a:schemeClr val="bg1"/>
+                </a:solidFill>
+              </a:rPr>
+              <a:t>private static void </a:t>
+            </a:r>
+            <a:r>
+              <a:rPr lang="en-US" dirty="0" err="1">
+                <a:solidFill>
+                  <a:schemeClr val="bg1"/>
+                </a:solidFill>
+              </a:rPr>
+              <a:t>deleteEmployee</a:t>
+            </a:r>
+            <a:r>
+              <a:rPr lang="en-US" dirty="0">
+                <a:solidFill>
+                  <a:schemeClr val="bg1"/>
+                </a:solidFill>
+              </a:rPr>
+              <a:t>()</a:t>
+            </a:r>
+          </a:p>
+          <a:p>
+            <a:r>
+              <a:rPr lang="en-US" dirty="0">
+                <a:solidFill>
+                  <a:schemeClr val="bg1"/>
+                </a:solidFill>
+              </a:rPr>
+              <a:t>{</a:t>
+            </a:r>
+          </a:p>
+          <a:p>
+            <a:r>
+              <a:rPr lang="en-US" dirty="0">
+                <a:solidFill>
+                  <a:schemeClr val="bg1"/>
+                </a:solidFill>
+              </a:rPr>
+              <a:t>    final String </a:t>
+            </a:r>
+            <a:r>
+              <a:rPr lang="en-US" dirty="0" err="1">
+                <a:solidFill>
+                  <a:schemeClr val="bg1"/>
+                </a:solidFill>
+              </a:rPr>
+              <a:t>uri</a:t>
+            </a:r>
+            <a:r>
+              <a:rPr lang="en-US" dirty="0">
+                <a:solidFill>
+                  <a:schemeClr val="bg1"/>
+                </a:solidFill>
+              </a:rPr>
+              <a:t> = "http://localhost:8080/</a:t>
+            </a:r>
+            <a:r>
+              <a:rPr lang="en-US" dirty="0" err="1">
+                <a:solidFill>
+                  <a:schemeClr val="bg1"/>
+                </a:solidFill>
+              </a:rPr>
+              <a:t>springrestexample</a:t>
+            </a:r>
+            <a:r>
+              <a:rPr lang="en-US" dirty="0">
+                <a:solidFill>
+                  <a:schemeClr val="bg1"/>
+                </a:solidFill>
+              </a:rPr>
+              <a:t>/employees/{id}";</a:t>
+            </a:r>
+          </a:p>
+          <a:p>
+            <a:r>
+              <a:rPr lang="en-US" dirty="0">
+                <a:solidFill>
+                  <a:schemeClr val="bg1"/>
+                </a:solidFill>
+              </a:rPr>
+              <a:t>    Map&lt;String, String&gt; params = new HashMap&lt;String, String&gt;();</a:t>
+            </a:r>
+          </a:p>
+          <a:p>
+            <a:r>
+              <a:rPr lang="en-US" dirty="0">
+                <a:solidFill>
+                  <a:schemeClr val="bg1"/>
+                </a:solidFill>
+              </a:rPr>
+              <a:t>    </a:t>
+            </a:r>
+            <a:r>
+              <a:rPr lang="en-US" dirty="0" err="1">
+                <a:solidFill>
+                  <a:schemeClr val="bg1"/>
+                </a:solidFill>
+              </a:rPr>
+              <a:t>params.put</a:t>
+            </a:r>
+            <a:r>
+              <a:rPr lang="en-US" dirty="0">
+                <a:solidFill>
+                  <a:schemeClr val="bg1"/>
+                </a:solidFill>
+              </a:rPr>
+              <a:t>("id", "2"); </a:t>
+            </a:r>
+          </a:p>
+          <a:p>
+            <a:r>
+              <a:rPr lang="en-US" dirty="0">
+                <a:solidFill>
+                  <a:schemeClr val="bg1"/>
+                </a:solidFill>
+              </a:rPr>
+              <a:t>    </a:t>
+            </a:r>
+            <a:r>
+              <a:rPr lang="en-US" dirty="0" err="1">
+                <a:solidFill>
+                  <a:schemeClr val="bg1"/>
+                </a:solidFill>
+              </a:rPr>
+              <a:t>RestTemplate</a:t>
+            </a:r>
+            <a:r>
+              <a:rPr lang="en-US" dirty="0">
+                <a:solidFill>
+                  <a:schemeClr val="bg1"/>
+                </a:solidFill>
+              </a:rPr>
+              <a:t> </a:t>
+            </a:r>
+            <a:r>
+              <a:rPr lang="en-US" dirty="0" err="1">
+                <a:solidFill>
+                  <a:schemeClr val="bg1"/>
+                </a:solidFill>
+              </a:rPr>
+              <a:t>restTemplate</a:t>
+            </a:r>
+            <a:r>
+              <a:rPr lang="en-US" dirty="0">
+                <a:solidFill>
+                  <a:schemeClr val="bg1"/>
+                </a:solidFill>
+              </a:rPr>
+              <a:t> = new </a:t>
+            </a:r>
+            <a:r>
+              <a:rPr lang="en-US" dirty="0" err="1">
+                <a:solidFill>
+                  <a:schemeClr val="bg1"/>
+                </a:solidFill>
+              </a:rPr>
+              <a:t>RestTemplate</a:t>
+            </a:r>
+            <a:r>
+              <a:rPr lang="en-US" dirty="0">
+                <a:solidFill>
+                  <a:schemeClr val="bg1"/>
+                </a:solidFill>
+              </a:rPr>
+              <a:t>();</a:t>
+            </a:r>
+          </a:p>
+          <a:p>
+            <a:r>
+              <a:rPr lang="en-US" dirty="0">
+                <a:solidFill>
+                  <a:schemeClr val="bg1"/>
+                </a:solidFill>
+              </a:rPr>
+              <a:t>    </a:t>
+            </a:r>
+            <a:r>
+              <a:rPr lang="en-US" dirty="0" err="1">
+                <a:solidFill>
+                  <a:schemeClr val="bg1"/>
+                </a:solidFill>
+              </a:rPr>
+              <a:t>restTemplate.delete</a:t>
+            </a:r>
+            <a:r>
+              <a:rPr lang="en-US" dirty="0">
+                <a:solidFill>
+                  <a:schemeClr val="bg1"/>
+                </a:solidFill>
+              </a:rPr>
+              <a:t> ( </a:t>
+            </a:r>
+            <a:r>
+              <a:rPr lang="en-US" dirty="0" err="1">
+                <a:solidFill>
+                  <a:schemeClr val="bg1"/>
+                </a:solidFill>
+              </a:rPr>
+              <a:t>uri</a:t>
+            </a:r>
+            <a:r>
+              <a:rPr lang="en-US" dirty="0">
+                <a:solidFill>
+                  <a:schemeClr val="bg1"/>
+                </a:solidFill>
+              </a:rPr>
+              <a:t>,  params );</a:t>
+            </a:r>
+          </a:p>
+          <a:p>
+            <a:r>
+              <a:rPr lang="en-US" dirty="0">
+                <a:solidFill>
+                  <a:schemeClr val="bg1"/>
+                </a:solidFill>
+              </a:rPr>
+              <a:t>}</a:t>
+            </a:r>
           </a:p>
         </p:txBody>
       </p:sp>
@@ -13475,390 +18557,6 @@
     <p:extLst>
       <p:ext uri="{BB962C8B-B14F-4D97-AF65-F5344CB8AC3E}">
         <p14:creationId xmlns:p14="http://schemas.microsoft.com/office/powerpoint/2010/main" val="836859984"/>
-      </p:ext>
-    </p:extLst>
-  </p:cSld>
-  <p:clrMapOvr>
-    <a:masterClrMapping/>
-  </p:clrMapOvr>
-</p:sld>
-</file>
-
-<file path=ppt/slides/slide47.xml><?xml version="1.0" encoding="utf-8"?>
-<p:sld xmlns:a="http://schemas.openxmlformats.org/drawingml/2006/main" xmlns:r="http://schemas.openxmlformats.org/officeDocument/2006/relationships" xmlns:p="http://schemas.openxmlformats.org/presentationml/2006/main">
-  <p:cSld>
-    <p:bg>
-      <p:bgPr>
-        <a:solidFill>
-          <a:schemeClr val="tx2">
-            <a:lumMod val="60000"/>
-            <a:lumOff val="40000"/>
-          </a:schemeClr>
-        </a:solidFill>
-        <a:effectLst/>
-      </p:bgPr>
-    </p:bg>
-    <p:spTree>
-      <p:nvGrpSpPr>
-        <p:cNvPr id="1" name=""/>
-        <p:cNvGrpSpPr/>
-        <p:nvPr/>
-      </p:nvGrpSpPr>
-      <p:grpSpPr>
-        <a:xfrm>
-          <a:off x="0" y="0"/>
-          <a:ext cx="0" cy="0"/>
-          <a:chOff x="0" y="0"/>
-          <a:chExt cx="0" cy="0"/>
-        </a:xfrm>
-      </p:grpSpPr>
-      <p:sp>
-        <p:nvSpPr>
-          <p:cNvPr id="2" name="Title 1">
-            <a:extLst>
-              <a:ext uri="{FF2B5EF4-FFF2-40B4-BE49-F238E27FC236}">
-                <a16:creationId xmlns:a16="http://schemas.microsoft.com/office/drawing/2014/main" id="{51F2C05B-3556-493B-855C-1F19ADDBAF69}"/>
-              </a:ext>
-            </a:extLst>
-          </p:cNvPr>
-          <p:cNvSpPr>
-            <a:spLocks noGrp="1"/>
-          </p:cNvSpPr>
-          <p:nvPr>
-            <p:ph type="title"/>
-          </p:nvPr>
-        </p:nvSpPr>
-        <p:spPr>
-          <a:xfrm>
-            <a:off x="838200" y="365125"/>
-            <a:ext cx="11099104" cy="1325563"/>
-          </a:xfrm>
-        </p:spPr>
-        <p:txBody>
-          <a:bodyPr/>
-          <a:lstStyle/>
-          <a:p>
-            <a:r>
-              <a:rPr lang="en-US" b="1" dirty="0">
-                <a:solidFill>
-                  <a:schemeClr val="bg1"/>
-                </a:solidFill>
-              </a:rPr>
-              <a:t>WIP</a:t>
-            </a:r>
-            <a:endParaRPr lang="en-IN" b="1" dirty="0">
-              <a:solidFill>
-                <a:schemeClr val="bg1"/>
-              </a:solidFill>
-              <a:latin typeface="+mn-lt"/>
-            </a:endParaRPr>
-          </a:p>
-        </p:txBody>
-      </p:sp>
-      <p:sp>
-        <p:nvSpPr>
-          <p:cNvPr id="4" name="TextBox 3">
-            <a:extLst>
-              <a:ext uri="{FF2B5EF4-FFF2-40B4-BE49-F238E27FC236}">
-                <a16:creationId xmlns:a16="http://schemas.microsoft.com/office/drawing/2014/main" id="{A32609F5-383A-417E-B9B0-CE955463E2E4}"/>
-              </a:ext>
-            </a:extLst>
-          </p:cNvPr>
-          <p:cNvSpPr txBox="1"/>
-          <p:nvPr/>
-        </p:nvSpPr>
-        <p:spPr>
-          <a:xfrm>
-            <a:off x="838200" y="1779687"/>
-            <a:ext cx="10515600" cy="369332"/>
-          </a:xfrm>
-          <a:prstGeom prst="rect">
-            <a:avLst/>
-          </a:prstGeom>
-          <a:noFill/>
-        </p:spPr>
-        <p:txBody>
-          <a:bodyPr wrap="square" rtlCol="0">
-            <a:spAutoFit/>
-          </a:bodyPr>
-          <a:lstStyle/>
-          <a:p>
-            <a:r>
-              <a:rPr lang="en-US" dirty="0">
-                <a:solidFill>
-                  <a:schemeClr val="bg1"/>
-                </a:solidFill>
-              </a:rPr>
-              <a:t>WIP</a:t>
-            </a:r>
-            <a:endParaRPr lang="en-US" b="1" dirty="0">
-              <a:solidFill>
-                <a:schemeClr val="bg1"/>
-              </a:solidFill>
-            </a:endParaRPr>
-          </a:p>
-        </p:txBody>
-      </p:sp>
-    </p:spTree>
-    <p:extLst>
-      <p:ext uri="{BB962C8B-B14F-4D97-AF65-F5344CB8AC3E}">
-        <p14:creationId xmlns:p14="http://schemas.microsoft.com/office/powerpoint/2010/main" val="3066782009"/>
-      </p:ext>
-    </p:extLst>
-  </p:cSld>
-  <p:clrMapOvr>
-    <a:masterClrMapping/>
-  </p:clrMapOvr>
-</p:sld>
-</file>
-
-<file path=ppt/slides/slide48.xml><?xml version="1.0" encoding="utf-8"?>
-<p:sld xmlns:a="http://schemas.openxmlformats.org/drawingml/2006/main" xmlns:r="http://schemas.openxmlformats.org/officeDocument/2006/relationships" xmlns:p="http://schemas.openxmlformats.org/presentationml/2006/main">
-  <p:cSld>
-    <p:bg>
-      <p:bgPr>
-        <a:solidFill>
-          <a:schemeClr val="tx2">
-            <a:lumMod val="60000"/>
-            <a:lumOff val="40000"/>
-          </a:schemeClr>
-        </a:solidFill>
-        <a:effectLst/>
-      </p:bgPr>
-    </p:bg>
-    <p:spTree>
-      <p:nvGrpSpPr>
-        <p:cNvPr id="1" name=""/>
-        <p:cNvGrpSpPr/>
-        <p:nvPr/>
-      </p:nvGrpSpPr>
-      <p:grpSpPr>
-        <a:xfrm>
-          <a:off x="0" y="0"/>
-          <a:ext cx="0" cy="0"/>
-          <a:chOff x="0" y="0"/>
-          <a:chExt cx="0" cy="0"/>
-        </a:xfrm>
-      </p:grpSpPr>
-      <p:sp>
-        <p:nvSpPr>
-          <p:cNvPr id="2" name="Title 1">
-            <a:extLst>
-              <a:ext uri="{FF2B5EF4-FFF2-40B4-BE49-F238E27FC236}">
-                <a16:creationId xmlns:a16="http://schemas.microsoft.com/office/drawing/2014/main" id="{51F2C05B-3556-493B-855C-1F19ADDBAF69}"/>
-              </a:ext>
-            </a:extLst>
-          </p:cNvPr>
-          <p:cNvSpPr>
-            <a:spLocks noGrp="1"/>
-          </p:cNvSpPr>
-          <p:nvPr>
-            <p:ph type="title"/>
-          </p:nvPr>
-        </p:nvSpPr>
-        <p:spPr>
-          <a:xfrm>
-            <a:off x="838200" y="365125"/>
-            <a:ext cx="11099104" cy="1325563"/>
-          </a:xfrm>
-        </p:spPr>
-        <p:txBody>
-          <a:bodyPr/>
-          <a:lstStyle/>
-          <a:p>
-            <a:r>
-              <a:rPr lang="en-US" b="1" dirty="0">
-                <a:solidFill>
-                  <a:schemeClr val="bg1"/>
-                </a:solidFill>
-              </a:rPr>
-              <a:t>WIP</a:t>
-            </a:r>
-            <a:endParaRPr lang="en-IN" b="1" dirty="0">
-              <a:solidFill>
-                <a:schemeClr val="bg1"/>
-              </a:solidFill>
-              <a:latin typeface="+mn-lt"/>
-            </a:endParaRPr>
-          </a:p>
-        </p:txBody>
-      </p:sp>
-      <p:sp>
-        <p:nvSpPr>
-          <p:cNvPr id="4" name="TextBox 3">
-            <a:extLst>
-              <a:ext uri="{FF2B5EF4-FFF2-40B4-BE49-F238E27FC236}">
-                <a16:creationId xmlns:a16="http://schemas.microsoft.com/office/drawing/2014/main" id="{A32609F5-383A-417E-B9B0-CE955463E2E4}"/>
-              </a:ext>
-            </a:extLst>
-          </p:cNvPr>
-          <p:cNvSpPr txBox="1"/>
-          <p:nvPr/>
-        </p:nvSpPr>
-        <p:spPr>
-          <a:xfrm>
-            <a:off x="838200" y="1779687"/>
-            <a:ext cx="10515600" cy="369332"/>
-          </a:xfrm>
-          <a:prstGeom prst="rect">
-            <a:avLst/>
-          </a:prstGeom>
-          <a:noFill/>
-        </p:spPr>
-        <p:txBody>
-          <a:bodyPr wrap="square" rtlCol="0">
-            <a:spAutoFit/>
-          </a:bodyPr>
-          <a:lstStyle/>
-          <a:p>
-            <a:r>
-              <a:rPr lang="en-US" dirty="0">
-                <a:solidFill>
-                  <a:schemeClr val="bg1"/>
-                </a:solidFill>
-              </a:rPr>
-              <a:t>WIP</a:t>
-            </a:r>
-            <a:endParaRPr lang="en-US" b="1" dirty="0">
-              <a:solidFill>
-                <a:schemeClr val="bg1"/>
-              </a:solidFill>
-            </a:endParaRPr>
-          </a:p>
-        </p:txBody>
-      </p:sp>
-    </p:spTree>
-    <p:extLst>
-      <p:ext uri="{BB962C8B-B14F-4D97-AF65-F5344CB8AC3E}">
-        <p14:creationId xmlns:p14="http://schemas.microsoft.com/office/powerpoint/2010/main" val="1188058700"/>
-      </p:ext>
-    </p:extLst>
-  </p:cSld>
-  <p:clrMapOvr>
-    <a:masterClrMapping/>
-  </p:clrMapOvr>
-</p:sld>
-</file>
-
-<file path=ppt/slides/slide49.xml><?xml version="1.0" encoding="utf-8"?>
-<p:sld xmlns:a="http://schemas.openxmlformats.org/drawingml/2006/main" xmlns:r="http://schemas.openxmlformats.org/officeDocument/2006/relationships" xmlns:p="http://schemas.openxmlformats.org/presentationml/2006/main">
-  <p:cSld>
-    <p:bg>
-      <p:bgPr>
-        <a:solidFill>
-          <a:schemeClr val="tx2">
-            <a:lumMod val="60000"/>
-            <a:lumOff val="40000"/>
-          </a:schemeClr>
-        </a:solidFill>
-        <a:effectLst/>
-      </p:bgPr>
-    </p:bg>
-    <p:spTree>
-      <p:nvGrpSpPr>
-        <p:cNvPr id="1" name=""/>
-        <p:cNvGrpSpPr/>
-        <p:nvPr/>
-      </p:nvGrpSpPr>
-      <p:grpSpPr>
-        <a:xfrm>
-          <a:off x="0" y="0"/>
-          <a:ext cx="0" cy="0"/>
-          <a:chOff x="0" y="0"/>
-          <a:chExt cx="0" cy="0"/>
-        </a:xfrm>
-      </p:grpSpPr>
-      <p:sp>
-        <p:nvSpPr>
-          <p:cNvPr id="2" name="Title 1">
-            <a:extLst>
-              <a:ext uri="{FF2B5EF4-FFF2-40B4-BE49-F238E27FC236}">
-                <a16:creationId xmlns:a16="http://schemas.microsoft.com/office/drawing/2014/main" id="{51F2C05B-3556-493B-855C-1F19ADDBAF69}"/>
-              </a:ext>
-            </a:extLst>
-          </p:cNvPr>
-          <p:cNvSpPr>
-            <a:spLocks noGrp="1"/>
-          </p:cNvSpPr>
-          <p:nvPr>
-            <p:ph type="title"/>
-          </p:nvPr>
-        </p:nvSpPr>
-        <p:spPr>
-          <a:xfrm>
-            <a:off x="838200" y="365125"/>
-            <a:ext cx="11099104" cy="1325563"/>
-          </a:xfrm>
-        </p:spPr>
-        <p:txBody>
-          <a:bodyPr/>
-          <a:lstStyle/>
-          <a:p>
-            <a:r>
-              <a:rPr lang="en-US" b="1" dirty="0">
-                <a:solidFill>
-                  <a:schemeClr val="bg1"/>
-                </a:solidFill>
-              </a:rPr>
-              <a:t>WIP</a:t>
-            </a:r>
-            <a:endParaRPr lang="en-IN" b="1" dirty="0">
-              <a:solidFill>
-                <a:schemeClr val="bg1"/>
-              </a:solidFill>
-              <a:latin typeface="+mn-lt"/>
-            </a:endParaRPr>
-          </a:p>
-        </p:txBody>
-      </p:sp>
-      <p:sp>
-        <p:nvSpPr>
-          <p:cNvPr id="4" name="TextBox 3">
-            <a:extLst>
-              <a:ext uri="{FF2B5EF4-FFF2-40B4-BE49-F238E27FC236}">
-                <a16:creationId xmlns:a16="http://schemas.microsoft.com/office/drawing/2014/main" id="{A32609F5-383A-417E-B9B0-CE955463E2E4}"/>
-              </a:ext>
-            </a:extLst>
-          </p:cNvPr>
-          <p:cNvSpPr txBox="1"/>
-          <p:nvPr/>
-        </p:nvSpPr>
-        <p:spPr>
-          <a:xfrm>
-            <a:off x="838200" y="1779687"/>
-            <a:ext cx="10515600" cy="369332"/>
-          </a:xfrm>
-          <a:prstGeom prst="rect">
-            <a:avLst/>
-          </a:prstGeom>
-          <a:noFill/>
-        </p:spPr>
-        <p:txBody>
-          <a:bodyPr wrap="square" rtlCol="0">
-            <a:spAutoFit/>
-          </a:bodyPr>
-          <a:lstStyle/>
-          <a:p>
-            <a:r>
-              <a:rPr lang="en-US" dirty="0">
-                <a:solidFill>
-                  <a:schemeClr val="bg1"/>
-                </a:solidFill>
-              </a:rPr>
-              <a:t>WIP</a:t>
-            </a:r>
-            <a:endParaRPr lang="en-US" b="1" dirty="0">
-              <a:solidFill>
-                <a:schemeClr val="bg1"/>
-              </a:solidFill>
-            </a:endParaRPr>
-          </a:p>
-        </p:txBody>
-      </p:sp>
-    </p:spTree>
-    <p:extLst>
-      <p:ext uri="{BB962C8B-B14F-4D97-AF65-F5344CB8AC3E}">
-        <p14:creationId xmlns:p14="http://schemas.microsoft.com/office/powerpoint/2010/main" val="2832274565"/>
       </p:ext>
     </p:extLst>
   </p:cSld>
@@ -14149,262 +18847,6 @@
     <p:extLst>
       <p:ext uri="{BB962C8B-B14F-4D97-AF65-F5344CB8AC3E}">
         <p14:creationId xmlns:p14="http://schemas.microsoft.com/office/powerpoint/2010/main" val="1772259171"/>
-      </p:ext>
-    </p:extLst>
-  </p:cSld>
-  <p:clrMapOvr>
-    <a:masterClrMapping/>
-  </p:clrMapOvr>
-</p:sld>
-</file>
-
-<file path=ppt/slides/slide50.xml><?xml version="1.0" encoding="utf-8"?>
-<p:sld xmlns:a="http://schemas.openxmlformats.org/drawingml/2006/main" xmlns:r="http://schemas.openxmlformats.org/officeDocument/2006/relationships" xmlns:p="http://schemas.openxmlformats.org/presentationml/2006/main">
-  <p:cSld>
-    <p:bg>
-      <p:bgPr>
-        <a:solidFill>
-          <a:schemeClr val="tx2">
-            <a:lumMod val="60000"/>
-            <a:lumOff val="40000"/>
-          </a:schemeClr>
-        </a:solidFill>
-        <a:effectLst/>
-      </p:bgPr>
-    </p:bg>
-    <p:spTree>
-      <p:nvGrpSpPr>
-        <p:cNvPr id="1" name=""/>
-        <p:cNvGrpSpPr/>
-        <p:nvPr/>
-      </p:nvGrpSpPr>
-      <p:grpSpPr>
-        <a:xfrm>
-          <a:off x="0" y="0"/>
-          <a:ext cx="0" cy="0"/>
-          <a:chOff x="0" y="0"/>
-          <a:chExt cx="0" cy="0"/>
-        </a:xfrm>
-      </p:grpSpPr>
-      <p:sp>
-        <p:nvSpPr>
-          <p:cNvPr id="2" name="Title 1">
-            <a:extLst>
-              <a:ext uri="{FF2B5EF4-FFF2-40B4-BE49-F238E27FC236}">
-                <a16:creationId xmlns:a16="http://schemas.microsoft.com/office/drawing/2014/main" id="{51F2C05B-3556-493B-855C-1F19ADDBAF69}"/>
-              </a:ext>
-            </a:extLst>
-          </p:cNvPr>
-          <p:cNvSpPr>
-            <a:spLocks noGrp="1"/>
-          </p:cNvSpPr>
-          <p:nvPr>
-            <p:ph type="title"/>
-          </p:nvPr>
-        </p:nvSpPr>
-        <p:spPr>
-          <a:xfrm>
-            <a:off x="838200" y="365125"/>
-            <a:ext cx="11099104" cy="1325563"/>
-          </a:xfrm>
-        </p:spPr>
-        <p:txBody>
-          <a:bodyPr/>
-          <a:lstStyle/>
-          <a:p>
-            <a:r>
-              <a:rPr lang="en-US" b="1" dirty="0">
-                <a:solidFill>
-                  <a:schemeClr val="bg1"/>
-                </a:solidFill>
-              </a:rPr>
-              <a:t>WIP</a:t>
-            </a:r>
-            <a:endParaRPr lang="en-IN" b="1" dirty="0">
-              <a:solidFill>
-                <a:schemeClr val="bg1"/>
-              </a:solidFill>
-              <a:latin typeface="+mn-lt"/>
-            </a:endParaRPr>
-          </a:p>
-        </p:txBody>
-      </p:sp>
-      <p:sp>
-        <p:nvSpPr>
-          <p:cNvPr id="4" name="TextBox 3">
-            <a:extLst>
-              <a:ext uri="{FF2B5EF4-FFF2-40B4-BE49-F238E27FC236}">
-                <a16:creationId xmlns:a16="http://schemas.microsoft.com/office/drawing/2014/main" id="{A32609F5-383A-417E-B9B0-CE955463E2E4}"/>
-              </a:ext>
-            </a:extLst>
-          </p:cNvPr>
-          <p:cNvSpPr txBox="1"/>
-          <p:nvPr/>
-        </p:nvSpPr>
-        <p:spPr>
-          <a:xfrm>
-            <a:off x="838200" y="1779687"/>
-            <a:ext cx="10515600" cy="369332"/>
-          </a:xfrm>
-          <a:prstGeom prst="rect">
-            <a:avLst/>
-          </a:prstGeom>
-          <a:noFill/>
-        </p:spPr>
-        <p:txBody>
-          <a:bodyPr wrap="square" rtlCol="0">
-            <a:spAutoFit/>
-          </a:bodyPr>
-          <a:lstStyle/>
-          <a:p>
-            <a:r>
-              <a:rPr lang="en-US" dirty="0">
-                <a:solidFill>
-                  <a:schemeClr val="bg1"/>
-                </a:solidFill>
-              </a:rPr>
-              <a:t>WIP</a:t>
-            </a:r>
-            <a:endParaRPr lang="en-US" b="1" dirty="0">
-              <a:solidFill>
-                <a:schemeClr val="bg1"/>
-              </a:solidFill>
-            </a:endParaRPr>
-          </a:p>
-        </p:txBody>
-      </p:sp>
-    </p:spTree>
-    <p:extLst>
-      <p:ext uri="{BB962C8B-B14F-4D97-AF65-F5344CB8AC3E}">
-        <p14:creationId xmlns:p14="http://schemas.microsoft.com/office/powerpoint/2010/main" val="2594777355"/>
-      </p:ext>
-    </p:extLst>
-  </p:cSld>
-  <p:clrMapOvr>
-    <a:masterClrMapping/>
-  </p:clrMapOvr>
-</p:sld>
-</file>
-
-<file path=ppt/slides/slide51.xml><?xml version="1.0" encoding="utf-8"?>
-<p:sld xmlns:a="http://schemas.openxmlformats.org/drawingml/2006/main" xmlns:r="http://schemas.openxmlformats.org/officeDocument/2006/relationships" xmlns:p="http://schemas.openxmlformats.org/presentationml/2006/main">
-  <p:cSld>
-    <p:bg>
-      <p:bgPr>
-        <a:solidFill>
-          <a:schemeClr val="tx2">
-            <a:lumMod val="60000"/>
-            <a:lumOff val="40000"/>
-          </a:schemeClr>
-        </a:solidFill>
-        <a:effectLst/>
-      </p:bgPr>
-    </p:bg>
-    <p:spTree>
-      <p:nvGrpSpPr>
-        <p:cNvPr id="1" name=""/>
-        <p:cNvGrpSpPr/>
-        <p:nvPr/>
-      </p:nvGrpSpPr>
-      <p:grpSpPr>
-        <a:xfrm>
-          <a:off x="0" y="0"/>
-          <a:ext cx="0" cy="0"/>
-          <a:chOff x="0" y="0"/>
-          <a:chExt cx="0" cy="0"/>
-        </a:xfrm>
-      </p:grpSpPr>
-      <p:sp>
-        <p:nvSpPr>
-          <p:cNvPr id="2" name="Title 1">
-            <a:extLst>
-              <a:ext uri="{FF2B5EF4-FFF2-40B4-BE49-F238E27FC236}">
-                <a16:creationId xmlns:a16="http://schemas.microsoft.com/office/drawing/2014/main" id="{51F2C05B-3556-493B-855C-1F19ADDBAF69}"/>
-              </a:ext>
-            </a:extLst>
-          </p:cNvPr>
-          <p:cNvSpPr>
-            <a:spLocks noGrp="1"/>
-          </p:cNvSpPr>
-          <p:nvPr>
-            <p:ph type="title"/>
-          </p:nvPr>
-        </p:nvSpPr>
-        <p:spPr>
-          <a:xfrm>
-            <a:off x="838200" y="365125"/>
-            <a:ext cx="11099104" cy="1325563"/>
-          </a:xfrm>
-        </p:spPr>
-        <p:txBody>
-          <a:bodyPr/>
-          <a:lstStyle/>
-          <a:p>
-            <a:r>
-              <a:rPr lang="en-US" b="1" dirty="0">
-                <a:solidFill>
-                  <a:schemeClr val="bg1"/>
-                </a:solidFill>
-              </a:rPr>
-              <a:t>WIP</a:t>
-            </a:r>
-            <a:endParaRPr lang="en-IN" b="1" dirty="0">
-              <a:solidFill>
-                <a:schemeClr val="bg1"/>
-              </a:solidFill>
-              <a:latin typeface="+mn-lt"/>
-            </a:endParaRPr>
-          </a:p>
-        </p:txBody>
-      </p:sp>
-      <p:sp>
-        <p:nvSpPr>
-          <p:cNvPr id="4" name="TextBox 3">
-            <a:extLst>
-              <a:ext uri="{FF2B5EF4-FFF2-40B4-BE49-F238E27FC236}">
-                <a16:creationId xmlns:a16="http://schemas.microsoft.com/office/drawing/2014/main" id="{A32609F5-383A-417E-B9B0-CE955463E2E4}"/>
-              </a:ext>
-            </a:extLst>
-          </p:cNvPr>
-          <p:cNvSpPr txBox="1"/>
-          <p:nvPr/>
-        </p:nvSpPr>
-        <p:spPr>
-          <a:xfrm>
-            <a:off x="838200" y="1779687"/>
-            <a:ext cx="10515600" cy="369332"/>
-          </a:xfrm>
-          <a:prstGeom prst="rect">
-            <a:avLst/>
-          </a:prstGeom>
-          <a:noFill/>
-        </p:spPr>
-        <p:txBody>
-          <a:bodyPr wrap="square" rtlCol="0">
-            <a:spAutoFit/>
-          </a:bodyPr>
-          <a:lstStyle/>
-          <a:p>
-            <a:r>
-              <a:rPr lang="en-US" dirty="0">
-                <a:solidFill>
-                  <a:schemeClr val="bg1"/>
-                </a:solidFill>
-              </a:rPr>
-              <a:t>WIP</a:t>
-            </a:r>
-            <a:endParaRPr lang="en-US" b="1" dirty="0">
-              <a:solidFill>
-                <a:schemeClr val="bg1"/>
-              </a:solidFill>
-            </a:endParaRPr>
-          </a:p>
-        </p:txBody>
-      </p:sp>
-    </p:spTree>
-    <p:extLst>
-      <p:ext uri="{BB962C8B-B14F-4D97-AF65-F5344CB8AC3E}">
-        <p14:creationId xmlns:p14="http://schemas.microsoft.com/office/powerpoint/2010/main" val="3010519833"/>
       </p:ext>
     </p:extLst>
   </p:cSld>

--- a/training/day1/3SpringBootDay1And2.pptx
+++ b/training/day1/3SpringBootDay1And2.pptx
@@ -249,7 +249,7 @@
           <a:p>
             <a:fld id="{F15A6252-5F50-4106-9C23-9E03A675631E}" type="datetimeFigureOut">
               <a:rPr lang="en-IN" smtClean="0"/>
-              <a:t>26-02-2021</a:t>
+              <a:t>27-04-2021</a:t>
             </a:fld>
             <a:endParaRPr lang="en-IN"/>
           </a:p>
@@ -1288,7 +1288,7 @@
           <a:p>
             <a:fld id="{4086692B-153F-4DFE-BFBD-A2AE2C7443B6}" type="datetimeFigureOut">
               <a:rPr lang="en-IN" smtClean="0"/>
-              <a:t>26-02-2021</a:t>
+              <a:t>27-04-2021</a:t>
             </a:fld>
             <a:endParaRPr lang="en-IN"/>
           </a:p>
@@ -1488,7 +1488,7 @@
           <a:p>
             <a:fld id="{4086692B-153F-4DFE-BFBD-A2AE2C7443B6}" type="datetimeFigureOut">
               <a:rPr lang="en-IN" smtClean="0"/>
-              <a:t>26-02-2021</a:t>
+              <a:t>27-04-2021</a:t>
             </a:fld>
             <a:endParaRPr lang="en-IN"/>
           </a:p>
@@ -1698,7 +1698,7 @@
           <a:p>
             <a:fld id="{4086692B-153F-4DFE-BFBD-A2AE2C7443B6}" type="datetimeFigureOut">
               <a:rPr lang="en-IN" smtClean="0"/>
-              <a:t>26-02-2021</a:t>
+              <a:t>27-04-2021</a:t>
             </a:fld>
             <a:endParaRPr lang="en-IN"/>
           </a:p>
@@ -1898,7 +1898,7 @@
           <a:p>
             <a:fld id="{4086692B-153F-4DFE-BFBD-A2AE2C7443B6}" type="datetimeFigureOut">
               <a:rPr lang="en-IN" smtClean="0"/>
-              <a:t>26-02-2021</a:t>
+              <a:t>27-04-2021</a:t>
             </a:fld>
             <a:endParaRPr lang="en-IN"/>
           </a:p>
@@ -2174,7 +2174,7 @@
           <a:p>
             <a:fld id="{4086692B-153F-4DFE-BFBD-A2AE2C7443B6}" type="datetimeFigureOut">
               <a:rPr lang="en-IN" smtClean="0"/>
-              <a:t>26-02-2021</a:t>
+              <a:t>27-04-2021</a:t>
             </a:fld>
             <a:endParaRPr lang="en-IN"/>
           </a:p>
@@ -2442,7 +2442,7 @@
           <a:p>
             <a:fld id="{4086692B-153F-4DFE-BFBD-A2AE2C7443B6}" type="datetimeFigureOut">
               <a:rPr lang="en-IN" smtClean="0"/>
-              <a:t>26-02-2021</a:t>
+              <a:t>27-04-2021</a:t>
             </a:fld>
             <a:endParaRPr lang="en-IN"/>
           </a:p>
@@ -2857,7 +2857,7 @@
           <a:p>
             <a:fld id="{4086692B-153F-4DFE-BFBD-A2AE2C7443B6}" type="datetimeFigureOut">
               <a:rPr lang="en-IN" smtClean="0"/>
-              <a:t>26-02-2021</a:t>
+              <a:t>27-04-2021</a:t>
             </a:fld>
             <a:endParaRPr lang="en-IN"/>
           </a:p>
@@ -2999,7 +2999,7 @@
           <a:p>
             <a:fld id="{4086692B-153F-4DFE-BFBD-A2AE2C7443B6}" type="datetimeFigureOut">
               <a:rPr lang="en-IN" smtClean="0"/>
-              <a:t>26-02-2021</a:t>
+              <a:t>27-04-2021</a:t>
             </a:fld>
             <a:endParaRPr lang="en-IN"/>
           </a:p>
@@ -3112,7 +3112,7 @@
           <a:p>
             <a:fld id="{4086692B-153F-4DFE-BFBD-A2AE2C7443B6}" type="datetimeFigureOut">
               <a:rPr lang="en-IN" smtClean="0"/>
-              <a:t>26-02-2021</a:t>
+              <a:t>27-04-2021</a:t>
             </a:fld>
             <a:endParaRPr lang="en-IN"/>
           </a:p>
@@ -3425,7 +3425,7 @@
           <a:p>
             <a:fld id="{4086692B-153F-4DFE-BFBD-A2AE2C7443B6}" type="datetimeFigureOut">
               <a:rPr lang="en-IN" smtClean="0"/>
-              <a:t>26-02-2021</a:t>
+              <a:t>27-04-2021</a:t>
             </a:fld>
             <a:endParaRPr lang="en-IN"/>
           </a:p>
@@ -3714,7 +3714,7 @@
           <a:p>
             <a:fld id="{4086692B-153F-4DFE-BFBD-A2AE2C7443B6}" type="datetimeFigureOut">
               <a:rPr lang="en-IN" smtClean="0"/>
-              <a:t>26-02-2021</a:t>
+              <a:t>27-04-2021</a:t>
             </a:fld>
             <a:endParaRPr lang="en-IN"/>
           </a:p>
@@ -3957,7 +3957,7 @@
           <a:p>
             <a:fld id="{4086692B-153F-4DFE-BFBD-A2AE2C7443B6}" type="datetimeFigureOut">
               <a:rPr lang="en-IN" smtClean="0"/>
-              <a:t>26-02-2021</a:t>
+              <a:t>27-04-2021</a:t>
             </a:fld>
             <a:endParaRPr lang="en-IN"/>
           </a:p>
@@ -8733,23 +8733,23 @@
                   <a:schemeClr val="bg1"/>
                 </a:solidFill>
               </a:rPr>
-              <a:t>Has @</a:t>
-            </a:r>
-            <a:r>
-              <a:rPr lang="en-US" b="1" dirty="0" err="1">
-                <a:solidFill>
-                  <a:schemeClr val="bg1"/>
-                </a:solidFill>
-              </a:rPr>
-              <a:t>RestMapping</a:t>
-            </a:r>
-            <a:r>
-              <a:rPr lang="en-US" b="1" dirty="0">
-                <a:solidFill>
-                  <a:schemeClr val="bg1"/>
-                </a:solidFill>
-              </a:rPr>
-              <a:t> annotation</a:t>
+              <a:t>Has </a:t>
+            </a:r>
+            <a:r>
+              <a:rPr lang="en-US" b="1">
+                <a:solidFill>
+                  <a:schemeClr val="bg1"/>
+                </a:solidFill>
+              </a:rPr>
+              <a:t>@RequestMapping </a:t>
+            </a:r>
+            <a:r>
+              <a:rPr lang="en-US" b="1" dirty="0">
+                <a:solidFill>
+                  <a:schemeClr val="bg1"/>
+                </a:solidFill>
+              </a:rPr>
+              <a:t>annotation</a:t>
             </a:r>
           </a:p>
           <a:p>

--- a/training/day1/3SpringBootDay1And2.pptx
+++ b/training/day1/3SpringBootDay1And2.pptx
@@ -249,7 +249,7 @@
           <a:p>
             <a:fld id="{F15A6252-5F50-4106-9C23-9E03A675631E}" type="datetimeFigureOut">
               <a:rPr lang="en-IN" smtClean="0"/>
-              <a:t>27-04-2021</a:t>
+              <a:t>10-12-2021</a:t>
             </a:fld>
             <a:endParaRPr lang="en-IN"/>
           </a:p>
@@ -1288,7 +1288,7 @@
           <a:p>
             <a:fld id="{4086692B-153F-4DFE-BFBD-A2AE2C7443B6}" type="datetimeFigureOut">
               <a:rPr lang="en-IN" smtClean="0"/>
-              <a:t>27-04-2021</a:t>
+              <a:t>10-12-2021</a:t>
             </a:fld>
             <a:endParaRPr lang="en-IN"/>
           </a:p>
@@ -1488,7 +1488,7 @@
           <a:p>
             <a:fld id="{4086692B-153F-4DFE-BFBD-A2AE2C7443B6}" type="datetimeFigureOut">
               <a:rPr lang="en-IN" smtClean="0"/>
-              <a:t>27-04-2021</a:t>
+              <a:t>10-12-2021</a:t>
             </a:fld>
             <a:endParaRPr lang="en-IN"/>
           </a:p>
@@ -1698,7 +1698,7 @@
           <a:p>
             <a:fld id="{4086692B-153F-4DFE-BFBD-A2AE2C7443B6}" type="datetimeFigureOut">
               <a:rPr lang="en-IN" smtClean="0"/>
-              <a:t>27-04-2021</a:t>
+              <a:t>10-12-2021</a:t>
             </a:fld>
             <a:endParaRPr lang="en-IN"/>
           </a:p>
@@ -1898,7 +1898,7 @@
           <a:p>
             <a:fld id="{4086692B-153F-4DFE-BFBD-A2AE2C7443B6}" type="datetimeFigureOut">
               <a:rPr lang="en-IN" smtClean="0"/>
-              <a:t>27-04-2021</a:t>
+              <a:t>10-12-2021</a:t>
             </a:fld>
             <a:endParaRPr lang="en-IN"/>
           </a:p>
@@ -2174,7 +2174,7 @@
           <a:p>
             <a:fld id="{4086692B-153F-4DFE-BFBD-A2AE2C7443B6}" type="datetimeFigureOut">
               <a:rPr lang="en-IN" smtClean="0"/>
-              <a:t>27-04-2021</a:t>
+              <a:t>10-12-2021</a:t>
             </a:fld>
             <a:endParaRPr lang="en-IN"/>
           </a:p>
@@ -2442,7 +2442,7 @@
           <a:p>
             <a:fld id="{4086692B-153F-4DFE-BFBD-A2AE2C7443B6}" type="datetimeFigureOut">
               <a:rPr lang="en-IN" smtClean="0"/>
-              <a:t>27-04-2021</a:t>
+              <a:t>10-12-2021</a:t>
             </a:fld>
             <a:endParaRPr lang="en-IN"/>
           </a:p>
@@ -2857,7 +2857,7 @@
           <a:p>
             <a:fld id="{4086692B-153F-4DFE-BFBD-A2AE2C7443B6}" type="datetimeFigureOut">
               <a:rPr lang="en-IN" smtClean="0"/>
-              <a:t>27-04-2021</a:t>
+              <a:t>10-12-2021</a:t>
             </a:fld>
             <a:endParaRPr lang="en-IN"/>
           </a:p>
@@ -2999,7 +2999,7 @@
           <a:p>
             <a:fld id="{4086692B-153F-4DFE-BFBD-A2AE2C7443B6}" type="datetimeFigureOut">
               <a:rPr lang="en-IN" smtClean="0"/>
-              <a:t>27-04-2021</a:t>
+              <a:t>10-12-2021</a:t>
             </a:fld>
             <a:endParaRPr lang="en-IN"/>
           </a:p>
@@ -3112,7 +3112,7 @@
           <a:p>
             <a:fld id="{4086692B-153F-4DFE-BFBD-A2AE2C7443B6}" type="datetimeFigureOut">
               <a:rPr lang="en-IN" smtClean="0"/>
-              <a:t>27-04-2021</a:t>
+              <a:t>10-12-2021</a:t>
             </a:fld>
             <a:endParaRPr lang="en-IN"/>
           </a:p>
@@ -3425,7 +3425,7 @@
           <a:p>
             <a:fld id="{4086692B-153F-4DFE-BFBD-A2AE2C7443B6}" type="datetimeFigureOut">
               <a:rPr lang="en-IN" smtClean="0"/>
-              <a:t>27-04-2021</a:t>
+              <a:t>10-12-2021</a:t>
             </a:fld>
             <a:endParaRPr lang="en-IN"/>
           </a:p>
@@ -3714,7 +3714,7 @@
           <a:p>
             <a:fld id="{4086692B-153F-4DFE-BFBD-A2AE2C7443B6}" type="datetimeFigureOut">
               <a:rPr lang="en-IN" smtClean="0"/>
-              <a:t>27-04-2021</a:t>
+              <a:t>10-12-2021</a:t>
             </a:fld>
             <a:endParaRPr lang="en-IN"/>
           </a:p>
@@ -3957,7 +3957,7 @@
           <a:p>
             <a:fld id="{4086692B-153F-4DFE-BFBD-A2AE2C7443B6}" type="datetimeFigureOut">
               <a:rPr lang="en-IN" smtClean="0"/>
-              <a:t>27-04-2021</a:t>
+              <a:t>10-12-2021</a:t>
             </a:fld>
             <a:endParaRPr lang="en-IN"/>
           </a:p>
@@ -13847,23 +13847,7 @@
                   <a:schemeClr val="bg1"/>
                 </a:solidFill>
               </a:rPr>
-              <a:t>Declarative programming with AOP (Aspect </a:t>
-            </a:r>
-            <a:r>
-              <a:rPr lang="en-US" b="1" dirty="0" err="1">
-                <a:solidFill>
-                  <a:schemeClr val="bg1"/>
-                </a:solidFill>
-              </a:rPr>
-              <a:t>orieiented</a:t>
-            </a:r>
-            <a:r>
-              <a:rPr lang="en-US" b="1" dirty="0">
-                <a:solidFill>
-                  <a:schemeClr val="bg1"/>
-                </a:solidFill>
-              </a:rPr>
-              <a:t> programming)</a:t>
+              <a:t>Declarative programming with AOP (Aspect oriented programming)</a:t>
             </a:r>
           </a:p>
           <a:p>
